--- a/Hate_Crime_Data_Analysis_by_AT_SM.pptx
+++ b/Hate_Crime_Data_Analysis_by_AT_SM.pptx
@@ -1,49 +1,56 @@
 
 <file path=ppt/presentation.xml><?xml version="1.0" encoding="utf-8"?>
-<p:presentation xmlns:a="http://schemas.openxmlformats.org/drawingml/2006/main" xmlns:r="http://schemas.openxmlformats.org/officeDocument/2006/relationships" xmlns:mc="http://schemas.openxmlformats.org/markup-compatibility/2006" xmlns:mv="urn:schemas-microsoft-com:mac:vml" xmlns:p="http://schemas.openxmlformats.org/presentationml/2006/main" xmlns:c="http://schemas.openxmlformats.org/drawingml/2006/chart" xmlns:dgm="http://schemas.openxmlformats.org/drawingml/2006/diagram" xmlns:o="urn:schemas-microsoft-com:office:office" xmlns:v="urn:schemas-microsoft-com:vml" xmlns:pvml="urn:schemas-microsoft-com:office:powerpoint" xmlns:com="http://schemas.openxmlformats.org/drawingml/2006/compatibility" xmlns:p14="http://schemas.microsoft.com/office/powerpoint/2010/main" xmlns:p15="http://schemas.microsoft.com/office/powerpoint/2012/main" xmlns:ahyp="http://schemas.microsoft.com/office/drawing/2018/hyperlinkcolor" autoCompressPictures="0" embedTrueTypeFonts="1" strictFirstAndLastChars="0" saveSubsetFonts="1">
+<p:presentation xmlns:a="http://schemas.openxmlformats.org/drawingml/2006/main" xmlns:r="http://schemas.openxmlformats.org/officeDocument/2006/relationships" xmlns:p="http://schemas.openxmlformats.org/presentationml/2006/main" strictFirstAndLastChars="0" embedTrueTypeFonts="1" saveSubsetFonts="1" autoCompressPictures="0">
   <p:sldMasterIdLst>
-    <p:sldMasterId id="2147483659" r:id="rId4"/>
+    <p:sldMasterId id="2147483659" r:id="rId1"/>
   </p:sldMasterIdLst>
   <p:notesMasterIdLst>
-    <p:notesMasterId r:id="rId5"/>
+    <p:notesMasterId r:id="rId17"/>
   </p:notesMasterIdLst>
   <p:sldIdLst>
-    <p:sldId id="256" r:id="rId6"/>
-    <p:sldId id="257" r:id="rId7"/>
-    <p:sldId id="258" r:id="rId8"/>
-    <p:sldId id="259" r:id="rId9"/>
-    <p:sldId id="260" r:id="rId10"/>
-    <p:sldId id="261" r:id="rId11"/>
-    <p:sldId id="262" r:id="rId12"/>
-    <p:sldId id="263" r:id="rId13"/>
-    <p:sldId id="264" r:id="rId14"/>
-    <p:sldId id="265" r:id="rId15"/>
-    <p:sldId id="266" r:id="rId16"/>
-    <p:sldId id="267" r:id="rId17"/>
-    <p:sldId id="268" r:id="rId18"/>
-    <p:sldId id="269" r:id="rId19"/>
-    <p:sldId id="270" r:id="rId20"/>
+    <p:sldId id="256" r:id="rId2"/>
+    <p:sldId id="257" r:id="rId3"/>
+    <p:sldId id="258" r:id="rId4"/>
+    <p:sldId id="259" r:id="rId5"/>
+    <p:sldId id="260" r:id="rId6"/>
+    <p:sldId id="261" r:id="rId7"/>
+    <p:sldId id="262" r:id="rId8"/>
+    <p:sldId id="263" r:id="rId9"/>
+    <p:sldId id="264" r:id="rId10"/>
+    <p:sldId id="265" r:id="rId11"/>
+    <p:sldId id="266" r:id="rId12"/>
+    <p:sldId id="267" r:id="rId13"/>
+    <p:sldId id="268" r:id="rId14"/>
+    <p:sldId id="269" r:id="rId15"/>
+    <p:sldId id="270" r:id="rId16"/>
   </p:sldIdLst>
-  <p:sldSz cy="5143500" cx="9144000"/>
+  <p:sldSz cx="9144000" cy="5143500" type="screen16x9"/>
   <p:notesSz cx="6858000" cy="9144000"/>
   <p:embeddedFontLst>
     <p:embeddedFont>
-      <p:font typeface="Montserrat"/>
-      <p:regular r:id="rId21"/>
-      <p:bold r:id="rId22"/>
-      <p:italic r:id="rId23"/>
-      <p:boldItalic r:id="rId24"/>
+      <p:font typeface="Georgia" panose="02040502050405020303" pitchFamily="18" charset="0"/>
+      <p:regular r:id="rId18"/>
+      <p:bold r:id="rId19"/>
+      <p:italic r:id="rId20"/>
+      <p:boldItalic r:id="rId21"/>
     </p:embeddedFont>
     <p:embeddedFont>
-      <p:font typeface="Lato"/>
-      <p:regular r:id="rId25"/>
-      <p:bold r:id="rId26"/>
-      <p:italic r:id="rId27"/>
-      <p:boldItalic r:id="rId28"/>
+      <p:font typeface="Lato" panose="020F0502020204030203" pitchFamily="34" charset="0"/>
+      <p:regular r:id="rId22"/>
+      <p:bold r:id="rId23"/>
+      <p:italic r:id="rId24"/>
+      <p:boldItalic r:id="rId25"/>
+    </p:embeddedFont>
+    <p:embeddedFont>
+      <p:font typeface="Montserrat" panose="00000500000000000000" pitchFamily="2" charset="0"/>
+      <p:regular r:id="rId26"/>
+      <p:bold r:id="rId27"/>
+      <p:italic r:id="rId28"/>
+      <p:boldItalic r:id="rId29"/>
     </p:embeddedFont>
   </p:embeddedFontLst>
   <p:defaultTextStyle>
-    <a:defPPr lvl="0" marR="0" rtl="0" algn="l">
+    <a:defPPr marR="0" lvl="0" algn="l" rtl="0">
       <a:lnSpc>
         <a:spcPct val="100000"/>
       </a:lnSpc>
@@ -54,7 +61,7 @@
         <a:spcPts val="0"/>
       </a:spcAft>
     </a:defPPr>
-    <a:lvl1pPr lvl="0" marR="0" rtl="0" algn="l">
+    <a:lvl1pPr marR="0" lvl="0" algn="l" rtl="0">
       <a:lnSpc>
         <a:spcPct val="100000"/>
       </a:lnSpc>
@@ -68,7 +75,7 @@
         <a:srgbClr val="000000"/>
       </a:buClr>
       <a:buFont typeface="Arial"/>
-      <a:defRPr b="0" i="0" sz="1400" u="none" cap="none" strike="noStrike">
+      <a:defRPr sz="1400" b="0" i="0" u="none" strike="noStrike" cap="none">
         <a:solidFill>
           <a:srgbClr val="000000"/>
         </a:solidFill>
@@ -78,7 +85,7 @@
         <a:sym typeface="Arial"/>
       </a:defRPr>
     </a:lvl1pPr>
-    <a:lvl2pPr lvl="1" marR="0" rtl="0" algn="l">
+    <a:lvl2pPr marR="0" lvl="1" algn="l" rtl="0">
       <a:lnSpc>
         <a:spcPct val="100000"/>
       </a:lnSpc>
@@ -92,7 +99,7 @@
         <a:srgbClr val="000000"/>
       </a:buClr>
       <a:buFont typeface="Arial"/>
-      <a:defRPr b="0" i="0" sz="1400" u="none" cap="none" strike="noStrike">
+      <a:defRPr sz="1400" b="0" i="0" u="none" strike="noStrike" cap="none">
         <a:solidFill>
           <a:srgbClr val="000000"/>
         </a:solidFill>
@@ -102,7 +109,7 @@
         <a:sym typeface="Arial"/>
       </a:defRPr>
     </a:lvl2pPr>
-    <a:lvl3pPr lvl="2" marR="0" rtl="0" algn="l">
+    <a:lvl3pPr marR="0" lvl="2" algn="l" rtl="0">
       <a:lnSpc>
         <a:spcPct val="100000"/>
       </a:lnSpc>
@@ -116,7 +123,7 @@
         <a:srgbClr val="000000"/>
       </a:buClr>
       <a:buFont typeface="Arial"/>
-      <a:defRPr b="0" i="0" sz="1400" u="none" cap="none" strike="noStrike">
+      <a:defRPr sz="1400" b="0" i="0" u="none" strike="noStrike" cap="none">
         <a:solidFill>
           <a:srgbClr val="000000"/>
         </a:solidFill>
@@ -126,7 +133,7 @@
         <a:sym typeface="Arial"/>
       </a:defRPr>
     </a:lvl3pPr>
-    <a:lvl4pPr lvl="3" marR="0" rtl="0" algn="l">
+    <a:lvl4pPr marR="0" lvl="3" algn="l" rtl="0">
       <a:lnSpc>
         <a:spcPct val="100000"/>
       </a:lnSpc>
@@ -140,7 +147,7 @@
         <a:srgbClr val="000000"/>
       </a:buClr>
       <a:buFont typeface="Arial"/>
-      <a:defRPr b="0" i="0" sz="1400" u="none" cap="none" strike="noStrike">
+      <a:defRPr sz="1400" b="0" i="0" u="none" strike="noStrike" cap="none">
         <a:solidFill>
           <a:srgbClr val="000000"/>
         </a:solidFill>
@@ -150,7 +157,7 @@
         <a:sym typeface="Arial"/>
       </a:defRPr>
     </a:lvl4pPr>
-    <a:lvl5pPr lvl="4" marR="0" rtl="0" algn="l">
+    <a:lvl5pPr marR="0" lvl="4" algn="l" rtl="0">
       <a:lnSpc>
         <a:spcPct val="100000"/>
       </a:lnSpc>
@@ -164,7 +171,7 @@
         <a:srgbClr val="000000"/>
       </a:buClr>
       <a:buFont typeface="Arial"/>
-      <a:defRPr b="0" i="0" sz="1400" u="none" cap="none" strike="noStrike">
+      <a:defRPr sz="1400" b="0" i="0" u="none" strike="noStrike" cap="none">
         <a:solidFill>
           <a:srgbClr val="000000"/>
         </a:solidFill>
@@ -174,7 +181,7 @@
         <a:sym typeface="Arial"/>
       </a:defRPr>
     </a:lvl5pPr>
-    <a:lvl6pPr lvl="5" marR="0" rtl="0" algn="l">
+    <a:lvl6pPr marR="0" lvl="5" algn="l" rtl="0">
       <a:lnSpc>
         <a:spcPct val="100000"/>
       </a:lnSpc>
@@ -188,7 +195,7 @@
         <a:srgbClr val="000000"/>
       </a:buClr>
       <a:buFont typeface="Arial"/>
-      <a:defRPr b="0" i="0" sz="1400" u="none" cap="none" strike="noStrike">
+      <a:defRPr sz="1400" b="0" i="0" u="none" strike="noStrike" cap="none">
         <a:solidFill>
           <a:srgbClr val="000000"/>
         </a:solidFill>
@@ -198,7 +205,7 @@
         <a:sym typeface="Arial"/>
       </a:defRPr>
     </a:lvl6pPr>
-    <a:lvl7pPr lvl="6" marR="0" rtl="0" algn="l">
+    <a:lvl7pPr marR="0" lvl="6" algn="l" rtl="0">
       <a:lnSpc>
         <a:spcPct val="100000"/>
       </a:lnSpc>
@@ -212,7 +219,7 @@
         <a:srgbClr val="000000"/>
       </a:buClr>
       <a:buFont typeface="Arial"/>
-      <a:defRPr b="0" i="0" sz="1400" u="none" cap="none" strike="noStrike">
+      <a:defRPr sz="1400" b="0" i="0" u="none" strike="noStrike" cap="none">
         <a:solidFill>
           <a:srgbClr val="000000"/>
         </a:solidFill>
@@ -222,7 +229,7 @@
         <a:sym typeface="Arial"/>
       </a:defRPr>
     </a:lvl7pPr>
-    <a:lvl8pPr lvl="7" marR="0" rtl="0" algn="l">
+    <a:lvl8pPr marR="0" lvl="7" algn="l" rtl="0">
       <a:lnSpc>
         <a:spcPct val="100000"/>
       </a:lnSpc>
@@ -236,7 +243,7 @@
         <a:srgbClr val="000000"/>
       </a:buClr>
       <a:buFont typeface="Arial"/>
-      <a:defRPr b="0" i="0" sz="1400" u="none" cap="none" strike="noStrike">
+      <a:defRPr sz="1400" b="0" i="0" u="none" strike="noStrike" cap="none">
         <a:solidFill>
           <a:srgbClr val="000000"/>
         </a:solidFill>
@@ -246,7 +253,7 @@
         <a:sym typeface="Arial"/>
       </a:defRPr>
     </a:lvl8pPr>
-    <a:lvl9pPr lvl="8" marR="0" rtl="0" algn="l">
+    <a:lvl9pPr marR="0" lvl="8" algn="l" rtl="0">
       <a:lnSpc>
         <a:spcPct val="100000"/>
       </a:lnSpc>
@@ -260,7 +267,7 @@
         <a:srgbClr val="000000"/>
       </a:buClr>
       <a:buFont typeface="Arial"/>
-      <a:defRPr b="0" i="0" sz="1400" u="none" cap="none" strike="noStrike">
+      <a:defRPr sz="1400" b="0" i="0" u="none" strike="noStrike" cap="none">
         <a:solidFill>
           <a:srgbClr val="000000"/>
         </a:solidFill>
@@ -273,7 +280,7 @@
   </p:defaultTextStyle>
   <p:extLst>
     <p:ext uri="{EFAFB233-063F-42B5-8137-9DF3F51BA10A}">
-      <p15:sldGuideLst>
+      <p15:sldGuideLst xmlns:p15="http://schemas.microsoft.com/office/powerpoint/2012/main">
         <p15:guide id="1" orient="horz" pos="1620">
           <p15:clr>
             <a:srgbClr val="A4A3A4"/>
@@ -291,11 +298,16 @@
 </file>
 
 <file path=ppt/notesMasters/notesMaster1.xml><?xml version="1.0" encoding="utf-8"?>
-<p:notesMaster xmlns:a="http://schemas.openxmlformats.org/drawingml/2006/main" xmlns:r="http://schemas.openxmlformats.org/officeDocument/2006/relationships" xmlns:mc="http://schemas.openxmlformats.org/markup-compatibility/2006" xmlns:mv="urn:schemas-microsoft-com:mac:vml" xmlns:p="http://schemas.openxmlformats.org/presentationml/2006/main" xmlns:c="http://schemas.openxmlformats.org/drawingml/2006/chart" xmlns:dgm="http://schemas.openxmlformats.org/drawingml/2006/diagram" xmlns:o="urn:schemas-microsoft-com:office:office" xmlns:v="urn:schemas-microsoft-com:vml" xmlns:pvml="urn:schemas-microsoft-com:office:powerpoint" xmlns:com="http://schemas.openxmlformats.org/drawingml/2006/compatibility" xmlns:p14="http://schemas.microsoft.com/office/powerpoint/2010/main" xmlns:p15="http://schemas.microsoft.com/office/powerpoint/2012/main" xmlns:ahyp="http://schemas.microsoft.com/office/drawing/2018/hyperlinkcolor">
+<p:notesMaster xmlns:a="http://schemas.openxmlformats.org/drawingml/2006/main" xmlns:r="http://schemas.openxmlformats.org/officeDocument/2006/relationships" xmlns:p="http://schemas.openxmlformats.org/presentationml/2006/main">
   <p:cSld>
+    <p:bg>
+      <p:bgRef idx="1001">
+        <a:schemeClr val="bg1"/>
+      </p:bgRef>
+    </p:bg>
     <p:spTree>
       <p:nvGrpSpPr>
-        <p:cNvPr id="2" name="Shape 2"/>
+        <p:cNvPr id="1" name="Shape 2"/>
         <p:cNvGrpSpPr/>
         <p:nvPr/>
       </p:nvGrpSpPr>
@@ -310,9 +322,11 @@
       <p:sp>
         <p:nvSpPr>
           <p:cNvPr id="3" name="Google Shape;3;n"/>
-          <p:cNvSpPr/>
+          <p:cNvSpPr>
+            <a:spLocks noGrp="1" noRot="1" noChangeAspect="1"/>
+          </p:cNvSpPr>
           <p:nvPr>
-            <p:ph idx="2" type="sldImg"/>
+            <p:ph type="sldImg" idx="2"/>
           </p:nvPr>
         </p:nvSpPr>
         <p:spPr>
@@ -321,9 +335,13 @@
             <a:ext cx="6096075" cy="3429000"/>
           </a:xfrm>
           <a:custGeom>
-            <a:rect b="b" l="l" r="r" t="t"/>
+            <a:avLst/>
+            <a:gdLst/>
+            <a:ahLst/>
+            <a:cxnLst/>
+            <a:rect l="l" t="t" r="r" b="b"/>
             <a:pathLst>
-              <a:path extrusionOk="0" h="120000" w="120000">
+              <a:path w="120000" h="120000" extrusionOk="0">
                 <a:moveTo>
                   <a:pt x="0" y="0"/>
                 </a:moveTo>
@@ -341,23 +359,25 @@
             </a:pathLst>
           </a:custGeom>
           <a:noFill/>
-          <a:ln cap="flat" cmpd="sng" w="9525">
+          <a:ln w="9525" cap="flat" cmpd="sng">
             <a:solidFill>
               <a:srgbClr val="000000"/>
             </a:solidFill>
             <a:prstDash val="solid"/>
             <a:round/>
-            <a:headEnd len="sm" w="sm" type="none"/>
-            <a:tailEnd len="sm" w="sm" type="none"/>
+            <a:headEnd type="none" w="sm" len="sm"/>
+            <a:tailEnd type="none" w="sm" len="sm"/>
           </a:ln>
         </p:spPr>
       </p:sp>
       <p:sp>
         <p:nvSpPr>
           <p:cNvPr id="4" name="Google Shape;4;n"/>
-          <p:cNvSpPr txBox="1"/>
+          <p:cNvSpPr txBox="1">
+            <a:spLocks noGrp="1"/>
+          </p:cNvSpPr>
           <p:nvPr>
-            <p:ph idx="1" type="body"/>
+            <p:ph type="body" idx="1"/>
           </p:nvPr>
         </p:nvSpPr>
         <p:spPr>
@@ -374,11 +394,11 @@
           </a:ln>
         </p:spPr>
         <p:txBody>
-          <a:bodyPr anchorCtr="0" anchor="t" bIns="91425" lIns="91425" spcFirstLastPara="1" rIns="91425" wrap="square" tIns="91425">
+          <a:bodyPr spcFirstLastPara="1" wrap="square" lIns="91425" tIns="91425" rIns="91425" bIns="91425" anchor="t" anchorCtr="0">
             <a:noAutofit/>
           </a:bodyPr>
           <a:lstStyle>
-            <a:lvl1pPr indent="-298450" lvl="0" marL="457200">
+            <a:lvl1pPr marL="457200" lvl="0" indent="-298450">
               <a:spcBef>
                 <a:spcPts val="0"/>
               </a:spcBef>
@@ -389,7 +409,7 @@
               <a:buChar char="●"/>
               <a:defRPr sz="1100"/>
             </a:lvl1pPr>
-            <a:lvl2pPr indent="-298450" lvl="1" marL="914400">
+            <a:lvl2pPr marL="914400" lvl="1" indent="-298450">
               <a:spcBef>
                 <a:spcPts val="0"/>
               </a:spcBef>
@@ -400,7 +420,7 @@
               <a:buChar char="○"/>
               <a:defRPr sz="1100"/>
             </a:lvl2pPr>
-            <a:lvl3pPr indent="-298450" lvl="2" marL="1371600">
+            <a:lvl3pPr marL="1371600" lvl="2" indent="-298450">
               <a:spcBef>
                 <a:spcPts val="0"/>
               </a:spcBef>
@@ -411,7 +431,7 @@
               <a:buChar char="■"/>
               <a:defRPr sz="1100"/>
             </a:lvl3pPr>
-            <a:lvl4pPr indent="-298450" lvl="3" marL="1828800">
+            <a:lvl4pPr marL="1828800" lvl="3" indent="-298450">
               <a:spcBef>
                 <a:spcPts val="0"/>
               </a:spcBef>
@@ -422,7 +442,7 @@
               <a:buChar char="●"/>
               <a:defRPr sz="1100"/>
             </a:lvl4pPr>
-            <a:lvl5pPr indent="-298450" lvl="4" marL="2286000">
+            <a:lvl5pPr marL="2286000" lvl="4" indent="-298450">
               <a:spcBef>
                 <a:spcPts val="0"/>
               </a:spcBef>
@@ -433,7 +453,7 @@
               <a:buChar char="○"/>
               <a:defRPr sz="1100"/>
             </a:lvl5pPr>
-            <a:lvl6pPr indent="-298450" lvl="5" marL="2743200">
+            <a:lvl6pPr marL="2743200" lvl="5" indent="-298450">
               <a:spcBef>
                 <a:spcPts val="0"/>
               </a:spcBef>
@@ -444,7 +464,7 @@
               <a:buChar char="■"/>
               <a:defRPr sz="1100"/>
             </a:lvl6pPr>
-            <a:lvl7pPr indent="-298450" lvl="6" marL="3200400">
+            <a:lvl7pPr marL="3200400" lvl="6" indent="-298450">
               <a:spcBef>
                 <a:spcPts val="0"/>
               </a:spcBef>
@@ -455,7 +475,7 @@
               <a:buChar char="●"/>
               <a:defRPr sz="1100"/>
             </a:lvl7pPr>
-            <a:lvl8pPr indent="-298450" lvl="7" marL="3657600">
+            <a:lvl8pPr marL="3657600" lvl="7" indent="-298450">
               <a:spcBef>
                 <a:spcPts val="0"/>
               </a:spcBef>
@@ -466,7 +486,7 @@
               <a:buChar char="○"/>
               <a:defRPr sz="1100"/>
             </a:lvl8pPr>
-            <a:lvl9pPr indent="-298450" lvl="8" marL="4114800">
+            <a:lvl9pPr marL="4114800" lvl="8" indent="-298450">
               <a:spcBef>
                 <a:spcPts val="0"/>
               </a:spcBef>
@@ -478,14 +498,16 @@
               <a:defRPr sz="1100"/>
             </a:lvl9pPr>
           </a:lstStyle>
-          <a:p/>
+          <a:p>
+            <a:endParaRPr/>
+          </a:p>
         </p:txBody>
       </p:sp>
     </p:spTree>
   </p:cSld>
-  <p:clrMap accent1="accent1" accent2="accent2" accent3="accent3" accent4="accent4" accent5="accent5" accent6="accent6" bg1="lt1" bg2="dk2" tx1="dk1" tx2="lt2" folHlink="folHlink" hlink="hlink"/>
+  <p:clrMap bg1="lt1" tx1="dk1" bg2="dk2" tx2="lt2" accent1="accent1" accent2="accent2" accent3="accent3" accent4="accent4" accent5="accent5" accent6="accent6" hlink="hlink" folHlink="folHlink"/>
   <p:notesStyle>
-    <a:defPPr lvl="0" marR="0" rtl="0" algn="l">
+    <a:defPPr marR="0" lvl="0" algn="l" rtl="0">
       <a:lnSpc>
         <a:spcPct val="100000"/>
       </a:lnSpc>
@@ -496,7 +518,7 @@
         <a:spcPts val="0"/>
       </a:spcAft>
     </a:defPPr>
-    <a:lvl1pPr lvl="0" marR="0" rtl="0" algn="l">
+    <a:lvl1pPr marR="0" lvl="0" algn="l" rtl="0">
       <a:lnSpc>
         <a:spcPct val="100000"/>
       </a:lnSpc>
@@ -510,7 +532,7 @@
         <a:srgbClr val="000000"/>
       </a:buClr>
       <a:buFont typeface="Arial"/>
-      <a:defRPr b="0" i="0" sz="1400" u="none" cap="none" strike="noStrike">
+      <a:defRPr sz="1400" b="0" i="0" u="none" strike="noStrike" cap="none">
         <a:solidFill>
           <a:srgbClr val="000000"/>
         </a:solidFill>
@@ -520,7 +542,7 @@
         <a:sym typeface="Arial"/>
       </a:defRPr>
     </a:lvl1pPr>
-    <a:lvl2pPr lvl="1" marR="0" rtl="0" algn="l">
+    <a:lvl2pPr marR="0" lvl="1" algn="l" rtl="0">
       <a:lnSpc>
         <a:spcPct val="100000"/>
       </a:lnSpc>
@@ -534,7 +556,7 @@
         <a:srgbClr val="000000"/>
       </a:buClr>
       <a:buFont typeface="Arial"/>
-      <a:defRPr b="0" i="0" sz="1400" u="none" cap="none" strike="noStrike">
+      <a:defRPr sz="1400" b="0" i="0" u="none" strike="noStrike" cap="none">
         <a:solidFill>
           <a:srgbClr val="000000"/>
         </a:solidFill>
@@ -544,7 +566,7 @@
         <a:sym typeface="Arial"/>
       </a:defRPr>
     </a:lvl2pPr>
-    <a:lvl3pPr lvl="2" marR="0" rtl="0" algn="l">
+    <a:lvl3pPr marR="0" lvl="2" algn="l" rtl="0">
       <a:lnSpc>
         <a:spcPct val="100000"/>
       </a:lnSpc>
@@ -558,7 +580,7 @@
         <a:srgbClr val="000000"/>
       </a:buClr>
       <a:buFont typeface="Arial"/>
-      <a:defRPr b="0" i="0" sz="1400" u="none" cap="none" strike="noStrike">
+      <a:defRPr sz="1400" b="0" i="0" u="none" strike="noStrike" cap="none">
         <a:solidFill>
           <a:srgbClr val="000000"/>
         </a:solidFill>
@@ -568,7 +590,7 @@
         <a:sym typeface="Arial"/>
       </a:defRPr>
     </a:lvl3pPr>
-    <a:lvl4pPr lvl="3" marR="0" rtl="0" algn="l">
+    <a:lvl4pPr marR="0" lvl="3" algn="l" rtl="0">
       <a:lnSpc>
         <a:spcPct val="100000"/>
       </a:lnSpc>
@@ -582,7 +604,7 @@
         <a:srgbClr val="000000"/>
       </a:buClr>
       <a:buFont typeface="Arial"/>
-      <a:defRPr b="0" i="0" sz="1400" u="none" cap="none" strike="noStrike">
+      <a:defRPr sz="1400" b="0" i="0" u="none" strike="noStrike" cap="none">
         <a:solidFill>
           <a:srgbClr val="000000"/>
         </a:solidFill>
@@ -592,7 +614,7 @@
         <a:sym typeface="Arial"/>
       </a:defRPr>
     </a:lvl4pPr>
-    <a:lvl5pPr lvl="4" marR="0" rtl="0" algn="l">
+    <a:lvl5pPr marR="0" lvl="4" algn="l" rtl="0">
       <a:lnSpc>
         <a:spcPct val="100000"/>
       </a:lnSpc>
@@ -606,7 +628,7 @@
         <a:srgbClr val="000000"/>
       </a:buClr>
       <a:buFont typeface="Arial"/>
-      <a:defRPr b="0" i="0" sz="1400" u="none" cap="none" strike="noStrike">
+      <a:defRPr sz="1400" b="0" i="0" u="none" strike="noStrike" cap="none">
         <a:solidFill>
           <a:srgbClr val="000000"/>
         </a:solidFill>
@@ -616,7 +638,7 @@
         <a:sym typeface="Arial"/>
       </a:defRPr>
     </a:lvl5pPr>
-    <a:lvl6pPr lvl="5" marR="0" rtl="0" algn="l">
+    <a:lvl6pPr marR="0" lvl="5" algn="l" rtl="0">
       <a:lnSpc>
         <a:spcPct val="100000"/>
       </a:lnSpc>
@@ -630,7 +652,7 @@
         <a:srgbClr val="000000"/>
       </a:buClr>
       <a:buFont typeface="Arial"/>
-      <a:defRPr b="0" i="0" sz="1400" u="none" cap="none" strike="noStrike">
+      <a:defRPr sz="1400" b="0" i="0" u="none" strike="noStrike" cap="none">
         <a:solidFill>
           <a:srgbClr val="000000"/>
         </a:solidFill>
@@ -640,7 +662,7 @@
         <a:sym typeface="Arial"/>
       </a:defRPr>
     </a:lvl6pPr>
-    <a:lvl7pPr lvl="6" marR="0" rtl="0" algn="l">
+    <a:lvl7pPr marR="0" lvl="6" algn="l" rtl="0">
       <a:lnSpc>
         <a:spcPct val="100000"/>
       </a:lnSpc>
@@ -654,7 +676,7 @@
         <a:srgbClr val="000000"/>
       </a:buClr>
       <a:buFont typeface="Arial"/>
-      <a:defRPr b="0" i="0" sz="1400" u="none" cap="none" strike="noStrike">
+      <a:defRPr sz="1400" b="0" i="0" u="none" strike="noStrike" cap="none">
         <a:solidFill>
           <a:srgbClr val="000000"/>
         </a:solidFill>
@@ -664,7 +686,7 @@
         <a:sym typeface="Arial"/>
       </a:defRPr>
     </a:lvl7pPr>
-    <a:lvl8pPr lvl="7" marR="0" rtl="0" algn="l">
+    <a:lvl8pPr marR="0" lvl="7" algn="l" rtl="0">
       <a:lnSpc>
         <a:spcPct val="100000"/>
       </a:lnSpc>
@@ -678,7 +700,7 @@
         <a:srgbClr val="000000"/>
       </a:buClr>
       <a:buFont typeface="Arial"/>
-      <a:defRPr b="0" i="0" sz="1400" u="none" cap="none" strike="noStrike">
+      <a:defRPr sz="1400" b="0" i="0" u="none" strike="noStrike" cap="none">
         <a:solidFill>
           <a:srgbClr val="000000"/>
         </a:solidFill>
@@ -688,7 +710,7 @@
         <a:sym typeface="Arial"/>
       </a:defRPr>
     </a:lvl8pPr>
-    <a:lvl9pPr lvl="8" marR="0" rtl="0" algn="l">
+    <a:lvl9pPr marR="0" lvl="8" algn="l" rtl="0">
       <a:lnSpc>
         <a:spcPct val="100000"/>
       </a:lnSpc>
@@ -702,7 +724,7 @@
         <a:srgbClr val="000000"/>
       </a:buClr>
       <a:buFont typeface="Arial"/>
-      <a:defRPr b="0" i="0" sz="1400" u="none" cap="none" strike="noStrike">
+      <a:defRPr sz="1400" b="0" i="0" u="none" strike="noStrike" cap="none">
         <a:solidFill>
           <a:srgbClr val="000000"/>
         </a:solidFill>
@@ -717,11 +739,11 @@
 </file>
 
 <file path=ppt/notesSlides/notesSlide1.xml><?xml version="1.0" encoding="utf-8"?>
-<p:notes xmlns:a="http://schemas.openxmlformats.org/drawingml/2006/main" xmlns:r="http://schemas.openxmlformats.org/officeDocument/2006/relationships" xmlns:mc="http://schemas.openxmlformats.org/markup-compatibility/2006" xmlns:mv="urn:schemas-microsoft-com:mac:vml" xmlns:p="http://schemas.openxmlformats.org/presentationml/2006/main" xmlns:c="http://schemas.openxmlformats.org/drawingml/2006/chart" xmlns:dgm="http://schemas.openxmlformats.org/drawingml/2006/diagram" xmlns:o="urn:schemas-microsoft-com:office:office" xmlns:v="urn:schemas-microsoft-com:vml" xmlns:pvml="urn:schemas-microsoft-com:office:powerpoint" xmlns:com="http://schemas.openxmlformats.org/drawingml/2006/compatibility" xmlns:p14="http://schemas.microsoft.com/office/powerpoint/2010/main" xmlns:p15="http://schemas.microsoft.com/office/powerpoint/2012/main" xmlns:ahyp="http://schemas.microsoft.com/office/drawing/2018/hyperlinkcolor" showMasterPhAnim="0" showMasterSp="0">
+<p:notes xmlns:a="http://schemas.openxmlformats.org/drawingml/2006/main" xmlns:r="http://schemas.openxmlformats.org/officeDocument/2006/relationships" xmlns:p="http://schemas.openxmlformats.org/presentationml/2006/main" showMasterSp="0" showMasterPhAnim="0">
   <p:cSld>
     <p:spTree>
       <p:nvGrpSpPr>
-        <p:cNvPr id="130" name="Shape 130"/>
+        <p:cNvPr id="1" name="Shape 130"/>
         <p:cNvGrpSpPr/>
         <p:nvPr/>
       </p:nvGrpSpPr>
@@ -736,9 +758,11 @@
       <p:sp>
         <p:nvSpPr>
           <p:cNvPr id="131" name="Google Shape;131;p:notes"/>
-          <p:cNvSpPr/>
+          <p:cNvSpPr>
+            <a:spLocks noGrp="1" noRot="1" noChangeAspect="1"/>
+          </p:cNvSpPr>
           <p:nvPr>
-            <p:ph idx="2" type="sldImg"/>
+            <p:ph type="sldImg" idx="2"/>
           </p:nvPr>
         </p:nvSpPr>
         <p:spPr>
@@ -747,9 +771,13 @@
             <a:ext cx="6096075" cy="3429000"/>
           </a:xfrm>
           <a:custGeom>
-            <a:rect b="b" l="l" r="r" t="t"/>
+            <a:avLst/>
+            <a:gdLst/>
+            <a:ahLst/>
+            <a:cxnLst/>
+            <a:rect l="l" t="t" r="r" b="b"/>
             <a:pathLst>
-              <a:path extrusionOk="0" h="120000" w="120000">
+              <a:path w="120000" h="120000" extrusionOk="0">
                 <a:moveTo>
                   <a:pt x="0" y="0"/>
                 </a:moveTo>
@@ -771,9 +799,11 @@
       <p:sp>
         <p:nvSpPr>
           <p:cNvPr id="132" name="Google Shape;132;p:notes"/>
-          <p:cNvSpPr txBox="1"/>
+          <p:cNvSpPr txBox="1">
+            <a:spLocks noGrp="1"/>
+          </p:cNvSpPr>
           <p:nvPr>
-            <p:ph idx="1" type="body"/>
+            <p:ph type="body" idx="1"/>
           </p:nvPr>
         </p:nvSpPr>
         <p:spPr>
@@ -786,12 +816,12 @@
           </a:prstGeom>
         </p:spPr>
         <p:txBody>
-          <a:bodyPr anchorCtr="0" anchor="t" bIns="91425" lIns="91425" spcFirstLastPara="1" rIns="91425" wrap="square" tIns="91425">
+          <a:bodyPr spcFirstLastPara="1" wrap="square" lIns="91425" tIns="91425" rIns="91425" bIns="91425" anchor="t" anchorCtr="0">
             <a:noAutofit/>
           </a:bodyPr>
           <a:lstStyle/>
           <a:p>
-            <a:pPr indent="0" lvl="0" marL="0" rtl="0" algn="l">
+            <a:pPr marL="0" lvl="0" indent="0" algn="l" rtl="0">
               <a:spcBef>
                 <a:spcPts val="0"/>
               </a:spcBef>
@@ -800,9 +830,6 @@
               </a:spcAft>
               <a:buNone/>
             </a:pPr>
-            <a:r>
-              <a:t/>
-            </a:r>
             <a:endParaRPr/>
           </a:p>
         </p:txBody>
@@ -816,11 +843,11 @@
 </file>
 
 <file path=ppt/notesSlides/notesSlide10.xml><?xml version="1.0" encoding="utf-8"?>
-<p:notes xmlns:a="http://schemas.openxmlformats.org/drawingml/2006/main" xmlns:r="http://schemas.openxmlformats.org/officeDocument/2006/relationships" xmlns:mc="http://schemas.openxmlformats.org/markup-compatibility/2006" xmlns:mv="urn:schemas-microsoft-com:mac:vml" xmlns:p="http://schemas.openxmlformats.org/presentationml/2006/main" xmlns:c="http://schemas.openxmlformats.org/drawingml/2006/chart" xmlns:dgm="http://schemas.openxmlformats.org/drawingml/2006/diagram" xmlns:o="urn:schemas-microsoft-com:office:office" xmlns:v="urn:schemas-microsoft-com:vml" xmlns:pvml="urn:schemas-microsoft-com:office:powerpoint" xmlns:com="http://schemas.openxmlformats.org/drawingml/2006/compatibility" xmlns:p14="http://schemas.microsoft.com/office/powerpoint/2010/main" xmlns:p15="http://schemas.microsoft.com/office/powerpoint/2012/main" xmlns:ahyp="http://schemas.microsoft.com/office/drawing/2018/hyperlinkcolor" showMasterPhAnim="0" showMasterSp="0">
+<p:notes xmlns:a="http://schemas.openxmlformats.org/drawingml/2006/main" xmlns:r="http://schemas.openxmlformats.org/officeDocument/2006/relationships" xmlns:p="http://schemas.openxmlformats.org/presentationml/2006/main" showMasterSp="0" showMasterPhAnim="0">
   <p:cSld>
     <p:spTree>
       <p:nvGrpSpPr>
-        <p:cNvPr id="190" name="Shape 190"/>
+        <p:cNvPr id="1" name="Shape 190"/>
         <p:cNvGrpSpPr/>
         <p:nvPr/>
       </p:nvGrpSpPr>
@@ -835,20 +862,26 @@
       <p:sp>
         <p:nvSpPr>
           <p:cNvPr id="191" name="Google Shape;191;gfa44c43db0_0_609:notes"/>
-          <p:cNvSpPr/>
+          <p:cNvSpPr>
+            <a:spLocks noGrp="1" noRot="1" noChangeAspect="1"/>
+          </p:cNvSpPr>
           <p:nvPr>
-            <p:ph idx="2" type="sldImg"/>
+            <p:ph type="sldImg" idx="2"/>
           </p:nvPr>
         </p:nvSpPr>
         <p:spPr>
           <a:xfrm>
-            <a:off x="381300" y="685800"/>
+            <a:off x="381000" y="685800"/>
             <a:ext cx="6096000" cy="3429000"/>
           </a:xfrm>
           <a:custGeom>
-            <a:rect b="b" l="l" r="r" t="t"/>
+            <a:avLst/>
+            <a:gdLst/>
+            <a:ahLst/>
+            <a:cxnLst/>
+            <a:rect l="l" t="t" r="r" b="b"/>
             <a:pathLst>
-              <a:path extrusionOk="0" h="120000" w="120000">
+              <a:path w="120000" h="120000" extrusionOk="0">
                 <a:moveTo>
                   <a:pt x="0" y="0"/>
                 </a:moveTo>
@@ -870,9 +903,11 @@
       <p:sp>
         <p:nvSpPr>
           <p:cNvPr id="192" name="Google Shape;192;gfa44c43db0_0_609:notes"/>
-          <p:cNvSpPr txBox="1"/>
+          <p:cNvSpPr txBox="1">
+            <a:spLocks noGrp="1"/>
+          </p:cNvSpPr>
           <p:nvPr>
-            <p:ph idx="1" type="body"/>
+            <p:ph type="body" idx="1"/>
           </p:nvPr>
         </p:nvSpPr>
         <p:spPr>
@@ -885,12 +920,12 @@
           </a:prstGeom>
         </p:spPr>
         <p:txBody>
-          <a:bodyPr anchorCtr="0" anchor="t" bIns="91425" lIns="91425" spcFirstLastPara="1" rIns="91425" wrap="square" tIns="91425">
+          <a:bodyPr spcFirstLastPara="1" wrap="square" lIns="91425" tIns="91425" rIns="91425" bIns="91425" anchor="t" anchorCtr="0">
             <a:noAutofit/>
           </a:bodyPr>
           <a:lstStyle/>
           <a:p>
-            <a:pPr indent="0" lvl="0" marL="0" rtl="0" algn="l">
+            <a:pPr marL="0" lvl="0" indent="0" algn="l" rtl="0">
               <a:spcBef>
                 <a:spcPts val="0"/>
               </a:spcBef>
@@ -899,9 +934,6 @@
               </a:spcAft>
               <a:buNone/>
             </a:pPr>
-            <a:r>
-              <a:t/>
-            </a:r>
             <a:endParaRPr/>
           </a:p>
         </p:txBody>
@@ -915,11 +947,11 @@
 </file>
 
 <file path=ppt/notesSlides/notesSlide11.xml><?xml version="1.0" encoding="utf-8"?>
-<p:notes xmlns:a="http://schemas.openxmlformats.org/drawingml/2006/main" xmlns:r="http://schemas.openxmlformats.org/officeDocument/2006/relationships" xmlns:mc="http://schemas.openxmlformats.org/markup-compatibility/2006" xmlns:mv="urn:schemas-microsoft-com:mac:vml" xmlns:p="http://schemas.openxmlformats.org/presentationml/2006/main" xmlns:c="http://schemas.openxmlformats.org/drawingml/2006/chart" xmlns:dgm="http://schemas.openxmlformats.org/drawingml/2006/diagram" xmlns:o="urn:schemas-microsoft-com:office:office" xmlns:v="urn:schemas-microsoft-com:vml" xmlns:pvml="urn:schemas-microsoft-com:office:powerpoint" xmlns:com="http://schemas.openxmlformats.org/drawingml/2006/compatibility" xmlns:p14="http://schemas.microsoft.com/office/powerpoint/2010/main" xmlns:p15="http://schemas.microsoft.com/office/powerpoint/2012/main" xmlns:ahyp="http://schemas.microsoft.com/office/drawing/2018/hyperlinkcolor" showMasterPhAnim="0" showMasterSp="0">
+<p:notes xmlns:a="http://schemas.openxmlformats.org/drawingml/2006/main" xmlns:r="http://schemas.openxmlformats.org/officeDocument/2006/relationships" xmlns:p="http://schemas.openxmlformats.org/presentationml/2006/main" showMasterSp="0" showMasterPhAnim="0">
   <p:cSld>
     <p:spTree>
       <p:nvGrpSpPr>
-        <p:cNvPr id="196" name="Shape 196"/>
+        <p:cNvPr id="1" name="Shape 196"/>
         <p:cNvGrpSpPr/>
         <p:nvPr/>
       </p:nvGrpSpPr>
@@ -934,20 +966,26 @@
       <p:sp>
         <p:nvSpPr>
           <p:cNvPr id="197" name="Google Shape;197;gfa44c43db0_0_632:notes"/>
-          <p:cNvSpPr/>
+          <p:cNvSpPr>
+            <a:spLocks noGrp="1" noRot="1" noChangeAspect="1"/>
+          </p:cNvSpPr>
           <p:nvPr>
-            <p:ph idx="2" type="sldImg"/>
+            <p:ph type="sldImg" idx="2"/>
           </p:nvPr>
         </p:nvSpPr>
         <p:spPr>
           <a:xfrm>
-            <a:off x="381300" y="685800"/>
+            <a:off x="381000" y="685800"/>
             <a:ext cx="6096000" cy="3429000"/>
           </a:xfrm>
           <a:custGeom>
-            <a:rect b="b" l="l" r="r" t="t"/>
+            <a:avLst/>
+            <a:gdLst/>
+            <a:ahLst/>
+            <a:cxnLst/>
+            <a:rect l="l" t="t" r="r" b="b"/>
             <a:pathLst>
-              <a:path extrusionOk="0" h="120000" w="120000">
+              <a:path w="120000" h="120000" extrusionOk="0">
                 <a:moveTo>
                   <a:pt x="0" y="0"/>
                 </a:moveTo>
@@ -969,9 +1007,11 @@
       <p:sp>
         <p:nvSpPr>
           <p:cNvPr id="198" name="Google Shape;198;gfa44c43db0_0_632:notes"/>
-          <p:cNvSpPr txBox="1"/>
+          <p:cNvSpPr txBox="1">
+            <a:spLocks noGrp="1"/>
+          </p:cNvSpPr>
           <p:nvPr>
-            <p:ph idx="1" type="body"/>
+            <p:ph type="body" idx="1"/>
           </p:nvPr>
         </p:nvSpPr>
         <p:spPr>
@@ -984,12 +1024,12 @@
           </a:prstGeom>
         </p:spPr>
         <p:txBody>
-          <a:bodyPr anchorCtr="0" anchor="t" bIns="91425" lIns="91425" spcFirstLastPara="1" rIns="91425" wrap="square" tIns="91425">
+          <a:bodyPr spcFirstLastPara="1" wrap="square" lIns="91425" tIns="91425" rIns="91425" bIns="91425" anchor="t" anchorCtr="0">
             <a:noAutofit/>
           </a:bodyPr>
           <a:lstStyle/>
           <a:p>
-            <a:pPr indent="0" lvl="0" marL="0" rtl="0" algn="l">
+            <a:pPr marL="0" lvl="0" indent="0" algn="l" rtl="0">
               <a:spcBef>
                 <a:spcPts val="0"/>
               </a:spcBef>
@@ -998,9 +1038,6 @@
               </a:spcAft>
               <a:buNone/>
             </a:pPr>
-            <a:r>
-              <a:t/>
-            </a:r>
             <a:endParaRPr/>
           </a:p>
         </p:txBody>
@@ -1014,11 +1051,11 @@
 </file>
 
 <file path=ppt/notesSlides/notesSlide12.xml><?xml version="1.0" encoding="utf-8"?>
-<p:notes xmlns:a="http://schemas.openxmlformats.org/drawingml/2006/main" xmlns:r="http://schemas.openxmlformats.org/officeDocument/2006/relationships" xmlns:mc="http://schemas.openxmlformats.org/markup-compatibility/2006" xmlns:mv="urn:schemas-microsoft-com:mac:vml" xmlns:p="http://schemas.openxmlformats.org/presentationml/2006/main" xmlns:c="http://schemas.openxmlformats.org/drawingml/2006/chart" xmlns:dgm="http://schemas.openxmlformats.org/drawingml/2006/diagram" xmlns:o="urn:schemas-microsoft-com:office:office" xmlns:v="urn:schemas-microsoft-com:vml" xmlns:pvml="urn:schemas-microsoft-com:office:powerpoint" xmlns:com="http://schemas.openxmlformats.org/drawingml/2006/compatibility" xmlns:p14="http://schemas.microsoft.com/office/powerpoint/2010/main" xmlns:p15="http://schemas.microsoft.com/office/powerpoint/2012/main" xmlns:ahyp="http://schemas.microsoft.com/office/drawing/2018/hyperlinkcolor" showMasterPhAnim="0" showMasterSp="0">
+<p:notes xmlns:a="http://schemas.openxmlformats.org/drawingml/2006/main" xmlns:r="http://schemas.openxmlformats.org/officeDocument/2006/relationships" xmlns:p="http://schemas.openxmlformats.org/presentationml/2006/main" showMasterSp="0" showMasterPhAnim="0">
   <p:cSld>
     <p:spTree>
       <p:nvGrpSpPr>
-        <p:cNvPr id="202" name="Shape 202"/>
+        <p:cNvPr id="1" name="Shape 202"/>
         <p:cNvGrpSpPr/>
         <p:nvPr/>
       </p:nvGrpSpPr>
@@ -1033,9 +1070,11 @@
       <p:sp>
         <p:nvSpPr>
           <p:cNvPr id="203" name="Google Shape;203;gfa44c43db0_0_615:notes"/>
-          <p:cNvSpPr/>
+          <p:cNvSpPr>
+            <a:spLocks noGrp="1" noRot="1" noChangeAspect="1"/>
+          </p:cNvSpPr>
           <p:nvPr>
-            <p:ph idx="2" type="sldImg"/>
+            <p:ph type="sldImg" idx="2"/>
           </p:nvPr>
         </p:nvSpPr>
         <p:spPr>
@@ -1044,9 +1083,13 @@
             <a:ext cx="6096000" cy="3429000"/>
           </a:xfrm>
           <a:custGeom>
-            <a:rect b="b" l="l" r="r" t="t"/>
+            <a:avLst/>
+            <a:gdLst/>
+            <a:ahLst/>
+            <a:cxnLst/>
+            <a:rect l="l" t="t" r="r" b="b"/>
             <a:pathLst>
-              <a:path extrusionOk="0" h="120000" w="120000">
+              <a:path w="120000" h="120000" extrusionOk="0">
                 <a:moveTo>
                   <a:pt x="0" y="0"/>
                 </a:moveTo>
@@ -1068,9 +1111,11 @@
       <p:sp>
         <p:nvSpPr>
           <p:cNvPr id="204" name="Google Shape;204;gfa44c43db0_0_615:notes"/>
-          <p:cNvSpPr txBox="1"/>
+          <p:cNvSpPr txBox="1">
+            <a:spLocks noGrp="1"/>
+          </p:cNvSpPr>
           <p:nvPr>
-            <p:ph idx="1" type="body"/>
+            <p:ph type="body" idx="1"/>
           </p:nvPr>
         </p:nvSpPr>
         <p:spPr>
@@ -1083,12 +1128,12 @@
           </a:prstGeom>
         </p:spPr>
         <p:txBody>
-          <a:bodyPr anchorCtr="0" anchor="t" bIns="91425" lIns="91425" spcFirstLastPara="1" rIns="91425" wrap="square" tIns="91425">
+          <a:bodyPr spcFirstLastPara="1" wrap="square" lIns="91425" tIns="91425" rIns="91425" bIns="91425" anchor="t" anchorCtr="0">
             <a:noAutofit/>
           </a:bodyPr>
           <a:lstStyle/>
           <a:p>
-            <a:pPr indent="0" lvl="0" marL="0" rtl="0" algn="l">
+            <a:pPr marL="0" lvl="0" indent="0" algn="l" rtl="0">
               <a:spcBef>
                 <a:spcPts val="0"/>
               </a:spcBef>
@@ -1097,9 +1142,6 @@
               </a:spcAft>
               <a:buNone/>
             </a:pPr>
-            <a:r>
-              <a:t/>
-            </a:r>
             <a:endParaRPr/>
           </a:p>
         </p:txBody>
@@ -1113,11 +1155,11 @@
 </file>
 
 <file path=ppt/notesSlides/notesSlide13.xml><?xml version="1.0" encoding="utf-8"?>
-<p:notes xmlns:a="http://schemas.openxmlformats.org/drawingml/2006/main" xmlns:r="http://schemas.openxmlformats.org/officeDocument/2006/relationships" xmlns:mc="http://schemas.openxmlformats.org/markup-compatibility/2006" xmlns:mv="urn:schemas-microsoft-com:mac:vml" xmlns:p="http://schemas.openxmlformats.org/presentationml/2006/main" xmlns:c="http://schemas.openxmlformats.org/drawingml/2006/chart" xmlns:dgm="http://schemas.openxmlformats.org/drawingml/2006/diagram" xmlns:o="urn:schemas-microsoft-com:office:office" xmlns:v="urn:schemas-microsoft-com:vml" xmlns:pvml="urn:schemas-microsoft-com:office:powerpoint" xmlns:com="http://schemas.openxmlformats.org/drawingml/2006/compatibility" xmlns:p14="http://schemas.microsoft.com/office/powerpoint/2010/main" xmlns:p15="http://schemas.microsoft.com/office/powerpoint/2012/main" xmlns:ahyp="http://schemas.microsoft.com/office/drawing/2018/hyperlinkcolor" showMasterPhAnim="0" showMasterSp="0">
+<p:notes xmlns:a="http://schemas.openxmlformats.org/drawingml/2006/main" xmlns:r="http://schemas.openxmlformats.org/officeDocument/2006/relationships" xmlns:p="http://schemas.openxmlformats.org/presentationml/2006/main" showMasterSp="0" showMasterPhAnim="0">
   <p:cSld>
     <p:spTree>
       <p:nvGrpSpPr>
-        <p:cNvPr id="209" name="Shape 209"/>
+        <p:cNvPr id="1" name="Shape 209"/>
         <p:cNvGrpSpPr/>
         <p:nvPr/>
       </p:nvGrpSpPr>
@@ -1132,20 +1174,26 @@
       <p:sp>
         <p:nvSpPr>
           <p:cNvPr id="210" name="Google Shape;210;gfa44c43db0_0_626:notes"/>
-          <p:cNvSpPr/>
+          <p:cNvSpPr>
+            <a:spLocks noGrp="1" noRot="1" noChangeAspect="1"/>
+          </p:cNvSpPr>
           <p:nvPr>
-            <p:ph idx="2" type="sldImg"/>
+            <p:ph type="sldImg" idx="2"/>
           </p:nvPr>
         </p:nvSpPr>
         <p:spPr>
           <a:xfrm>
-            <a:off x="381300" y="685800"/>
+            <a:off x="381000" y="685800"/>
             <a:ext cx="6096000" cy="3429000"/>
           </a:xfrm>
           <a:custGeom>
-            <a:rect b="b" l="l" r="r" t="t"/>
+            <a:avLst/>
+            <a:gdLst/>
+            <a:ahLst/>
+            <a:cxnLst/>
+            <a:rect l="l" t="t" r="r" b="b"/>
             <a:pathLst>
-              <a:path extrusionOk="0" h="120000" w="120000">
+              <a:path w="120000" h="120000" extrusionOk="0">
                 <a:moveTo>
                   <a:pt x="0" y="0"/>
                 </a:moveTo>
@@ -1167,9 +1215,11 @@
       <p:sp>
         <p:nvSpPr>
           <p:cNvPr id="211" name="Google Shape;211;gfa44c43db0_0_626:notes"/>
-          <p:cNvSpPr txBox="1"/>
+          <p:cNvSpPr txBox="1">
+            <a:spLocks noGrp="1"/>
+          </p:cNvSpPr>
           <p:nvPr>
-            <p:ph idx="1" type="body"/>
+            <p:ph type="body" idx="1"/>
           </p:nvPr>
         </p:nvSpPr>
         <p:spPr>
@@ -1182,12 +1232,12 @@
           </a:prstGeom>
         </p:spPr>
         <p:txBody>
-          <a:bodyPr anchorCtr="0" anchor="t" bIns="91425" lIns="91425" spcFirstLastPara="1" rIns="91425" wrap="square" tIns="91425">
+          <a:bodyPr spcFirstLastPara="1" wrap="square" lIns="91425" tIns="91425" rIns="91425" bIns="91425" anchor="t" anchorCtr="0">
             <a:noAutofit/>
           </a:bodyPr>
           <a:lstStyle/>
           <a:p>
-            <a:pPr indent="0" lvl="0" marL="0" rtl="0" algn="l">
+            <a:pPr marL="0" lvl="0" indent="0" algn="l" rtl="0">
               <a:spcBef>
                 <a:spcPts val="0"/>
               </a:spcBef>
@@ -1196,9 +1246,6 @@
               </a:spcAft>
               <a:buNone/>
             </a:pPr>
-            <a:r>
-              <a:t/>
-            </a:r>
             <a:endParaRPr/>
           </a:p>
         </p:txBody>
@@ -1212,11 +1259,11 @@
 </file>
 
 <file path=ppt/notesSlides/notesSlide14.xml><?xml version="1.0" encoding="utf-8"?>
-<p:notes xmlns:a="http://schemas.openxmlformats.org/drawingml/2006/main" xmlns:r="http://schemas.openxmlformats.org/officeDocument/2006/relationships" xmlns:mc="http://schemas.openxmlformats.org/markup-compatibility/2006" xmlns:mv="urn:schemas-microsoft-com:mac:vml" xmlns:p="http://schemas.openxmlformats.org/presentationml/2006/main" xmlns:c="http://schemas.openxmlformats.org/drawingml/2006/chart" xmlns:dgm="http://schemas.openxmlformats.org/drawingml/2006/diagram" xmlns:o="urn:schemas-microsoft-com:office:office" xmlns:v="urn:schemas-microsoft-com:vml" xmlns:pvml="urn:schemas-microsoft-com:office:powerpoint" xmlns:com="http://schemas.openxmlformats.org/drawingml/2006/compatibility" xmlns:p14="http://schemas.microsoft.com/office/powerpoint/2010/main" xmlns:p15="http://schemas.microsoft.com/office/powerpoint/2012/main" xmlns:ahyp="http://schemas.microsoft.com/office/drawing/2018/hyperlinkcolor" showMasterPhAnim="0" showMasterSp="0">
+<p:notes xmlns:a="http://schemas.openxmlformats.org/drawingml/2006/main" xmlns:r="http://schemas.openxmlformats.org/officeDocument/2006/relationships" xmlns:p="http://schemas.openxmlformats.org/presentationml/2006/main" showMasterSp="0" showMasterPhAnim="0">
   <p:cSld>
     <p:spTree>
       <p:nvGrpSpPr>
-        <p:cNvPr id="214" name="Shape 214"/>
+        <p:cNvPr id="1" name="Shape 214"/>
         <p:cNvGrpSpPr/>
         <p:nvPr/>
       </p:nvGrpSpPr>
@@ -1231,9 +1278,11 @@
       <p:sp>
         <p:nvSpPr>
           <p:cNvPr id="215" name="Google Shape;215;gfa44c43db0_0_620:notes"/>
-          <p:cNvSpPr/>
+          <p:cNvSpPr>
+            <a:spLocks noGrp="1" noRot="1" noChangeAspect="1"/>
+          </p:cNvSpPr>
           <p:nvPr>
-            <p:ph idx="2" type="sldImg"/>
+            <p:ph type="sldImg" idx="2"/>
           </p:nvPr>
         </p:nvSpPr>
         <p:spPr>
@@ -1242,9 +1291,13 @@
             <a:ext cx="6096000" cy="3429000"/>
           </a:xfrm>
           <a:custGeom>
-            <a:rect b="b" l="l" r="r" t="t"/>
+            <a:avLst/>
+            <a:gdLst/>
+            <a:ahLst/>
+            <a:cxnLst/>
+            <a:rect l="l" t="t" r="r" b="b"/>
             <a:pathLst>
-              <a:path extrusionOk="0" h="120000" w="120000">
+              <a:path w="120000" h="120000" extrusionOk="0">
                 <a:moveTo>
                   <a:pt x="0" y="0"/>
                 </a:moveTo>
@@ -1266,9 +1319,11 @@
       <p:sp>
         <p:nvSpPr>
           <p:cNvPr id="216" name="Google Shape;216;gfa44c43db0_0_620:notes"/>
-          <p:cNvSpPr txBox="1"/>
+          <p:cNvSpPr txBox="1">
+            <a:spLocks noGrp="1"/>
+          </p:cNvSpPr>
           <p:nvPr>
-            <p:ph idx="1" type="body"/>
+            <p:ph type="body" idx="1"/>
           </p:nvPr>
         </p:nvSpPr>
         <p:spPr>
@@ -1281,12 +1336,12 @@
           </a:prstGeom>
         </p:spPr>
         <p:txBody>
-          <a:bodyPr anchorCtr="0" anchor="t" bIns="91425" lIns="91425" spcFirstLastPara="1" rIns="91425" wrap="square" tIns="91425">
+          <a:bodyPr spcFirstLastPara="1" wrap="square" lIns="91425" tIns="91425" rIns="91425" bIns="91425" anchor="t" anchorCtr="0">
             <a:noAutofit/>
           </a:bodyPr>
           <a:lstStyle/>
           <a:p>
-            <a:pPr indent="0" lvl="0" marL="0" rtl="0" algn="l">
+            <a:pPr marL="0" lvl="0" indent="0" algn="l" rtl="0">
               <a:spcBef>
                 <a:spcPts val="0"/>
               </a:spcBef>
@@ -1295,9 +1350,6 @@
               </a:spcAft>
               <a:buNone/>
             </a:pPr>
-            <a:r>
-              <a:t/>
-            </a:r>
             <a:endParaRPr/>
           </a:p>
         </p:txBody>
@@ -1311,11 +1363,11 @@
 </file>
 
 <file path=ppt/notesSlides/notesSlide15.xml><?xml version="1.0" encoding="utf-8"?>
-<p:notes xmlns:a="http://schemas.openxmlformats.org/drawingml/2006/main" xmlns:r="http://schemas.openxmlformats.org/officeDocument/2006/relationships" xmlns:mc="http://schemas.openxmlformats.org/markup-compatibility/2006" xmlns:mv="urn:schemas-microsoft-com:mac:vml" xmlns:p="http://schemas.openxmlformats.org/presentationml/2006/main" xmlns:c="http://schemas.openxmlformats.org/drawingml/2006/chart" xmlns:dgm="http://schemas.openxmlformats.org/drawingml/2006/diagram" xmlns:o="urn:schemas-microsoft-com:office:office" xmlns:v="urn:schemas-microsoft-com:vml" xmlns:pvml="urn:schemas-microsoft-com:office:powerpoint" xmlns:com="http://schemas.openxmlformats.org/drawingml/2006/compatibility" xmlns:p14="http://schemas.microsoft.com/office/powerpoint/2010/main" xmlns:p15="http://schemas.microsoft.com/office/powerpoint/2012/main" xmlns:ahyp="http://schemas.microsoft.com/office/drawing/2018/hyperlinkcolor" showMasterPhAnim="0" showMasterSp="0">
+<p:notes xmlns:a="http://schemas.openxmlformats.org/drawingml/2006/main" xmlns:r="http://schemas.openxmlformats.org/officeDocument/2006/relationships" xmlns:p="http://schemas.openxmlformats.org/presentationml/2006/main" showMasterSp="0" showMasterPhAnim="0">
   <p:cSld>
     <p:spTree>
       <p:nvGrpSpPr>
-        <p:cNvPr id="219" name="Shape 219"/>
+        <p:cNvPr id="1" name="Shape 219"/>
         <p:cNvGrpSpPr/>
         <p:nvPr/>
       </p:nvGrpSpPr>
@@ -1330,9 +1382,11 @@
       <p:sp>
         <p:nvSpPr>
           <p:cNvPr id="220" name="Google Shape;220;g101248f4ef5_0_12:notes"/>
-          <p:cNvSpPr/>
+          <p:cNvSpPr>
+            <a:spLocks noGrp="1" noRot="1" noChangeAspect="1"/>
+          </p:cNvSpPr>
           <p:nvPr>
-            <p:ph idx="2" type="sldImg"/>
+            <p:ph type="sldImg" idx="2"/>
           </p:nvPr>
         </p:nvSpPr>
         <p:spPr>
@@ -1341,9 +1395,13 @@
             <a:ext cx="6096000" cy="3429000"/>
           </a:xfrm>
           <a:custGeom>
-            <a:rect b="b" l="l" r="r" t="t"/>
+            <a:avLst/>
+            <a:gdLst/>
+            <a:ahLst/>
+            <a:cxnLst/>
+            <a:rect l="l" t="t" r="r" b="b"/>
             <a:pathLst>
-              <a:path extrusionOk="0" h="120000" w="120000">
+              <a:path w="120000" h="120000" extrusionOk="0">
                 <a:moveTo>
                   <a:pt x="0" y="0"/>
                 </a:moveTo>
@@ -1365,9 +1423,11 @@
       <p:sp>
         <p:nvSpPr>
           <p:cNvPr id="221" name="Google Shape;221;g101248f4ef5_0_12:notes"/>
-          <p:cNvSpPr txBox="1"/>
+          <p:cNvSpPr txBox="1">
+            <a:spLocks noGrp="1"/>
+          </p:cNvSpPr>
           <p:nvPr>
-            <p:ph idx="1" type="body"/>
+            <p:ph type="body" idx="1"/>
           </p:nvPr>
         </p:nvSpPr>
         <p:spPr>
@@ -1380,12 +1440,12 @@
           </a:prstGeom>
         </p:spPr>
         <p:txBody>
-          <a:bodyPr anchorCtr="0" anchor="t" bIns="91425" lIns="91425" spcFirstLastPara="1" rIns="91425" wrap="square" tIns="91425">
+          <a:bodyPr spcFirstLastPara="1" wrap="square" lIns="91425" tIns="91425" rIns="91425" bIns="91425" anchor="t" anchorCtr="0">
             <a:noAutofit/>
           </a:bodyPr>
           <a:lstStyle/>
           <a:p>
-            <a:pPr indent="0" lvl="0" marL="0" rtl="0" algn="l">
+            <a:pPr marL="0" lvl="0" indent="0" algn="l" rtl="0">
               <a:spcBef>
                 <a:spcPts val="0"/>
               </a:spcBef>
@@ -1394,9 +1454,6 @@
               </a:spcAft>
               <a:buNone/>
             </a:pPr>
-            <a:r>
-              <a:t/>
-            </a:r>
             <a:endParaRPr/>
           </a:p>
         </p:txBody>
@@ -1410,11 +1467,11 @@
 </file>
 
 <file path=ppt/notesSlides/notesSlide2.xml><?xml version="1.0" encoding="utf-8"?>
-<p:notes xmlns:a="http://schemas.openxmlformats.org/drawingml/2006/main" xmlns:r="http://schemas.openxmlformats.org/officeDocument/2006/relationships" xmlns:mc="http://schemas.openxmlformats.org/markup-compatibility/2006" xmlns:mv="urn:schemas-microsoft-com:mac:vml" xmlns:p="http://schemas.openxmlformats.org/presentationml/2006/main" xmlns:c="http://schemas.openxmlformats.org/drawingml/2006/chart" xmlns:dgm="http://schemas.openxmlformats.org/drawingml/2006/diagram" xmlns:o="urn:schemas-microsoft-com:office:office" xmlns:v="urn:schemas-microsoft-com:vml" xmlns:pvml="urn:schemas-microsoft-com:office:powerpoint" xmlns:com="http://schemas.openxmlformats.org/drawingml/2006/compatibility" xmlns:p14="http://schemas.microsoft.com/office/powerpoint/2010/main" xmlns:p15="http://schemas.microsoft.com/office/powerpoint/2012/main" xmlns:ahyp="http://schemas.microsoft.com/office/drawing/2018/hyperlinkcolor" showMasterPhAnim="0" showMasterSp="0">
+<p:notes xmlns:a="http://schemas.openxmlformats.org/drawingml/2006/main" xmlns:r="http://schemas.openxmlformats.org/officeDocument/2006/relationships" xmlns:p="http://schemas.openxmlformats.org/presentationml/2006/main" showMasterSp="0" showMasterPhAnim="0">
   <p:cSld>
     <p:spTree>
       <p:nvGrpSpPr>
-        <p:cNvPr id="136" name="Shape 136"/>
+        <p:cNvPr id="1" name="Shape 136"/>
         <p:cNvGrpSpPr/>
         <p:nvPr/>
       </p:nvGrpSpPr>
@@ -1429,9 +1486,11 @@
       <p:sp>
         <p:nvSpPr>
           <p:cNvPr id="137" name="Google Shape;137;gfa44c43db0_0_125:notes"/>
-          <p:cNvSpPr/>
+          <p:cNvSpPr>
+            <a:spLocks noGrp="1" noRot="1" noChangeAspect="1"/>
+          </p:cNvSpPr>
           <p:nvPr>
-            <p:ph idx="2" type="sldImg"/>
+            <p:ph type="sldImg" idx="2"/>
           </p:nvPr>
         </p:nvSpPr>
         <p:spPr>
@@ -1440,9 +1499,13 @@
             <a:ext cx="6096000" cy="3429000"/>
           </a:xfrm>
           <a:custGeom>
-            <a:rect b="b" l="l" r="r" t="t"/>
+            <a:avLst/>
+            <a:gdLst/>
+            <a:ahLst/>
+            <a:cxnLst/>
+            <a:rect l="l" t="t" r="r" b="b"/>
             <a:pathLst>
-              <a:path extrusionOk="0" h="120000" w="120000">
+              <a:path w="120000" h="120000" extrusionOk="0">
                 <a:moveTo>
                   <a:pt x="0" y="0"/>
                 </a:moveTo>
@@ -1464,9 +1527,11 @@
       <p:sp>
         <p:nvSpPr>
           <p:cNvPr id="138" name="Google Shape;138;gfa44c43db0_0_125:notes"/>
-          <p:cNvSpPr txBox="1"/>
+          <p:cNvSpPr txBox="1">
+            <a:spLocks noGrp="1"/>
+          </p:cNvSpPr>
           <p:nvPr>
-            <p:ph idx="1" type="body"/>
+            <p:ph type="body" idx="1"/>
           </p:nvPr>
         </p:nvSpPr>
         <p:spPr>
@@ -1479,12 +1544,12 @@
           </a:prstGeom>
         </p:spPr>
         <p:txBody>
-          <a:bodyPr anchorCtr="0" anchor="t" bIns="91425" lIns="91425" spcFirstLastPara="1" rIns="91425" wrap="square" tIns="91425">
+          <a:bodyPr spcFirstLastPara="1" wrap="square" lIns="91425" tIns="91425" rIns="91425" bIns="91425" anchor="t" anchorCtr="0">
             <a:noAutofit/>
           </a:bodyPr>
           <a:lstStyle/>
           <a:p>
-            <a:pPr indent="0" lvl="0" marL="0" rtl="0" algn="l">
+            <a:pPr marL="0" lvl="0" indent="0" algn="l" rtl="0">
               <a:spcBef>
                 <a:spcPts val="0"/>
               </a:spcBef>
@@ -1493,9 +1558,6 @@
               </a:spcAft>
               <a:buNone/>
             </a:pPr>
-            <a:r>
-              <a:t/>
-            </a:r>
             <a:endParaRPr/>
           </a:p>
         </p:txBody>
@@ -1509,11 +1571,11 @@
 </file>
 
 <file path=ppt/notesSlides/notesSlide3.xml><?xml version="1.0" encoding="utf-8"?>
-<p:notes xmlns:a="http://schemas.openxmlformats.org/drawingml/2006/main" xmlns:r="http://schemas.openxmlformats.org/officeDocument/2006/relationships" xmlns:mc="http://schemas.openxmlformats.org/markup-compatibility/2006" xmlns:mv="urn:schemas-microsoft-com:mac:vml" xmlns:p="http://schemas.openxmlformats.org/presentationml/2006/main" xmlns:c="http://schemas.openxmlformats.org/drawingml/2006/chart" xmlns:dgm="http://schemas.openxmlformats.org/drawingml/2006/diagram" xmlns:o="urn:schemas-microsoft-com:office:office" xmlns:v="urn:schemas-microsoft-com:vml" xmlns:pvml="urn:schemas-microsoft-com:office:powerpoint" xmlns:com="http://schemas.openxmlformats.org/drawingml/2006/compatibility" xmlns:p14="http://schemas.microsoft.com/office/powerpoint/2010/main" xmlns:p15="http://schemas.microsoft.com/office/powerpoint/2012/main" xmlns:ahyp="http://schemas.microsoft.com/office/drawing/2018/hyperlinkcolor" showMasterPhAnim="0" showMasterSp="0">
+<p:notes xmlns:a="http://schemas.openxmlformats.org/drawingml/2006/main" xmlns:r="http://schemas.openxmlformats.org/officeDocument/2006/relationships" xmlns:p="http://schemas.openxmlformats.org/presentationml/2006/main" showMasterSp="0" showMasterPhAnim="0">
   <p:cSld>
     <p:spTree>
       <p:nvGrpSpPr>
-        <p:cNvPr id="143" name="Shape 143"/>
+        <p:cNvPr id="1" name="Shape 143"/>
         <p:cNvGrpSpPr/>
         <p:nvPr/>
       </p:nvGrpSpPr>
@@ -1528,9 +1590,11 @@
       <p:sp>
         <p:nvSpPr>
           <p:cNvPr id="144" name="Google Shape;144;gfa44c43db0_0_571:notes"/>
-          <p:cNvSpPr/>
+          <p:cNvSpPr>
+            <a:spLocks noGrp="1" noRot="1" noChangeAspect="1"/>
+          </p:cNvSpPr>
           <p:nvPr>
-            <p:ph idx="2" type="sldImg"/>
+            <p:ph type="sldImg" idx="2"/>
           </p:nvPr>
         </p:nvSpPr>
         <p:spPr>
@@ -1539,9 +1603,13 @@
             <a:ext cx="6096000" cy="3429000"/>
           </a:xfrm>
           <a:custGeom>
-            <a:rect b="b" l="l" r="r" t="t"/>
+            <a:avLst/>
+            <a:gdLst/>
+            <a:ahLst/>
+            <a:cxnLst/>
+            <a:rect l="l" t="t" r="r" b="b"/>
             <a:pathLst>
-              <a:path extrusionOk="0" h="120000" w="120000">
+              <a:path w="120000" h="120000" extrusionOk="0">
                 <a:moveTo>
                   <a:pt x="0" y="0"/>
                 </a:moveTo>
@@ -1563,9 +1631,11 @@
       <p:sp>
         <p:nvSpPr>
           <p:cNvPr id="145" name="Google Shape;145;gfa44c43db0_0_571:notes"/>
-          <p:cNvSpPr txBox="1"/>
+          <p:cNvSpPr txBox="1">
+            <a:spLocks noGrp="1"/>
+          </p:cNvSpPr>
           <p:nvPr>
-            <p:ph idx="1" type="body"/>
+            <p:ph type="body" idx="1"/>
           </p:nvPr>
         </p:nvSpPr>
         <p:spPr>
@@ -1578,12 +1648,12 @@
           </a:prstGeom>
         </p:spPr>
         <p:txBody>
-          <a:bodyPr anchorCtr="0" anchor="t" bIns="91425" lIns="91425" spcFirstLastPara="1" rIns="91425" wrap="square" tIns="91425">
+          <a:bodyPr spcFirstLastPara="1" wrap="square" lIns="91425" tIns="91425" rIns="91425" bIns="91425" anchor="t" anchorCtr="0">
             <a:noAutofit/>
           </a:bodyPr>
           <a:lstStyle/>
           <a:p>
-            <a:pPr indent="0" lvl="0" marL="0" rtl="0" algn="l">
+            <a:pPr marL="0" lvl="0" indent="0" algn="l" rtl="0">
               <a:spcBef>
                 <a:spcPts val="0"/>
               </a:spcBef>
@@ -1592,9 +1662,6 @@
               </a:spcAft>
               <a:buNone/>
             </a:pPr>
-            <a:r>
-              <a:t/>
-            </a:r>
             <a:endParaRPr/>
           </a:p>
         </p:txBody>
@@ -1608,11 +1675,11 @@
 </file>
 
 <file path=ppt/notesSlides/notesSlide4.xml><?xml version="1.0" encoding="utf-8"?>
-<p:notes xmlns:a="http://schemas.openxmlformats.org/drawingml/2006/main" xmlns:r="http://schemas.openxmlformats.org/officeDocument/2006/relationships" xmlns:mc="http://schemas.openxmlformats.org/markup-compatibility/2006" xmlns:mv="urn:schemas-microsoft-com:mac:vml" xmlns:p="http://schemas.openxmlformats.org/presentationml/2006/main" xmlns:c="http://schemas.openxmlformats.org/drawingml/2006/chart" xmlns:dgm="http://schemas.openxmlformats.org/drawingml/2006/diagram" xmlns:o="urn:schemas-microsoft-com:office:office" xmlns:v="urn:schemas-microsoft-com:vml" xmlns:pvml="urn:schemas-microsoft-com:office:powerpoint" xmlns:com="http://schemas.openxmlformats.org/drawingml/2006/compatibility" xmlns:p14="http://schemas.microsoft.com/office/powerpoint/2010/main" xmlns:p15="http://schemas.microsoft.com/office/powerpoint/2012/main" xmlns:ahyp="http://schemas.microsoft.com/office/drawing/2018/hyperlinkcolor" showMasterPhAnim="0" showMasterSp="0">
+<p:notes xmlns:a="http://schemas.openxmlformats.org/drawingml/2006/main" xmlns:r="http://schemas.openxmlformats.org/officeDocument/2006/relationships" xmlns:p="http://schemas.openxmlformats.org/presentationml/2006/main" showMasterSp="0" showMasterPhAnim="0">
   <p:cSld>
     <p:spTree>
       <p:nvGrpSpPr>
-        <p:cNvPr id="149" name="Shape 149"/>
+        <p:cNvPr id="1" name="Shape 149"/>
         <p:cNvGrpSpPr/>
         <p:nvPr/>
       </p:nvGrpSpPr>
@@ -1627,9 +1694,11 @@
       <p:sp>
         <p:nvSpPr>
           <p:cNvPr id="150" name="Google Shape;150;gfa44c43db0_0_577:notes"/>
-          <p:cNvSpPr/>
+          <p:cNvSpPr>
+            <a:spLocks noGrp="1" noRot="1" noChangeAspect="1"/>
+          </p:cNvSpPr>
           <p:nvPr>
-            <p:ph idx="2" type="sldImg"/>
+            <p:ph type="sldImg" idx="2"/>
           </p:nvPr>
         </p:nvSpPr>
         <p:spPr>
@@ -1638,9 +1707,13 @@
             <a:ext cx="6096000" cy="3429000"/>
           </a:xfrm>
           <a:custGeom>
-            <a:rect b="b" l="l" r="r" t="t"/>
+            <a:avLst/>
+            <a:gdLst/>
+            <a:ahLst/>
+            <a:cxnLst/>
+            <a:rect l="l" t="t" r="r" b="b"/>
             <a:pathLst>
-              <a:path extrusionOk="0" h="120000" w="120000">
+              <a:path w="120000" h="120000" extrusionOk="0">
                 <a:moveTo>
                   <a:pt x="0" y="0"/>
                 </a:moveTo>
@@ -1662,9 +1735,11 @@
       <p:sp>
         <p:nvSpPr>
           <p:cNvPr id="151" name="Google Shape;151;gfa44c43db0_0_577:notes"/>
-          <p:cNvSpPr txBox="1"/>
+          <p:cNvSpPr txBox="1">
+            <a:spLocks noGrp="1"/>
+          </p:cNvSpPr>
           <p:nvPr>
-            <p:ph idx="1" type="body"/>
+            <p:ph type="body" idx="1"/>
           </p:nvPr>
         </p:nvSpPr>
         <p:spPr>
@@ -1677,12 +1752,12 @@
           </a:prstGeom>
         </p:spPr>
         <p:txBody>
-          <a:bodyPr anchorCtr="0" anchor="t" bIns="91425" lIns="91425" spcFirstLastPara="1" rIns="91425" wrap="square" tIns="91425">
+          <a:bodyPr spcFirstLastPara="1" wrap="square" lIns="91425" tIns="91425" rIns="91425" bIns="91425" anchor="t" anchorCtr="0">
             <a:noAutofit/>
           </a:bodyPr>
           <a:lstStyle/>
           <a:p>
-            <a:pPr indent="0" lvl="0" marL="0" rtl="0" algn="l">
+            <a:pPr marL="0" lvl="0" indent="0" algn="l" rtl="0">
               <a:spcBef>
                 <a:spcPts val="0"/>
               </a:spcBef>
@@ -1691,9 +1766,6 @@
               </a:spcAft>
               <a:buNone/>
             </a:pPr>
-            <a:r>
-              <a:t/>
-            </a:r>
             <a:endParaRPr/>
           </a:p>
         </p:txBody>
@@ -1707,11 +1779,11 @@
 </file>
 
 <file path=ppt/notesSlides/notesSlide5.xml><?xml version="1.0" encoding="utf-8"?>
-<p:notes xmlns:a="http://schemas.openxmlformats.org/drawingml/2006/main" xmlns:r="http://schemas.openxmlformats.org/officeDocument/2006/relationships" xmlns:mc="http://schemas.openxmlformats.org/markup-compatibility/2006" xmlns:mv="urn:schemas-microsoft-com:mac:vml" xmlns:p="http://schemas.openxmlformats.org/presentationml/2006/main" xmlns:c="http://schemas.openxmlformats.org/drawingml/2006/chart" xmlns:dgm="http://schemas.openxmlformats.org/drawingml/2006/diagram" xmlns:o="urn:schemas-microsoft-com:office:office" xmlns:v="urn:schemas-microsoft-com:vml" xmlns:pvml="urn:schemas-microsoft-com:office:powerpoint" xmlns:com="http://schemas.openxmlformats.org/drawingml/2006/compatibility" xmlns:p14="http://schemas.microsoft.com/office/powerpoint/2010/main" xmlns:p15="http://schemas.microsoft.com/office/powerpoint/2012/main" xmlns:ahyp="http://schemas.microsoft.com/office/drawing/2018/hyperlinkcolor" showMasterPhAnim="0" showMasterSp="0">
+<p:notes xmlns:a="http://schemas.openxmlformats.org/drawingml/2006/main" xmlns:r="http://schemas.openxmlformats.org/officeDocument/2006/relationships" xmlns:p="http://schemas.openxmlformats.org/presentationml/2006/main" showMasterSp="0" showMasterPhAnim="0">
   <p:cSld>
     <p:spTree>
       <p:nvGrpSpPr>
-        <p:cNvPr id="155" name="Shape 155"/>
+        <p:cNvPr id="1" name="Shape 155"/>
         <p:cNvGrpSpPr/>
         <p:nvPr/>
       </p:nvGrpSpPr>
@@ -1726,9 +1798,11 @@
       <p:sp>
         <p:nvSpPr>
           <p:cNvPr id="156" name="Google Shape;156;gfa44c43db0_0_587:notes"/>
-          <p:cNvSpPr/>
+          <p:cNvSpPr>
+            <a:spLocks noGrp="1" noRot="1" noChangeAspect="1"/>
+          </p:cNvSpPr>
           <p:nvPr>
-            <p:ph idx="2" type="sldImg"/>
+            <p:ph type="sldImg" idx="2"/>
           </p:nvPr>
         </p:nvSpPr>
         <p:spPr>
@@ -1737,9 +1811,13 @@
             <a:ext cx="6096000" cy="3429000"/>
           </a:xfrm>
           <a:custGeom>
-            <a:rect b="b" l="l" r="r" t="t"/>
+            <a:avLst/>
+            <a:gdLst/>
+            <a:ahLst/>
+            <a:cxnLst/>
+            <a:rect l="l" t="t" r="r" b="b"/>
             <a:pathLst>
-              <a:path extrusionOk="0" h="120000" w="120000">
+              <a:path w="120000" h="120000" extrusionOk="0">
                 <a:moveTo>
                   <a:pt x="0" y="0"/>
                 </a:moveTo>
@@ -1761,9 +1839,11 @@
       <p:sp>
         <p:nvSpPr>
           <p:cNvPr id="157" name="Google Shape;157;gfa44c43db0_0_587:notes"/>
-          <p:cNvSpPr txBox="1"/>
+          <p:cNvSpPr txBox="1">
+            <a:spLocks noGrp="1"/>
+          </p:cNvSpPr>
           <p:nvPr>
-            <p:ph idx="1" type="body"/>
+            <p:ph type="body" idx="1"/>
           </p:nvPr>
         </p:nvSpPr>
         <p:spPr>
@@ -1776,12 +1856,12 @@
           </a:prstGeom>
         </p:spPr>
         <p:txBody>
-          <a:bodyPr anchorCtr="0" anchor="t" bIns="91425" lIns="91425" spcFirstLastPara="1" rIns="91425" wrap="square" tIns="91425">
+          <a:bodyPr spcFirstLastPara="1" wrap="square" lIns="91425" tIns="91425" rIns="91425" bIns="91425" anchor="t" anchorCtr="0">
             <a:noAutofit/>
           </a:bodyPr>
           <a:lstStyle/>
           <a:p>
-            <a:pPr indent="0" lvl="0" marL="0" rtl="0" algn="l">
+            <a:pPr marL="0" lvl="0" indent="0" algn="l" rtl="0">
               <a:spcBef>
                 <a:spcPts val="0"/>
               </a:spcBef>
@@ -1790,9 +1870,6 @@
               </a:spcAft>
               <a:buNone/>
             </a:pPr>
-            <a:r>
-              <a:t/>
-            </a:r>
             <a:endParaRPr/>
           </a:p>
         </p:txBody>
@@ -1806,11 +1883,11 @@
 </file>
 
 <file path=ppt/notesSlides/notesSlide6.xml><?xml version="1.0" encoding="utf-8"?>
-<p:notes xmlns:a="http://schemas.openxmlformats.org/drawingml/2006/main" xmlns:r="http://schemas.openxmlformats.org/officeDocument/2006/relationships" xmlns:mc="http://schemas.openxmlformats.org/markup-compatibility/2006" xmlns:mv="urn:schemas-microsoft-com:mac:vml" xmlns:p="http://schemas.openxmlformats.org/presentationml/2006/main" xmlns:c="http://schemas.openxmlformats.org/drawingml/2006/chart" xmlns:dgm="http://schemas.openxmlformats.org/drawingml/2006/diagram" xmlns:o="urn:schemas-microsoft-com:office:office" xmlns:v="urn:schemas-microsoft-com:vml" xmlns:pvml="urn:schemas-microsoft-com:office:powerpoint" xmlns:com="http://schemas.openxmlformats.org/drawingml/2006/compatibility" xmlns:p14="http://schemas.microsoft.com/office/powerpoint/2010/main" xmlns:p15="http://schemas.microsoft.com/office/powerpoint/2012/main" xmlns:ahyp="http://schemas.microsoft.com/office/drawing/2018/hyperlinkcolor" showMasterPhAnim="0" showMasterSp="0">
+<p:notes xmlns:a="http://schemas.openxmlformats.org/drawingml/2006/main" xmlns:r="http://schemas.openxmlformats.org/officeDocument/2006/relationships" xmlns:p="http://schemas.openxmlformats.org/presentationml/2006/main" showMasterSp="0" showMasterPhAnim="0">
   <p:cSld>
     <p:spTree>
       <p:nvGrpSpPr>
-        <p:cNvPr id="163" name="Shape 163"/>
+        <p:cNvPr id="1" name="Shape 163"/>
         <p:cNvGrpSpPr/>
         <p:nvPr/>
       </p:nvGrpSpPr>
@@ -1825,9 +1902,11 @@
       <p:sp>
         <p:nvSpPr>
           <p:cNvPr id="164" name="Google Shape;164;gfa44c43db0_0_592:notes"/>
-          <p:cNvSpPr/>
+          <p:cNvSpPr>
+            <a:spLocks noGrp="1" noRot="1" noChangeAspect="1"/>
+          </p:cNvSpPr>
           <p:nvPr>
-            <p:ph idx="2" type="sldImg"/>
+            <p:ph type="sldImg" idx="2"/>
           </p:nvPr>
         </p:nvSpPr>
         <p:spPr>
@@ -1836,9 +1915,13 @@
             <a:ext cx="6096000" cy="3429000"/>
           </a:xfrm>
           <a:custGeom>
-            <a:rect b="b" l="l" r="r" t="t"/>
+            <a:avLst/>
+            <a:gdLst/>
+            <a:ahLst/>
+            <a:cxnLst/>
+            <a:rect l="l" t="t" r="r" b="b"/>
             <a:pathLst>
-              <a:path extrusionOk="0" h="120000" w="120000">
+              <a:path w="120000" h="120000" extrusionOk="0">
                 <a:moveTo>
                   <a:pt x="0" y="0"/>
                 </a:moveTo>
@@ -1860,9 +1943,11 @@
       <p:sp>
         <p:nvSpPr>
           <p:cNvPr id="165" name="Google Shape;165;gfa44c43db0_0_592:notes"/>
-          <p:cNvSpPr txBox="1"/>
+          <p:cNvSpPr txBox="1">
+            <a:spLocks noGrp="1"/>
+          </p:cNvSpPr>
           <p:nvPr>
-            <p:ph idx="1" type="body"/>
+            <p:ph type="body" idx="1"/>
           </p:nvPr>
         </p:nvSpPr>
         <p:spPr>
@@ -1875,12 +1960,12 @@
           </a:prstGeom>
         </p:spPr>
         <p:txBody>
-          <a:bodyPr anchorCtr="0" anchor="t" bIns="91425" lIns="91425" spcFirstLastPara="1" rIns="91425" wrap="square" tIns="91425">
+          <a:bodyPr spcFirstLastPara="1" wrap="square" lIns="91425" tIns="91425" rIns="91425" bIns="91425" anchor="t" anchorCtr="0">
             <a:noAutofit/>
           </a:bodyPr>
           <a:lstStyle/>
           <a:p>
-            <a:pPr indent="0" lvl="0" marL="0" rtl="0" algn="l">
+            <a:pPr marL="0" lvl="0" indent="0" algn="l" rtl="0">
               <a:spcBef>
                 <a:spcPts val="0"/>
               </a:spcBef>
@@ -1889,9 +1974,6 @@
               </a:spcAft>
               <a:buNone/>
             </a:pPr>
-            <a:r>
-              <a:t/>
-            </a:r>
             <a:endParaRPr/>
           </a:p>
         </p:txBody>
@@ -1905,11 +1987,11 @@
 </file>
 
 <file path=ppt/notesSlides/notesSlide7.xml><?xml version="1.0" encoding="utf-8"?>
-<p:notes xmlns:a="http://schemas.openxmlformats.org/drawingml/2006/main" xmlns:r="http://schemas.openxmlformats.org/officeDocument/2006/relationships" xmlns:mc="http://schemas.openxmlformats.org/markup-compatibility/2006" xmlns:mv="urn:schemas-microsoft-com:mac:vml" xmlns:p="http://schemas.openxmlformats.org/presentationml/2006/main" xmlns:c="http://schemas.openxmlformats.org/drawingml/2006/chart" xmlns:dgm="http://schemas.openxmlformats.org/drawingml/2006/diagram" xmlns:o="urn:schemas-microsoft-com:office:office" xmlns:v="urn:schemas-microsoft-com:vml" xmlns:pvml="urn:schemas-microsoft-com:office:powerpoint" xmlns:com="http://schemas.openxmlformats.org/drawingml/2006/compatibility" xmlns:p14="http://schemas.microsoft.com/office/powerpoint/2010/main" xmlns:p15="http://schemas.microsoft.com/office/powerpoint/2012/main" xmlns:ahyp="http://schemas.microsoft.com/office/drawing/2018/hyperlinkcolor" showMasterPhAnim="0" showMasterSp="0">
+<p:notes xmlns:a="http://schemas.openxmlformats.org/drawingml/2006/main" xmlns:r="http://schemas.openxmlformats.org/officeDocument/2006/relationships" xmlns:p="http://schemas.openxmlformats.org/presentationml/2006/main" showMasterSp="0" showMasterPhAnim="0">
   <p:cSld>
     <p:spTree>
       <p:nvGrpSpPr>
-        <p:cNvPr id="170" name="Shape 170"/>
+        <p:cNvPr id="1" name="Shape 170"/>
         <p:cNvGrpSpPr/>
         <p:nvPr/>
       </p:nvGrpSpPr>
@@ -1924,9 +2006,11 @@
       <p:sp>
         <p:nvSpPr>
           <p:cNvPr id="171" name="Google Shape;171;gfa44c43db0_0_597:notes"/>
-          <p:cNvSpPr/>
+          <p:cNvSpPr>
+            <a:spLocks noGrp="1" noRot="1" noChangeAspect="1"/>
+          </p:cNvSpPr>
           <p:nvPr>
-            <p:ph idx="2" type="sldImg"/>
+            <p:ph type="sldImg" idx="2"/>
           </p:nvPr>
         </p:nvSpPr>
         <p:spPr>
@@ -1935,9 +2019,13 @@
             <a:ext cx="6096000" cy="3429000"/>
           </a:xfrm>
           <a:custGeom>
-            <a:rect b="b" l="l" r="r" t="t"/>
+            <a:avLst/>
+            <a:gdLst/>
+            <a:ahLst/>
+            <a:cxnLst/>
+            <a:rect l="l" t="t" r="r" b="b"/>
             <a:pathLst>
-              <a:path extrusionOk="0" h="120000" w="120000">
+              <a:path w="120000" h="120000" extrusionOk="0">
                 <a:moveTo>
                   <a:pt x="0" y="0"/>
                 </a:moveTo>
@@ -1959,9 +2047,11 @@
       <p:sp>
         <p:nvSpPr>
           <p:cNvPr id="172" name="Google Shape;172;gfa44c43db0_0_597:notes"/>
-          <p:cNvSpPr txBox="1"/>
+          <p:cNvSpPr txBox="1">
+            <a:spLocks noGrp="1"/>
+          </p:cNvSpPr>
           <p:nvPr>
-            <p:ph idx="1" type="body"/>
+            <p:ph type="body" idx="1"/>
           </p:nvPr>
         </p:nvSpPr>
         <p:spPr>
@@ -1974,12 +2064,12 @@
           </a:prstGeom>
         </p:spPr>
         <p:txBody>
-          <a:bodyPr anchorCtr="0" anchor="t" bIns="91425" lIns="91425" spcFirstLastPara="1" rIns="91425" wrap="square" tIns="91425">
+          <a:bodyPr spcFirstLastPara="1" wrap="square" lIns="91425" tIns="91425" rIns="91425" bIns="91425" anchor="t" anchorCtr="0">
             <a:noAutofit/>
           </a:bodyPr>
           <a:lstStyle/>
           <a:p>
-            <a:pPr indent="0" lvl="0" marL="0" rtl="0" algn="l">
+            <a:pPr marL="0" lvl="0" indent="0" algn="l" rtl="0">
               <a:spcBef>
                 <a:spcPts val="0"/>
               </a:spcBef>
@@ -1988,9 +2078,6 @@
               </a:spcAft>
               <a:buNone/>
             </a:pPr>
-            <a:r>
-              <a:t/>
-            </a:r>
             <a:endParaRPr/>
           </a:p>
         </p:txBody>
@@ -2004,11 +2091,11 @@
 </file>
 
 <file path=ppt/notesSlides/notesSlide8.xml><?xml version="1.0" encoding="utf-8"?>
-<p:notes xmlns:a="http://schemas.openxmlformats.org/drawingml/2006/main" xmlns:r="http://schemas.openxmlformats.org/officeDocument/2006/relationships" xmlns:mc="http://schemas.openxmlformats.org/markup-compatibility/2006" xmlns:mv="urn:schemas-microsoft-com:mac:vml" xmlns:p="http://schemas.openxmlformats.org/presentationml/2006/main" xmlns:c="http://schemas.openxmlformats.org/drawingml/2006/chart" xmlns:dgm="http://schemas.openxmlformats.org/drawingml/2006/diagram" xmlns:o="urn:schemas-microsoft-com:office:office" xmlns:v="urn:schemas-microsoft-com:vml" xmlns:pvml="urn:schemas-microsoft-com:office:powerpoint" xmlns:com="http://schemas.openxmlformats.org/drawingml/2006/compatibility" xmlns:p14="http://schemas.microsoft.com/office/powerpoint/2010/main" xmlns:p15="http://schemas.microsoft.com/office/powerpoint/2012/main" xmlns:ahyp="http://schemas.microsoft.com/office/drawing/2018/hyperlinkcolor" showMasterPhAnim="0" showMasterSp="0">
+<p:notes xmlns:a="http://schemas.openxmlformats.org/drawingml/2006/main" xmlns:r="http://schemas.openxmlformats.org/officeDocument/2006/relationships" xmlns:p="http://schemas.openxmlformats.org/presentationml/2006/main" showMasterSp="0" showMasterPhAnim="0">
   <p:cSld>
     <p:spTree>
       <p:nvGrpSpPr>
-        <p:cNvPr id="177" name="Shape 177"/>
+        <p:cNvPr id="1" name="Shape 177"/>
         <p:cNvGrpSpPr/>
         <p:nvPr/>
       </p:nvGrpSpPr>
@@ -2023,9 +2110,11 @@
       <p:sp>
         <p:nvSpPr>
           <p:cNvPr id="178" name="Google Shape;178;g101248f4ef5_0_6:notes"/>
-          <p:cNvSpPr/>
+          <p:cNvSpPr>
+            <a:spLocks noGrp="1" noRot="1" noChangeAspect="1"/>
+          </p:cNvSpPr>
           <p:nvPr>
-            <p:ph idx="2" type="sldImg"/>
+            <p:ph type="sldImg" idx="2"/>
           </p:nvPr>
         </p:nvSpPr>
         <p:spPr>
@@ -2034,9 +2123,13 @@
             <a:ext cx="6096000" cy="3429000"/>
           </a:xfrm>
           <a:custGeom>
-            <a:rect b="b" l="l" r="r" t="t"/>
+            <a:avLst/>
+            <a:gdLst/>
+            <a:ahLst/>
+            <a:cxnLst/>
+            <a:rect l="l" t="t" r="r" b="b"/>
             <a:pathLst>
-              <a:path extrusionOk="0" h="120000" w="120000">
+              <a:path w="120000" h="120000" extrusionOk="0">
                 <a:moveTo>
                   <a:pt x="0" y="0"/>
                 </a:moveTo>
@@ -2058,9 +2151,11 @@
       <p:sp>
         <p:nvSpPr>
           <p:cNvPr id="179" name="Google Shape;179;g101248f4ef5_0_6:notes"/>
-          <p:cNvSpPr txBox="1"/>
+          <p:cNvSpPr txBox="1">
+            <a:spLocks noGrp="1"/>
+          </p:cNvSpPr>
           <p:nvPr>
-            <p:ph idx="1" type="body"/>
+            <p:ph type="body" idx="1"/>
           </p:nvPr>
         </p:nvSpPr>
         <p:spPr>
@@ -2073,12 +2168,12 @@
           </a:prstGeom>
         </p:spPr>
         <p:txBody>
-          <a:bodyPr anchorCtr="0" anchor="t" bIns="91425" lIns="91425" spcFirstLastPara="1" rIns="91425" wrap="square" tIns="91425">
+          <a:bodyPr spcFirstLastPara="1" wrap="square" lIns="91425" tIns="91425" rIns="91425" bIns="91425" anchor="t" anchorCtr="0">
             <a:noAutofit/>
           </a:bodyPr>
           <a:lstStyle/>
           <a:p>
-            <a:pPr indent="0" lvl="0" marL="0" rtl="0" algn="l">
+            <a:pPr marL="0" lvl="0" indent="0" algn="l" rtl="0">
               <a:spcBef>
                 <a:spcPts val="0"/>
               </a:spcBef>
@@ -2087,9 +2182,6 @@
               </a:spcAft>
               <a:buNone/>
             </a:pPr>
-            <a:r>
-              <a:t/>
-            </a:r>
             <a:endParaRPr/>
           </a:p>
         </p:txBody>
@@ -2103,11 +2195,11 @@
 </file>
 
 <file path=ppt/notesSlides/notesSlide9.xml><?xml version="1.0" encoding="utf-8"?>
-<p:notes xmlns:a="http://schemas.openxmlformats.org/drawingml/2006/main" xmlns:r="http://schemas.openxmlformats.org/officeDocument/2006/relationships" xmlns:mc="http://schemas.openxmlformats.org/markup-compatibility/2006" xmlns:mv="urn:schemas-microsoft-com:mac:vml" xmlns:p="http://schemas.openxmlformats.org/presentationml/2006/main" xmlns:c="http://schemas.openxmlformats.org/drawingml/2006/chart" xmlns:dgm="http://schemas.openxmlformats.org/drawingml/2006/diagram" xmlns:o="urn:schemas-microsoft-com:office:office" xmlns:v="urn:schemas-microsoft-com:vml" xmlns:pvml="urn:schemas-microsoft-com:office:powerpoint" xmlns:com="http://schemas.openxmlformats.org/drawingml/2006/compatibility" xmlns:p14="http://schemas.microsoft.com/office/powerpoint/2010/main" xmlns:p15="http://schemas.microsoft.com/office/powerpoint/2012/main" xmlns:ahyp="http://schemas.microsoft.com/office/drawing/2018/hyperlinkcolor" showMasterPhAnim="0" showMasterSp="0">
+<p:notes xmlns:a="http://schemas.openxmlformats.org/drawingml/2006/main" xmlns:r="http://schemas.openxmlformats.org/officeDocument/2006/relationships" xmlns:p="http://schemas.openxmlformats.org/presentationml/2006/main" showMasterSp="0" showMasterPhAnim="0">
   <p:cSld>
     <p:spTree>
       <p:nvGrpSpPr>
-        <p:cNvPr id="184" name="Shape 184"/>
+        <p:cNvPr id="1" name="Shape 184"/>
         <p:cNvGrpSpPr/>
         <p:nvPr/>
       </p:nvGrpSpPr>
@@ -2122,20 +2214,26 @@
       <p:sp>
         <p:nvSpPr>
           <p:cNvPr id="185" name="Google Shape;185;gfa44c43db0_0_602:notes"/>
-          <p:cNvSpPr/>
+          <p:cNvSpPr>
+            <a:spLocks noGrp="1" noRot="1" noChangeAspect="1"/>
+          </p:cNvSpPr>
           <p:nvPr>
-            <p:ph idx="2" type="sldImg"/>
+            <p:ph type="sldImg" idx="2"/>
           </p:nvPr>
         </p:nvSpPr>
         <p:spPr>
           <a:xfrm>
-            <a:off x="381300" y="685800"/>
+            <a:off x="381000" y="685800"/>
             <a:ext cx="6096000" cy="3429000"/>
           </a:xfrm>
           <a:custGeom>
-            <a:rect b="b" l="l" r="r" t="t"/>
+            <a:avLst/>
+            <a:gdLst/>
+            <a:ahLst/>
+            <a:cxnLst/>
+            <a:rect l="l" t="t" r="r" b="b"/>
             <a:pathLst>
-              <a:path extrusionOk="0" h="120000" w="120000">
+              <a:path w="120000" h="120000" extrusionOk="0">
                 <a:moveTo>
                   <a:pt x="0" y="0"/>
                 </a:moveTo>
@@ -2157,9 +2255,11 @@
       <p:sp>
         <p:nvSpPr>
           <p:cNvPr id="186" name="Google Shape;186;gfa44c43db0_0_602:notes"/>
-          <p:cNvSpPr txBox="1"/>
+          <p:cNvSpPr txBox="1">
+            <a:spLocks noGrp="1"/>
+          </p:cNvSpPr>
           <p:nvPr>
-            <p:ph idx="1" type="body"/>
+            <p:ph type="body" idx="1"/>
           </p:nvPr>
         </p:nvSpPr>
         <p:spPr>
@@ -2172,12 +2272,12 @@
           </a:prstGeom>
         </p:spPr>
         <p:txBody>
-          <a:bodyPr anchorCtr="0" anchor="t" bIns="91425" lIns="91425" spcFirstLastPara="1" rIns="91425" wrap="square" tIns="91425">
+          <a:bodyPr spcFirstLastPara="1" wrap="square" lIns="91425" tIns="91425" rIns="91425" bIns="91425" anchor="t" anchorCtr="0">
             <a:noAutofit/>
           </a:bodyPr>
           <a:lstStyle/>
           <a:p>
-            <a:pPr indent="0" lvl="0" marL="0" rtl="0" algn="l">
+            <a:pPr marL="0" lvl="0" indent="0" algn="l" rtl="0">
               <a:spcBef>
                 <a:spcPts val="0"/>
               </a:spcBef>
@@ -2186,9 +2286,6 @@
               </a:spcAft>
               <a:buNone/>
             </a:pPr>
-            <a:r>
-              <a:t/>
-            </a:r>
             <a:endParaRPr/>
           </a:p>
         </p:txBody>
@@ -2202,11 +2299,11 @@
 </file>
 
 <file path=ppt/slideLayouts/slideLayout1.xml><?xml version="1.0" encoding="utf-8"?>
-<p:sldLayout xmlns:a="http://schemas.openxmlformats.org/drawingml/2006/main" xmlns:r="http://schemas.openxmlformats.org/officeDocument/2006/relationships" xmlns:mc="http://schemas.openxmlformats.org/markup-compatibility/2006" xmlns:mv="urn:schemas-microsoft-com:mac:vml" xmlns:p="http://schemas.openxmlformats.org/presentationml/2006/main" xmlns:c="http://schemas.openxmlformats.org/drawingml/2006/chart" xmlns:dgm="http://schemas.openxmlformats.org/drawingml/2006/diagram" xmlns:o="urn:schemas-microsoft-com:office:office" xmlns:v="urn:schemas-microsoft-com:vml" xmlns:pvml="urn:schemas-microsoft-com:office:powerpoint" xmlns:com="http://schemas.openxmlformats.org/drawingml/2006/compatibility" xmlns:p14="http://schemas.microsoft.com/office/powerpoint/2010/main" xmlns:p15="http://schemas.microsoft.com/office/powerpoint/2012/main" xmlns:ahyp="http://schemas.microsoft.com/office/drawing/2018/hyperlinkcolor" matchingName="Title slide" type="title">
+<p:sldLayout xmlns:a="http://schemas.openxmlformats.org/drawingml/2006/main" xmlns:r="http://schemas.openxmlformats.org/officeDocument/2006/relationships" xmlns:p="http://schemas.openxmlformats.org/presentationml/2006/main" matchingName="Title slide" type="title">
   <p:cSld name="TITLE">
     <p:spTree>
       <p:nvGrpSpPr>
-        <p:cNvPr id="9" name="Shape 9"/>
+        <p:cNvPr id="1" name="Shape 9"/>
         <p:cNvGrpSpPr/>
         <p:nvPr/>
       </p:nvGrpSpPr>
@@ -2231,7 +2328,7 @@
           </a:xfrm>
           <a:prstGeom prst="diagStripe">
             <a:avLst>
-              <a:gd fmla="val 0" name="adj"/>
+              <a:gd name="adj" fmla="val 0"/>
             </a:avLst>
           </a:prstGeom>
           <a:solidFill>
@@ -2244,12 +2341,12 @@
           </a:ln>
         </p:spPr>
         <p:txBody>
-          <a:bodyPr anchorCtr="0" anchor="ctr" bIns="91425" lIns="91425" spcFirstLastPara="1" rIns="91425" wrap="square" tIns="91425">
+          <a:bodyPr spcFirstLastPara="1" wrap="square" lIns="91425" tIns="91425" rIns="91425" bIns="91425" anchor="ctr" anchorCtr="0">
             <a:noAutofit/>
           </a:bodyPr>
           <a:lstStyle/>
           <a:p>
-            <a:pPr indent="0" lvl="0" marL="0" rtl="0" algn="l">
+            <a:pPr marL="0" lvl="0" indent="0" algn="l" rtl="0">
               <a:spcBef>
                 <a:spcPts val="0"/>
               </a:spcBef>
@@ -2258,9 +2355,6 @@
               </a:spcAft>
               <a:buNone/>
             </a:pPr>
-            <a:r>
-              <a:t/>
-            </a:r>
             <a:endParaRPr/>
           </a:p>
         </p:txBody>
@@ -2292,7 +2386,7 @@
             </a:xfrm>
             <a:prstGeom prst="diagStripe">
               <a:avLst>
-                <a:gd fmla="val 50000" name="adj"/>
+                <a:gd name="adj" fmla="val 50000"/>
               </a:avLst>
             </a:prstGeom>
             <a:solidFill>
@@ -2305,12 +2399,12 @@
             </a:ln>
           </p:spPr>
           <p:txBody>
-            <a:bodyPr anchorCtr="0" anchor="ctr" bIns="91425" lIns="91425" spcFirstLastPara="1" rIns="91425" wrap="square" tIns="91425">
+            <a:bodyPr spcFirstLastPara="1" wrap="square" lIns="91425" tIns="91425" rIns="91425" bIns="91425" anchor="ctr" anchorCtr="0">
               <a:noAutofit/>
             </a:bodyPr>
             <a:lstStyle/>
             <a:p>
-              <a:pPr indent="0" lvl="0" marL="0" rtl="0" algn="l">
+              <a:pPr marL="0" lvl="0" indent="0" algn="l" rtl="0">
                 <a:spcBef>
                   <a:spcPts val="0"/>
                 </a:spcBef>
@@ -2319,9 +2413,6 @@
                 </a:spcAft>
                 <a:buNone/>
               </a:pPr>
-              <a:r>
-                <a:t/>
-              </a:r>
               <a:endParaRPr/>
             </a:p>
           </p:txBody>
@@ -2339,7 +2430,7 @@
             </a:xfrm>
             <a:prstGeom prst="diagStripe">
               <a:avLst>
-                <a:gd fmla="val 58774" name="adj"/>
+                <a:gd name="adj" fmla="val 58774"/>
               </a:avLst>
             </a:prstGeom>
             <a:solidFill>
@@ -2352,12 +2443,12 @@
             </a:ln>
           </p:spPr>
           <p:txBody>
-            <a:bodyPr anchorCtr="0" anchor="ctr" bIns="91425" lIns="91425" spcFirstLastPara="1" rIns="91425" wrap="square" tIns="91425">
+            <a:bodyPr spcFirstLastPara="1" wrap="square" lIns="91425" tIns="91425" rIns="91425" bIns="91425" anchor="ctr" anchorCtr="0">
               <a:noAutofit/>
             </a:bodyPr>
             <a:lstStyle/>
             <a:p>
-              <a:pPr indent="0" lvl="0" marL="0" rtl="0" algn="l">
+              <a:pPr marL="0" lvl="0" indent="0" algn="l" rtl="0">
                 <a:spcBef>
                   <a:spcPts val="0"/>
                 </a:spcBef>
@@ -2366,9 +2457,6 @@
                 </a:spcAft>
                 <a:buNone/>
               </a:pPr>
-              <a:r>
-                <a:t/>
-              </a:r>
               <a:endParaRPr/>
             </a:p>
           </p:txBody>
@@ -2386,7 +2474,7 @@
             </a:xfrm>
             <a:prstGeom prst="diagStripe">
               <a:avLst>
-                <a:gd fmla="val 50000" name="adj"/>
+                <a:gd name="adj" fmla="val 50000"/>
               </a:avLst>
             </a:prstGeom>
             <a:solidFill>
@@ -2397,12 +2485,12 @@
             </a:ln>
           </p:spPr>
           <p:txBody>
-            <a:bodyPr anchorCtr="0" anchor="ctr" bIns="91425" lIns="91425" spcFirstLastPara="1" rIns="91425" wrap="square" tIns="91425">
+            <a:bodyPr spcFirstLastPara="1" wrap="square" lIns="91425" tIns="91425" rIns="91425" bIns="91425" anchor="ctr" anchorCtr="0">
               <a:noAutofit/>
             </a:bodyPr>
             <a:lstStyle/>
             <a:p>
-              <a:pPr indent="0" lvl="0" marL="0" rtl="0" algn="l">
+              <a:pPr marL="0" lvl="0" indent="0" algn="l" rtl="0">
                 <a:spcBef>
                   <a:spcPts val="0"/>
                 </a:spcBef>
@@ -2411,9 +2499,6 @@
                 </a:spcAft>
                 <a:buNone/>
               </a:pPr>
-              <a:r>
-                <a:t/>
-              </a:r>
               <a:endParaRPr/>
             </a:p>
           </p:txBody>
@@ -2431,7 +2516,7 @@
             </a:xfrm>
             <a:prstGeom prst="diagStripe">
               <a:avLst>
-                <a:gd fmla="val 50000" name="adj"/>
+                <a:gd name="adj" fmla="val 50000"/>
               </a:avLst>
             </a:prstGeom>
             <a:solidFill>
@@ -2442,12 +2527,12 @@
             </a:ln>
           </p:spPr>
           <p:txBody>
-            <a:bodyPr anchorCtr="0" anchor="ctr" bIns="91425" lIns="91425" spcFirstLastPara="1" rIns="91425" wrap="square" tIns="91425">
+            <a:bodyPr spcFirstLastPara="1" wrap="square" lIns="91425" tIns="91425" rIns="91425" bIns="91425" anchor="ctr" anchorCtr="0">
               <a:noAutofit/>
             </a:bodyPr>
             <a:lstStyle/>
             <a:p>
-              <a:pPr indent="0" lvl="0" marL="0" rtl="0" algn="l">
+              <a:pPr marL="0" lvl="0" indent="0" algn="l" rtl="0">
                 <a:spcBef>
                   <a:spcPts val="0"/>
                 </a:spcBef>
@@ -2456,9 +2541,6 @@
                 </a:spcAft>
                 <a:buNone/>
               </a:pPr>
-              <a:r>
-                <a:t/>
-              </a:r>
               <a:endParaRPr/>
             </a:p>
           </p:txBody>
@@ -2467,7 +2549,9 @@
       <p:sp>
         <p:nvSpPr>
           <p:cNvPr id="16" name="Google Shape;16;p2"/>
-          <p:cNvSpPr txBox="1"/>
+          <p:cNvSpPr txBox="1">
+            <a:spLocks noGrp="1"/>
+          </p:cNvSpPr>
           <p:nvPr>
             <p:ph type="ctrTitle"/>
           </p:nvPr>
@@ -2482,7 +2566,7 @@
           </a:prstGeom>
         </p:spPr>
         <p:txBody>
-          <a:bodyPr anchorCtr="0" anchor="t" bIns="91425" lIns="91425" spcFirstLastPara="1" rIns="91425" wrap="square" tIns="91425">
+          <a:bodyPr spcFirstLastPara="1" wrap="square" lIns="91425" tIns="91425" rIns="91425" bIns="91425" anchor="t" anchorCtr="0">
             <a:normAutofit/>
           </a:bodyPr>
           <a:lstStyle>
@@ -2586,15 +2670,19 @@
               <a:defRPr sz="4000"/>
             </a:lvl9pPr>
           </a:lstStyle>
-          <a:p/>
+          <a:p>
+            <a:endParaRPr/>
+          </a:p>
         </p:txBody>
       </p:sp>
       <p:sp>
         <p:nvSpPr>
           <p:cNvPr id="17" name="Google Shape;17;p2"/>
-          <p:cNvSpPr txBox="1"/>
+          <p:cNvSpPr txBox="1">
+            <a:spLocks noGrp="1"/>
+          </p:cNvSpPr>
           <p:nvPr>
-            <p:ph idx="1" type="subTitle"/>
+            <p:ph type="subTitle" idx="1"/>
           </p:nvPr>
         </p:nvSpPr>
         <p:spPr>
@@ -2607,7 +2695,7 @@
           </a:prstGeom>
         </p:spPr>
         <p:txBody>
-          <a:bodyPr anchorCtr="0" anchor="t" bIns="91425" lIns="91425" spcFirstLastPara="1" rIns="91425" wrap="square" tIns="91425">
+          <a:bodyPr spcFirstLastPara="1" wrap="square" lIns="91425" tIns="91425" rIns="91425" bIns="91425" anchor="t" anchorCtr="0">
             <a:normAutofit/>
           </a:bodyPr>
           <a:lstStyle>
@@ -2738,15 +2826,19 @@
               <a:defRPr sz="1300"/>
             </a:lvl9pPr>
           </a:lstStyle>
-          <a:p/>
+          <a:p>
+            <a:endParaRPr/>
+          </a:p>
         </p:txBody>
       </p:sp>
       <p:sp>
         <p:nvSpPr>
           <p:cNvPr id="18" name="Google Shape;18;p2"/>
-          <p:cNvSpPr txBox="1"/>
+          <p:cNvSpPr txBox="1">
+            <a:spLocks noGrp="1"/>
+          </p:cNvSpPr>
           <p:nvPr>
-            <p:ph idx="12" type="sldNum"/>
+            <p:ph type="sldNum" idx="12"/>
           </p:nvPr>
         </p:nvSpPr>
         <p:spPr>
@@ -2759,7 +2851,7 @@
           </a:prstGeom>
         </p:spPr>
         <p:txBody>
-          <a:bodyPr anchorCtr="0" anchor="ctr" bIns="91425" lIns="91425" spcFirstLastPara="1" rIns="91425" wrap="square" tIns="91425">
+          <a:bodyPr spcFirstLastPara="1" wrap="square" lIns="91425" tIns="91425" rIns="91425" bIns="91425" anchor="ctr" anchorCtr="0">
             <a:normAutofit/>
           </a:bodyPr>
           <a:lstStyle>
@@ -2801,7 +2893,7 @@
             </a:lvl9pPr>
           </a:lstStyle>
           <a:p>
-            <a:pPr indent="0" lvl="0" marL="0" rtl="0" algn="r">
+            <a:pPr marL="0" lvl="0" indent="0" algn="r" rtl="0">
               <a:spcBef>
                 <a:spcPts val="0"/>
               </a:spcBef>
@@ -2827,11 +2919,11 @@
 </file>
 
 <file path=ppt/slideLayouts/slideLayout10.xml><?xml version="1.0" encoding="utf-8"?>
-<p:sldLayout xmlns:a="http://schemas.openxmlformats.org/drawingml/2006/main" xmlns:r="http://schemas.openxmlformats.org/officeDocument/2006/relationships" xmlns:mc="http://schemas.openxmlformats.org/markup-compatibility/2006" xmlns:mv="urn:schemas-microsoft-com:mac:vml" xmlns:p="http://schemas.openxmlformats.org/presentationml/2006/main" xmlns:c="http://schemas.openxmlformats.org/drawingml/2006/chart" xmlns:dgm="http://schemas.openxmlformats.org/drawingml/2006/diagram" xmlns:o="urn:schemas-microsoft-com:office:office" xmlns:v="urn:schemas-microsoft-com:vml" xmlns:pvml="urn:schemas-microsoft-com:office:powerpoint" xmlns:com="http://schemas.openxmlformats.org/drawingml/2006/compatibility" xmlns:p14="http://schemas.microsoft.com/office/powerpoint/2010/main" xmlns:p15="http://schemas.microsoft.com/office/powerpoint/2012/main" xmlns:ahyp="http://schemas.microsoft.com/office/drawing/2018/hyperlinkcolor" matchingName="Big number">
+<p:sldLayout xmlns:a="http://schemas.openxmlformats.org/drawingml/2006/main" xmlns:r="http://schemas.openxmlformats.org/officeDocument/2006/relationships" xmlns:p="http://schemas.openxmlformats.org/presentationml/2006/main" matchingName="Big number">
   <p:cSld name="BIG_NUMBER">
     <p:spTree>
       <p:nvGrpSpPr>
-        <p:cNvPr id="105" name="Shape 105"/>
+        <p:cNvPr id="1" name="Shape 105"/>
         <p:cNvGrpSpPr/>
         <p:nvPr/>
       </p:nvGrpSpPr>
@@ -2870,7 +2962,7 @@
             </a:xfrm>
             <a:prstGeom prst="diagStripe">
               <a:avLst>
-                <a:gd fmla="val 49469" name="adj"/>
+                <a:gd name="adj" fmla="val 49469"/>
               </a:avLst>
             </a:prstGeom>
             <a:solidFill>
@@ -2883,12 +2975,12 @@
             </a:ln>
           </p:spPr>
           <p:txBody>
-            <a:bodyPr anchorCtr="0" anchor="ctr" bIns="91425" lIns="91425" spcFirstLastPara="1" rIns="91425" wrap="square" tIns="91425">
+            <a:bodyPr spcFirstLastPara="1" wrap="square" lIns="91425" tIns="91425" rIns="91425" bIns="91425" anchor="ctr" anchorCtr="0">
               <a:noAutofit/>
             </a:bodyPr>
             <a:lstStyle/>
             <a:p>
-              <a:pPr indent="0" lvl="0" marL="0" rtl="0" algn="l">
+              <a:pPr marL="0" lvl="0" indent="0" algn="l" rtl="0">
                 <a:spcBef>
                   <a:spcPts val="0"/>
                 </a:spcBef>
@@ -2897,9 +2989,6 @@
                 </a:spcAft>
                 <a:buNone/>
               </a:pPr>
-              <a:r>
-                <a:t/>
-              </a:r>
               <a:endParaRPr/>
             </a:p>
           </p:txBody>
@@ -2917,7 +3006,7 @@
             </a:xfrm>
             <a:prstGeom prst="diagStripe">
               <a:avLst>
-                <a:gd fmla="val 0" name="adj"/>
+                <a:gd name="adj" fmla="val 0"/>
               </a:avLst>
             </a:prstGeom>
             <a:solidFill>
@@ -2930,12 +3019,12 @@
             </a:ln>
           </p:spPr>
           <p:txBody>
-            <a:bodyPr anchorCtr="0" anchor="ctr" bIns="91425" lIns="91425" spcFirstLastPara="1" rIns="91425" wrap="square" tIns="91425">
+            <a:bodyPr spcFirstLastPara="1" wrap="square" lIns="91425" tIns="91425" rIns="91425" bIns="91425" anchor="ctr" anchorCtr="0">
               <a:noAutofit/>
             </a:bodyPr>
             <a:lstStyle/>
             <a:p>
-              <a:pPr indent="0" lvl="0" marL="0" rtl="0" algn="l">
+              <a:pPr marL="0" lvl="0" indent="0" algn="l" rtl="0">
                 <a:spcBef>
                   <a:spcPts val="0"/>
                 </a:spcBef>
@@ -2944,9 +3033,6 @@
                 </a:spcAft>
                 <a:buNone/>
               </a:pPr>
-              <a:r>
-                <a:t/>
-              </a:r>
               <a:endParaRPr/>
             </a:p>
           </p:txBody>
@@ -2964,7 +3050,7 @@
             </a:xfrm>
             <a:prstGeom prst="diagStripe">
               <a:avLst>
-                <a:gd fmla="val 50000" name="adj"/>
+                <a:gd name="adj" fmla="val 50000"/>
               </a:avLst>
             </a:prstGeom>
             <a:solidFill>
@@ -2977,12 +3063,12 @@
             </a:ln>
           </p:spPr>
           <p:txBody>
-            <a:bodyPr anchorCtr="0" anchor="ctr" bIns="91425" lIns="91425" spcFirstLastPara="1" rIns="91425" wrap="square" tIns="91425">
+            <a:bodyPr spcFirstLastPara="1" wrap="square" lIns="91425" tIns="91425" rIns="91425" bIns="91425" anchor="ctr" anchorCtr="0">
               <a:noAutofit/>
             </a:bodyPr>
             <a:lstStyle/>
             <a:p>
-              <a:pPr indent="0" lvl="0" marL="0" rtl="0" algn="l">
+              <a:pPr marL="0" lvl="0" indent="0" algn="l" rtl="0">
                 <a:spcBef>
                   <a:spcPts val="0"/>
                 </a:spcBef>
@@ -2991,9 +3077,6 @@
                 </a:spcAft>
                 <a:buNone/>
               </a:pPr>
-              <a:r>
-                <a:t/>
-              </a:r>
               <a:endParaRPr/>
             </a:p>
           </p:txBody>
@@ -3011,7 +3094,7 @@
             </a:xfrm>
             <a:prstGeom prst="diagStripe">
               <a:avLst>
-                <a:gd fmla="val 50000" name="adj"/>
+                <a:gd name="adj" fmla="val 50000"/>
               </a:avLst>
             </a:prstGeom>
             <a:solidFill>
@@ -3024,12 +3107,12 @@
             </a:ln>
           </p:spPr>
           <p:txBody>
-            <a:bodyPr anchorCtr="0" anchor="ctr" bIns="91425" lIns="91425" spcFirstLastPara="1" rIns="91425" wrap="square" tIns="91425">
+            <a:bodyPr spcFirstLastPara="1" wrap="square" lIns="91425" tIns="91425" rIns="91425" bIns="91425" anchor="ctr" anchorCtr="0">
               <a:noAutofit/>
             </a:bodyPr>
             <a:lstStyle/>
             <a:p>
-              <a:pPr indent="0" lvl="0" marL="0" rtl="0" algn="l">
+              <a:pPr marL="0" lvl="0" indent="0" algn="l" rtl="0">
                 <a:spcBef>
                   <a:spcPts val="0"/>
                 </a:spcBef>
@@ -3038,9 +3121,6 @@
                 </a:spcAft>
                 <a:buNone/>
               </a:pPr>
-              <a:r>
-                <a:t/>
-              </a:r>
               <a:endParaRPr/>
             </a:p>
           </p:txBody>
@@ -3058,7 +3138,7 @@
             </a:xfrm>
             <a:prstGeom prst="diagStripe">
               <a:avLst>
-                <a:gd fmla="val 50000" name="adj"/>
+                <a:gd name="adj" fmla="val 50000"/>
               </a:avLst>
             </a:prstGeom>
             <a:solidFill>
@@ -3071,12 +3151,12 @@
             </a:ln>
           </p:spPr>
           <p:txBody>
-            <a:bodyPr anchorCtr="0" anchor="ctr" bIns="91425" lIns="91425" spcFirstLastPara="1" rIns="91425" wrap="square" tIns="91425">
+            <a:bodyPr spcFirstLastPara="1" wrap="square" lIns="91425" tIns="91425" rIns="91425" bIns="91425" anchor="ctr" anchorCtr="0">
               <a:noAutofit/>
             </a:bodyPr>
             <a:lstStyle/>
             <a:p>
-              <a:pPr indent="0" lvl="0" marL="0" rtl="0" algn="l">
+              <a:pPr marL="0" lvl="0" indent="0" algn="l" rtl="0">
                 <a:spcBef>
                   <a:spcPts val="0"/>
                 </a:spcBef>
@@ -3085,9 +3165,6 @@
                 </a:spcAft>
                 <a:buNone/>
               </a:pPr>
-              <a:r>
-                <a:t/>
-              </a:r>
               <a:endParaRPr/>
             </a:p>
           </p:txBody>
@@ -3105,7 +3182,7 @@
             </a:xfrm>
             <a:prstGeom prst="diagStripe">
               <a:avLst>
-                <a:gd fmla="val 50000" name="adj"/>
+                <a:gd name="adj" fmla="val 50000"/>
               </a:avLst>
             </a:prstGeom>
             <a:solidFill>
@@ -3118,12 +3195,12 @@
             </a:ln>
           </p:spPr>
           <p:txBody>
-            <a:bodyPr anchorCtr="0" anchor="ctr" bIns="91425" lIns="91425" spcFirstLastPara="1" rIns="91425" wrap="square" tIns="91425">
+            <a:bodyPr spcFirstLastPara="1" wrap="square" lIns="91425" tIns="91425" rIns="91425" bIns="91425" anchor="ctr" anchorCtr="0">
               <a:noAutofit/>
             </a:bodyPr>
             <a:lstStyle/>
             <a:p>
-              <a:pPr indent="0" lvl="0" marL="0" rtl="0" algn="l">
+              <a:pPr marL="0" lvl="0" indent="0" algn="l" rtl="0">
                 <a:spcBef>
                   <a:spcPts val="0"/>
                 </a:spcBef>
@@ -3132,9 +3209,6 @@
                 </a:spcAft>
                 <a:buNone/>
               </a:pPr>
-              <a:r>
-                <a:t/>
-              </a:r>
               <a:endParaRPr/>
             </a:p>
           </p:txBody>
@@ -3152,7 +3226,7 @@
             </a:xfrm>
             <a:prstGeom prst="diagStripe">
               <a:avLst>
-                <a:gd fmla="val 50000" name="adj"/>
+                <a:gd name="adj" fmla="val 50000"/>
               </a:avLst>
             </a:prstGeom>
             <a:solidFill>
@@ -3165,12 +3239,12 @@
             </a:ln>
           </p:spPr>
           <p:txBody>
-            <a:bodyPr anchorCtr="0" anchor="ctr" bIns="91425" lIns="91425" spcFirstLastPara="1" rIns="91425" wrap="square" tIns="91425">
+            <a:bodyPr spcFirstLastPara="1" wrap="square" lIns="91425" tIns="91425" rIns="91425" bIns="91425" anchor="ctr" anchorCtr="0">
               <a:noAutofit/>
             </a:bodyPr>
             <a:lstStyle/>
             <a:p>
-              <a:pPr indent="0" lvl="0" marL="0" rtl="0" algn="l">
+              <a:pPr marL="0" lvl="0" indent="0" algn="l" rtl="0">
                 <a:spcBef>
                   <a:spcPts val="0"/>
                 </a:spcBef>
@@ -3179,9 +3253,6 @@
                 </a:spcAft>
                 <a:buNone/>
               </a:pPr>
-              <a:r>
-                <a:t/>
-              </a:r>
               <a:endParaRPr/>
             </a:p>
           </p:txBody>
@@ -3199,7 +3270,7 @@
             </a:xfrm>
             <a:prstGeom prst="diagStripe">
               <a:avLst>
-                <a:gd fmla="val 50000" name="adj"/>
+                <a:gd name="adj" fmla="val 50000"/>
               </a:avLst>
             </a:prstGeom>
             <a:solidFill>
@@ -3210,12 +3281,12 @@
             </a:ln>
           </p:spPr>
           <p:txBody>
-            <a:bodyPr anchorCtr="0" anchor="ctr" bIns="91425" lIns="91425" spcFirstLastPara="1" rIns="91425" wrap="square" tIns="91425">
+            <a:bodyPr spcFirstLastPara="1" wrap="square" lIns="91425" tIns="91425" rIns="91425" bIns="91425" anchor="ctr" anchorCtr="0">
               <a:noAutofit/>
             </a:bodyPr>
             <a:lstStyle/>
             <a:p>
-              <a:pPr indent="0" lvl="0" marL="0" rtl="0" algn="l">
+              <a:pPr marL="0" lvl="0" indent="0" algn="l" rtl="0">
                 <a:spcBef>
                   <a:spcPts val="0"/>
                 </a:spcBef>
@@ -3224,9 +3295,6 @@
                 </a:spcAft>
                 <a:buNone/>
               </a:pPr>
-              <a:r>
-                <a:t/>
-              </a:r>
               <a:endParaRPr/>
             </a:p>
           </p:txBody>
@@ -3244,7 +3312,7 @@
             </a:xfrm>
             <a:prstGeom prst="diagStripe">
               <a:avLst>
-                <a:gd fmla="val 50000" name="adj"/>
+                <a:gd name="adj" fmla="val 50000"/>
               </a:avLst>
             </a:prstGeom>
             <a:solidFill>
@@ -3257,12 +3325,12 @@
             </a:ln>
           </p:spPr>
           <p:txBody>
-            <a:bodyPr anchorCtr="0" anchor="ctr" bIns="91425" lIns="91425" spcFirstLastPara="1" rIns="91425" wrap="square" tIns="91425">
+            <a:bodyPr spcFirstLastPara="1" wrap="square" lIns="91425" tIns="91425" rIns="91425" bIns="91425" anchor="ctr" anchorCtr="0">
               <a:noAutofit/>
             </a:bodyPr>
             <a:lstStyle/>
             <a:p>
-              <a:pPr indent="0" lvl="0" marL="0" rtl="0" algn="l">
+              <a:pPr marL="0" lvl="0" indent="0" algn="l" rtl="0">
                 <a:spcBef>
                   <a:spcPts val="0"/>
                 </a:spcBef>
@@ -3271,9 +3339,6 @@
                 </a:spcAft>
                 <a:buNone/>
               </a:pPr>
-              <a:r>
-                <a:t/>
-              </a:r>
               <a:endParaRPr/>
             </a:p>
           </p:txBody>
@@ -3291,7 +3356,7 @@
             </a:xfrm>
             <a:prstGeom prst="diagStripe">
               <a:avLst>
-                <a:gd fmla="val 50000" name="adj"/>
+                <a:gd name="adj" fmla="val 50000"/>
               </a:avLst>
             </a:prstGeom>
             <a:solidFill>
@@ -3304,12 +3369,12 @@
             </a:ln>
           </p:spPr>
           <p:txBody>
-            <a:bodyPr anchorCtr="0" anchor="ctr" bIns="91425" lIns="91425" spcFirstLastPara="1" rIns="91425" wrap="square" tIns="91425">
+            <a:bodyPr spcFirstLastPara="1" wrap="square" lIns="91425" tIns="91425" rIns="91425" bIns="91425" anchor="ctr" anchorCtr="0">
               <a:noAutofit/>
             </a:bodyPr>
             <a:lstStyle/>
             <a:p>
-              <a:pPr indent="0" lvl="0" marL="0" rtl="0" algn="l">
+              <a:pPr marL="0" lvl="0" indent="0" algn="l" rtl="0">
                 <a:spcBef>
                   <a:spcPts val="0"/>
                 </a:spcBef>
@@ -3318,9 +3383,6 @@
                 </a:spcAft>
                 <a:buNone/>
               </a:pPr>
-              <a:r>
-                <a:t/>
-              </a:r>
               <a:endParaRPr/>
             </a:p>
           </p:txBody>
@@ -3338,7 +3400,7 @@
             </a:xfrm>
             <a:prstGeom prst="diagStripe">
               <a:avLst>
-                <a:gd fmla="val 50000" name="adj"/>
+                <a:gd name="adj" fmla="val 50000"/>
               </a:avLst>
             </a:prstGeom>
             <a:solidFill>
@@ -3351,12 +3413,12 @@
             </a:ln>
           </p:spPr>
           <p:txBody>
-            <a:bodyPr anchorCtr="0" anchor="ctr" bIns="91425" lIns="91425" spcFirstLastPara="1" rIns="91425" wrap="square" tIns="91425">
+            <a:bodyPr spcFirstLastPara="1" wrap="square" lIns="91425" tIns="91425" rIns="91425" bIns="91425" anchor="ctr" anchorCtr="0">
               <a:noAutofit/>
             </a:bodyPr>
             <a:lstStyle/>
             <a:p>
-              <a:pPr indent="0" lvl="0" marL="0" rtl="0" algn="l">
+              <a:pPr marL="0" lvl="0" indent="0" algn="l" rtl="0">
                 <a:spcBef>
                   <a:spcPts val="0"/>
                 </a:spcBef>
@@ -3365,9 +3427,6 @@
                 </a:spcAft>
                 <a:buNone/>
               </a:pPr>
-              <a:r>
-                <a:t/>
-              </a:r>
               <a:endParaRPr/>
             </a:p>
           </p:txBody>
@@ -3385,7 +3444,7 @@
             </a:xfrm>
             <a:prstGeom prst="diagStripe">
               <a:avLst>
-                <a:gd fmla="val 50000" name="adj"/>
+                <a:gd name="adj" fmla="val 50000"/>
               </a:avLst>
             </a:prstGeom>
             <a:solidFill>
@@ -3398,12 +3457,12 @@
             </a:ln>
           </p:spPr>
           <p:txBody>
-            <a:bodyPr anchorCtr="0" anchor="ctr" bIns="91425" lIns="91425" spcFirstLastPara="1" rIns="91425" wrap="square" tIns="91425">
+            <a:bodyPr spcFirstLastPara="1" wrap="square" lIns="91425" tIns="91425" rIns="91425" bIns="91425" anchor="ctr" anchorCtr="0">
               <a:noAutofit/>
             </a:bodyPr>
             <a:lstStyle/>
             <a:p>
-              <a:pPr indent="0" lvl="0" marL="0" rtl="0" algn="l">
+              <a:pPr marL="0" lvl="0" indent="0" algn="l" rtl="0">
                 <a:spcBef>
                   <a:spcPts val="0"/>
                 </a:spcBef>
@@ -3412,9 +3471,6 @@
                 </a:spcAft>
                 <a:buNone/>
               </a:pPr>
-              <a:r>
-                <a:t/>
-              </a:r>
               <a:endParaRPr/>
             </a:p>
           </p:txBody>
@@ -3432,7 +3488,7 @@
             </a:xfrm>
             <a:prstGeom prst="diagStripe">
               <a:avLst>
-                <a:gd fmla="val 50000" name="adj"/>
+                <a:gd name="adj" fmla="val 50000"/>
               </a:avLst>
             </a:prstGeom>
             <a:solidFill>
@@ -3445,12 +3501,12 @@
             </a:ln>
           </p:spPr>
           <p:txBody>
-            <a:bodyPr anchorCtr="0" anchor="ctr" bIns="91425" lIns="91425" spcFirstLastPara="1" rIns="91425" wrap="square" tIns="91425">
+            <a:bodyPr spcFirstLastPara="1" wrap="square" lIns="91425" tIns="91425" rIns="91425" bIns="91425" anchor="ctr" anchorCtr="0">
               <a:noAutofit/>
             </a:bodyPr>
             <a:lstStyle/>
             <a:p>
-              <a:pPr indent="0" lvl="0" marL="0" rtl="0" algn="l">
+              <a:pPr marL="0" lvl="0" indent="0" algn="l" rtl="0">
                 <a:spcBef>
                   <a:spcPts val="0"/>
                 </a:spcBef>
@@ -3459,9 +3515,6 @@
                 </a:spcAft>
                 <a:buNone/>
               </a:pPr>
-              <a:r>
-                <a:t/>
-              </a:r>
               <a:endParaRPr/>
             </a:p>
           </p:txBody>
@@ -3479,7 +3532,7 @@
             </a:xfrm>
             <a:prstGeom prst="diagStripe">
               <a:avLst>
-                <a:gd fmla="val 50000" name="adj"/>
+                <a:gd name="adj" fmla="val 50000"/>
               </a:avLst>
             </a:prstGeom>
             <a:solidFill>
@@ -3490,12 +3543,12 @@
             </a:ln>
           </p:spPr>
           <p:txBody>
-            <a:bodyPr anchorCtr="0" anchor="ctr" bIns="91425" lIns="91425" spcFirstLastPara="1" rIns="91425" wrap="square" tIns="91425">
+            <a:bodyPr spcFirstLastPara="1" wrap="square" lIns="91425" tIns="91425" rIns="91425" bIns="91425" anchor="ctr" anchorCtr="0">
               <a:noAutofit/>
             </a:bodyPr>
             <a:lstStyle/>
             <a:p>
-              <a:pPr indent="0" lvl="0" marL="0" rtl="0" algn="l">
+              <a:pPr marL="0" lvl="0" indent="0" algn="l" rtl="0">
                 <a:spcBef>
                   <a:spcPts val="0"/>
                 </a:spcBef>
@@ -3504,9 +3557,6 @@
                 </a:spcAft>
                 <a:buNone/>
               </a:pPr>
-              <a:r>
-                <a:t/>
-              </a:r>
               <a:endParaRPr/>
             </a:p>
           </p:txBody>
@@ -3524,7 +3574,7 @@
             </a:xfrm>
             <a:prstGeom prst="diagStripe">
               <a:avLst>
-                <a:gd fmla="val 50000" name="adj"/>
+                <a:gd name="adj" fmla="val 50000"/>
               </a:avLst>
             </a:prstGeom>
             <a:solidFill>
@@ -3537,12 +3587,12 @@
             </a:ln>
           </p:spPr>
           <p:txBody>
-            <a:bodyPr anchorCtr="0" anchor="ctr" bIns="91425" lIns="91425" spcFirstLastPara="1" rIns="91425" wrap="square" tIns="91425">
+            <a:bodyPr spcFirstLastPara="1" wrap="square" lIns="91425" tIns="91425" rIns="91425" bIns="91425" anchor="ctr" anchorCtr="0">
               <a:noAutofit/>
             </a:bodyPr>
             <a:lstStyle/>
             <a:p>
-              <a:pPr indent="0" lvl="0" marL="0" rtl="0" algn="l">
+              <a:pPr marL="0" lvl="0" indent="0" algn="l" rtl="0">
                 <a:spcBef>
                   <a:spcPts val="0"/>
                 </a:spcBef>
@@ -3551,9 +3601,6 @@
                 </a:spcAft>
                 <a:buNone/>
               </a:pPr>
-              <a:r>
-                <a:t/>
-              </a:r>
               <a:endParaRPr/>
             </a:p>
           </p:txBody>
@@ -3571,7 +3618,7 @@
             </a:xfrm>
             <a:prstGeom prst="diagStripe">
               <a:avLst>
-                <a:gd fmla="val 50000" name="adj"/>
+                <a:gd name="adj" fmla="val 50000"/>
               </a:avLst>
             </a:prstGeom>
             <a:solidFill>
@@ -3584,12 +3631,12 @@
             </a:ln>
           </p:spPr>
           <p:txBody>
-            <a:bodyPr anchorCtr="0" anchor="ctr" bIns="91425" lIns="91425" spcFirstLastPara="1" rIns="91425" wrap="square" tIns="91425">
+            <a:bodyPr spcFirstLastPara="1" wrap="square" lIns="91425" tIns="91425" rIns="91425" bIns="91425" anchor="ctr" anchorCtr="0">
               <a:noAutofit/>
             </a:bodyPr>
             <a:lstStyle/>
             <a:p>
-              <a:pPr indent="0" lvl="0" marL="0" rtl="0" algn="l">
+              <a:pPr marL="0" lvl="0" indent="0" algn="l" rtl="0">
                 <a:spcBef>
                   <a:spcPts val="0"/>
                 </a:spcBef>
@@ -3598,9 +3645,6 @@
                 </a:spcAft>
                 <a:buNone/>
               </a:pPr>
-              <a:r>
-                <a:t/>
-              </a:r>
               <a:endParaRPr/>
             </a:p>
           </p:txBody>
@@ -3618,7 +3662,7 @@
             </a:xfrm>
             <a:prstGeom prst="diagStripe">
               <a:avLst>
-                <a:gd fmla="val 50000" name="adj"/>
+                <a:gd name="adj" fmla="val 50000"/>
               </a:avLst>
             </a:prstGeom>
             <a:solidFill>
@@ -3631,12 +3675,12 @@
             </a:ln>
           </p:spPr>
           <p:txBody>
-            <a:bodyPr anchorCtr="0" anchor="ctr" bIns="91425" lIns="91425" spcFirstLastPara="1" rIns="91425" wrap="square" tIns="91425">
+            <a:bodyPr spcFirstLastPara="1" wrap="square" lIns="91425" tIns="91425" rIns="91425" bIns="91425" anchor="ctr" anchorCtr="0">
               <a:noAutofit/>
             </a:bodyPr>
             <a:lstStyle/>
             <a:p>
-              <a:pPr indent="0" lvl="0" marL="0" rtl="0" algn="l">
+              <a:pPr marL="0" lvl="0" indent="0" algn="l" rtl="0">
                 <a:spcBef>
                   <a:spcPts val="0"/>
                 </a:spcBef>
@@ -3645,9 +3689,6 @@
                 </a:spcAft>
                 <a:buNone/>
               </a:pPr>
-              <a:r>
-                <a:t/>
-              </a:r>
               <a:endParaRPr/>
             </a:p>
           </p:txBody>
@@ -3665,7 +3706,7 @@
             </a:xfrm>
             <a:prstGeom prst="diagStripe">
               <a:avLst>
-                <a:gd fmla="val 50000" name="adj"/>
+                <a:gd name="adj" fmla="val 50000"/>
               </a:avLst>
             </a:prstGeom>
             <a:solidFill>
@@ -3678,12 +3719,12 @@
             </a:ln>
           </p:spPr>
           <p:txBody>
-            <a:bodyPr anchorCtr="0" anchor="ctr" bIns="91425" lIns="91425" spcFirstLastPara="1" rIns="91425" wrap="square" tIns="91425">
+            <a:bodyPr spcFirstLastPara="1" wrap="square" lIns="91425" tIns="91425" rIns="91425" bIns="91425" anchor="ctr" anchorCtr="0">
               <a:noAutofit/>
             </a:bodyPr>
             <a:lstStyle/>
             <a:p>
-              <a:pPr indent="0" lvl="0" marL="0" rtl="0" algn="l">
+              <a:pPr marL="0" lvl="0" indent="0" algn="l" rtl="0">
                 <a:spcBef>
                   <a:spcPts val="0"/>
                 </a:spcBef>
@@ -3692,9 +3733,6 @@
                 </a:spcAft>
                 <a:buNone/>
               </a:pPr>
-              <a:r>
-                <a:t/>
-              </a:r>
               <a:endParaRPr/>
             </a:p>
           </p:txBody>
@@ -3703,9 +3741,11 @@
       <p:sp>
         <p:nvSpPr>
           <p:cNvPr id="125" name="Google Shape;125;p11"/>
-          <p:cNvSpPr txBox="1"/>
+          <p:cNvSpPr txBox="1">
+            <a:spLocks noGrp="1"/>
+          </p:cNvSpPr>
           <p:nvPr>
-            <p:ph hasCustomPrompt="1" type="title"/>
+            <p:ph type="title" hasCustomPrompt="1"/>
           </p:nvPr>
         </p:nvSpPr>
         <p:spPr>
@@ -3718,7 +3758,7 @@
           </a:prstGeom>
         </p:spPr>
         <p:txBody>
-          <a:bodyPr anchorCtr="0" anchor="t" bIns="91425" lIns="91425" spcFirstLastPara="1" rIns="91425" wrap="square" tIns="91425">
+          <a:bodyPr spcFirstLastPara="1" wrap="square" lIns="91425" tIns="91425" rIns="91425" bIns="91425" anchor="t" anchorCtr="0">
             <a:normAutofit/>
           </a:bodyPr>
           <a:lstStyle>
@@ -3832,9 +3872,11 @@
       <p:sp>
         <p:nvSpPr>
           <p:cNvPr id="126" name="Google Shape;126;p11"/>
-          <p:cNvSpPr txBox="1"/>
+          <p:cNvSpPr txBox="1">
+            <a:spLocks noGrp="1"/>
+          </p:cNvSpPr>
           <p:nvPr>
-            <p:ph idx="1" type="body"/>
+            <p:ph type="body" idx="1"/>
           </p:nvPr>
         </p:nvSpPr>
         <p:spPr>
@@ -3847,11 +3889,11 @@
           </a:prstGeom>
         </p:spPr>
         <p:txBody>
-          <a:bodyPr anchorCtr="0" anchor="t" bIns="91425" lIns="91425" spcFirstLastPara="1" rIns="91425" wrap="square" tIns="91425">
+          <a:bodyPr spcFirstLastPara="1" wrap="square" lIns="91425" tIns="91425" rIns="91425" bIns="91425" anchor="t" anchorCtr="0">
             <a:normAutofit/>
           </a:bodyPr>
           <a:lstStyle>
-            <a:lvl1pPr indent="-311150" lvl="0" marL="457200">
+            <a:lvl1pPr marL="457200" lvl="0" indent="-311150">
               <a:spcBef>
                 <a:spcPts val="0"/>
               </a:spcBef>
@@ -3862,7 +3904,7 @@
               <a:buChar char="●"/>
               <a:defRPr/>
             </a:lvl1pPr>
-            <a:lvl2pPr indent="-298450" lvl="1" marL="914400">
+            <a:lvl2pPr marL="914400" lvl="1" indent="-298450">
               <a:spcBef>
                 <a:spcPts val="0"/>
               </a:spcBef>
@@ -3873,7 +3915,7 @@
               <a:buChar char="○"/>
               <a:defRPr/>
             </a:lvl2pPr>
-            <a:lvl3pPr indent="-298450" lvl="2" marL="1371600">
+            <a:lvl3pPr marL="1371600" lvl="2" indent="-298450">
               <a:spcBef>
                 <a:spcPts val="0"/>
               </a:spcBef>
@@ -3884,7 +3926,7 @@
               <a:buChar char="■"/>
               <a:defRPr/>
             </a:lvl3pPr>
-            <a:lvl4pPr indent="-298450" lvl="3" marL="1828800">
+            <a:lvl4pPr marL="1828800" lvl="3" indent="-298450">
               <a:spcBef>
                 <a:spcPts val="0"/>
               </a:spcBef>
@@ -3895,7 +3937,7 @@
               <a:buChar char="●"/>
               <a:defRPr/>
             </a:lvl4pPr>
-            <a:lvl5pPr indent="-298450" lvl="4" marL="2286000">
+            <a:lvl5pPr marL="2286000" lvl="4" indent="-298450">
               <a:spcBef>
                 <a:spcPts val="0"/>
               </a:spcBef>
@@ -3906,7 +3948,7 @@
               <a:buChar char="○"/>
               <a:defRPr/>
             </a:lvl5pPr>
-            <a:lvl6pPr indent="-298450" lvl="5" marL="2743200">
+            <a:lvl6pPr marL="2743200" lvl="5" indent="-298450">
               <a:spcBef>
                 <a:spcPts val="0"/>
               </a:spcBef>
@@ -3917,7 +3959,7 @@
               <a:buChar char="■"/>
               <a:defRPr/>
             </a:lvl6pPr>
-            <a:lvl7pPr indent="-298450" lvl="6" marL="3200400">
+            <a:lvl7pPr marL="3200400" lvl="6" indent="-298450">
               <a:spcBef>
                 <a:spcPts val="0"/>
               </a:spcBef>
@@ -3928,7 +3970,7 @@
               <a:buChar char="●"/>
               <a:defRPr/>
             </a:lvl7pPr>
-            <a:lvl8pPr indent="-298450" lvl="7" marL="3657600">
+            <a:lvl8pPr marL="3657600" lvl="7" indent="-298450">
               <a:spcBef>
                 <a:spcPts val="0"/>
               </a:spcBef>
@@ -3939,7 +3981,7 @@
               <a:buChar char="○"/>
               <a:defRPr/>
             </a:lvl8pPr>
-            <a:lvl9pPr indent="-298450" lvl="8" marL="4114800">
+            <a:lvl9pPr marL="4114800" lvl="8" indent="-298450">
               <a:spcBef>
                 <a:spcPts val="0"/>
               </a:spcBef>
@@ -3951,15 +3993,19 @@
               <a:defRPr/>
             </a:lvl9pPr>
           </a:lstStyle>
-          <a:p/>
+          <a:p>
+            <a:endParaRPr/>
+          </a:p>
         </p:txBody>
       </p:sp>
       <p:sp>
         <p:nvSpPr>
           <p:cNvPr id="127" name="Google Shape;127;p11"/>
-          <p:cNvSpPr txBox="1"/>
+          <p:cNvSpPr txBox="1">
+            <a:spLocks noGrp="1"/>
+          </p:cNvSpPr>
           <p:nvPr>
-            <p:ph idx="12" type="sldNum"/>
+            <p:ph type="sldNum" idx="12"/>
           </p:nvPr>
         </p:nvSpPr>
         <p:spPr>
@@ -3972,7 +4018,7 @@
           </a:prstGeom>
         </p:spPr>
         <p:txBody>
-          <a:bodyPr anchorCtr="0" anchor="ctr" bIns="91425" lIns="91425" spcFirstLastPara="1" rIns="91425" wrap="square" tIns="91425">
+          <a:bodyPr spcFirstLastPara="1" wrap="square" lIns="91425" tIns="91425" rIns="91425" bIns="91425" anchor="ctr" anchorCtr="0">
             <a:normAutofit/>
           </a:bodyPr>
           <a:lstStyle>
@@ -4014,7 +4060,7 @@
             </a:lvl9pPr>
           </a:lstStyle>
           <a:p>
-            <a:pPr indent="0" lvl="0" marL="0" rtl="0" algn="r">
+            <a:pPr marL="0" lvl="0" indent="0" algn="r" rtl="0">
               <a:spcBef>
                 <a:spcPts val="0"/>
               </a:spcBef>
@@ -4040,11 +4086,11 @@
 </file>
 
 <file path=ppt/slideLayouts/slideLayout11.xml><?xml version="1.0" encoding="utf-8"?>
-<p:sldLayout xmlns:a="http://schemas.openxmlformats.org/drawingml/2006/main" xmlns:r="http://schemas.openxmlformats.org/officeDocument/2006/relationships" xmlns:mc="http://schemas.openxmlformats.org/markup-compatibility/2006" xmlns:mv="urn:schemas-microsoft-com:mac:vml" xmlns:p="http://schemas.openxmlformats.org/presentationml/2006/main" xmlns:c="http://schemas.openxmlformats.org/drawingml/2006/chart" xmlns:dgm="http://schemas.openxmlformats.org/drawingml/2006/diagram" xmlns:o="urn:schemas-microsoft-com:office:office" xmlns:v="urn:schemas-microsoft-com:vml" xmlns:pvml="urn:schemas-microsoft-com:office:powerpoint" xmlns:com="http://schemas.openxmlformats.org/drawingml/2006/compatibility" xmlns:p14="http://schemas.microsoft.com/office/powerpoint/2010/main" xmlns:p15="http://schemas.microsoft.com/office/powerpoint/2012/main" xmlns:ahyp="http://schemas.microsoft.com/office/drawing/2018/hyperlinkcolor" matchingName="Blank" type="blank">
+<p:sldLayout xmlns:a="http://schemas.openxmlformats.org/drawingml/2006/main" xmlns:r="http://schemas.openxmlformats.org/officeDocument/2006/relationships" xmlns:p="http://schemas.openxmlformats.org/presentationml/2006/main" matchingName="Blank" type="blank">
   <p:cSld name="BLANK">
     <p:spTree>
       <p:nvGrpSpPr>
-        <p:cNvPr id="128" name="Shape 128"/>
+        <p:cNvPr id="1" name="Shape 128"/>
         <p:cNvGrpSpPr/>
         <p:nvPr/>
       </p:nvGrpSpPr>
@@ -4059,9 +4105,11 @@
       <p:sp>
         <p:nvSpPr>
           <p:cNvPr id="129" name="Google Shape;129;p12"/>
-          <p:cNvSpPr txBox="1"/>
+          <p:cNvSpPr txBox="1">
+            <a:spLocks noGrp="1"/>
+          </p:cNvSpPr>
           <p:nvPr>
-            <p:ph idx="12" type="sldNum"/>
+            <p:ph type="sldNum" idx="12"/>
           </p:nvPr>
         </p:nvSpPr>
         <p:spPr>
@@ -4074,7 +4122,7 @@
           </a:prstGeom>
         </p:spPr>
         <p:txBody>
-          <a:bodyPr anchorCtr="0" anchor="ctr" bIns="91425" lIns="91425" spcFirstLastPara="1" rIns="91425" wrap="square" tIns="91425">
+          <a:bodyPr spcFirstLastPara="1" wrap="square" lIns="91425" tIns="91425" rIns="91425" bIns="91425" anchor="ctr" anchorCtr="0">
             <a:normAutofit/>
           </a:bodyPr>
           <a:lstStyle>
@@ -4116,7 +4164,7 @@
             </a:lvl9pPr>
           </a:lstStyle>
           <a:p>
-            <a:pPr indent="0" lvl="0" marL="0" rtl="0" algn="r">
+            <a:pPr marL="0" lvl="0" indent="0" algn="r" rtl="0">
               <a:spcBef>
                 <a:spcPts val="0"/>
               </a:spcBef>
@@ -4142,11 +4190,11 @@
 </file>
 
 <file path=ppt/slideLayouts/slideLayout2.xml><?xml version="1.0" encoding="utf-8"?>
-<p:sldLayout xmlns:a="http://schemas.openxmlformats.org/drawingml/2006/main" xmlns:r="http://schemas.openxmlformats.org/officeDocument/2006/relationships" xmlns:mc="http://schemas.openxmlformats.org/markup-compatibility/2006" xmlns:mv="urn:schemas-microsoft-com:mac:vml" xmlns:p="http://schemas.openxmlformats.org/presentationml/2006/main" xmlns:c="http://schemas.openxmlformats.org/drawingml/2006/chart" xmlns:dgm="http://schemas.openxmlformats.org/drawingml/2006/diagram" xmlns:o="urn:schemas-microsoft-com:office:office" xmlns:v="urn:schemas-microsoft-com:vml" xmlns:pvml="urn:schemas-microsoft-com:office:powerpoint" xmlns:com="http://schemas.openxmlformats.org/drawingml/2006/compatibility" xmlns:p14="http://schemas.microsoft.com/office/powerpoint/2010/main" xmlns:p15="http://schemas.microsoft.com/office/powerpoint/2012/main" xmlns:ahyp="http://schemas.microsoft.com/office/drawing/2018/hyperlinkcolor" matchingName="Section header" type="secHead">
+<p:sldLayout xmlns:a="http://schemas.openxmlformats.org/drawingml/2006/main" xmlns:r="http://schemas.openxmlformats.org/officeDocument/2006/relationships" xmlns:p="http://schemas.openxmlformats.org/presentationml/2006/main" matchingName="Section header" type="secHead">
   <p:cSld name="SECTION_HEADER">
     <p:spTree>
       <p:nvGrpSpPr>
-        <p:cNvPr id="19" name="Shape 19"/>
+        <p:cNvPr id="1" name="Shape 19"/>
         <p:cNvGrpSpPr/>
         <p:nvPr/>
       </p:nvGrpSpPr>
@@ -4185,7 +4233,7 @@
             </a:xfrm>
             <a:prstGeom prst="diagStripe">
               <a:avLst>
-                <a:gd fmla="val 49469" name="adj"/>
+                <a:gd name="adj" fmla="val 49469"/>
               </a:avLst>
             </a:prstGeom>
             <a:solidFill>
@@ -4198,12 +4246,12 @@
             </a:ln>
           </p:spPr>
           <p:txBody>
-            <a:bodyPr anchorCtr="0" anchor="ctr" bIns="91425" lIns="91425" spcFirstLastPara="1" rIns="91425" wrap="square" tIns="91425">
+            <a:bodyPr spcFirstLastPara="1" wrap="square" lIns="91425" tIns="91425" rIns="91425" bIns="91425" anchor="ctr" anchorCtr="0">
               <a:noAutofit/>
             </a:bodyPr>
             <a:lstStyle/>
             <a:p>
-              <a:pPr indent="0" lvl="0" marL="0" rtl="0" algn="l">
+              <a:pPr marL="0" lvl="0" indent="0" algn="l" rtl="0">
                 <a:spcBef>
                   <a:spcPts val="0"/>
                 </a:spcBef>
@@ -4212,9 +4260,6 @@
                 </a:spcAft>
                 <a:buNone/>
               </a:pPr>
-              <a:r>
-                <a:t/>
-              </a:r>
               <a:endParaRPr/>
             </a:p>
           </p:txBody>
@@ -4232,7 +4277,7 @@
             </a:xfrm>
             <a:prstGeom prst="diagStripe">
               <a:avLst>
-                <a:gd fmla="val 0" name="adj"/>
+                <a:gd name="adj" fmla="val 0"/>
               </a:avLst>
             </a:prstGeom>
             <a:solidFill>
@@ -4245,12 +4290,12 @@
             </a:ln>
           </p:spPr>
           <p:txBody>
-            <a:bodyPr anchorCtr="0" anchor="ctr" bIns="91425" lIns="91425" spcFirstLastPara="1" rIns="91425" wrap="square" tIns="91425">
+            <a:bodyPr spcFirstLastPara="1" wrap="square" lIns="91425" tIns="91425" rIns="91425" bIns="91425" anchor="ctr" anchorCtr="0">
               <a:noAutofit/>
             </a:bodyPr>
             <a:lstStyle/>
             <a:p>
-              <a:pPr indent="0" lvl="0" marL="0" rtl="0" algn="l">
+              <a:pPr marL="0" lvl="0" indent="0" algn="l" rtl="0">
                 <a:spcBef>
                   <a:spcPts val="0"/>
                 </a:spcBef>
@@ -4259,9 +4304,6 @@
                 </a:spcAft>
                 <a:buNone/>
               </a:pPr>
-              <a:r>
-                <a:t/>
-              </a:r>
               <a:endParaRPr/>
             </a:p>
           </p:txBody>
@@ -4279,7 +4321,7 @@
             </a:xfrm>
             <a:prstGeom prst="diagStripe">
               <a:avLst>
-                <a:gd fmla="val 50000" name="adj"/>
+                <a:gd name="adj" fmla="val 50000"/>
               </a:avLst>
             </a:prstGeom>
             <a:solidFill>
@@ -4292,12 +4334,12 @@
             </a:ln>
           </p:spPr>
           <p:txBody>
-            <a:bodyPr anchorCtr="0" anchor="ctr" bIns="91425" lIns="91425" spcFirstLastPara="1" rIns="91425" wrap="square" tIns="91425">
+            <a:bodyPr spcFirstLastPara="1" wrap="square" lIns="91425" tIns="91425" rIns="91425" bIns="91425" anchor="ctr" anchorCtr="0">
               <a:noAutofit/>
             </a:bodyPr>
             <a:lstStyle/>
             <a:p>
-              <a:pPr indent="0" lvl="0" marL="0" rtl="0" algn="l">
+              <a:pPr marL="0" lvl="0" indent="0" algn="l" rtl="0">
                 <a:spcBef>
                   <a:spcPts val="0"/>
                 </a:spcBef>
@@ -4306,9 +4348,6 @@
                 </a:spcAft>
                 <a:buNone/>
               </a:pPr>
-              <a:r>
-                <a:t/>
-              </a:r>
               <a:endParaRPr/>
             </a:p>
           </p:txBody>
@@ -4326,7 +4365,7 @@
             </a:xfrm>
             <a:prstGeom prst="diagStripe">
               <a:avLst>
-                <a:gd fmla="val 50000" name="adj"/>
+                <a:gd name="adj" fmla="val 50000"/>
               </a:avLst>
             </a:prstGeom>
             <a:solidFill>
@@ -4339,12 +4378,12 @@
             </a:ln>
           </p:spPr>
           <p:txBody>
-            <a:bodyPr anchorCtr="0" anchor="ctr" bIns="91425" lIns="91425" spcFirstLastPara="1" rIns="91425" wrap="square" tIns="91425">
+            <a:bodyPr spcFirstLastPara="1" wrap="square" lIns="91425" tIns="91425" rIns="91425" bIns="91425" anchor="ctr" anchorCtr="0">
               <a:noAutofit/>
             </a:bodyPr>
             <a:lstStyle/>
             <a:p>
-              <a:pPr indent="0" lvl="0" marL="0" rtl="0" algn="l">
+              <a:pPr marL="0" lvl="0" indent="0" algn="l" rtl="0">
                 <a:spcBef>
                   <a:spcPts val="0"/>
                 </a:spcBef>
@@ -4353,9 +4392,6 @@
                 </a:spcAft>
                 <a:buNone/>
               </a:pPr>
-              <a:r>
-                <a:t/>
-              </a:r>
               <a:endParaRPr/>
             </a:p>
           </p:txBody>
@@ -4373,7 +4409,7 @@
             </a:xfrm>
             <a:prstGeom prst="diagStripe">
               <a:avLst>
-                <a:gd fmla="val 50000" name="adj"/>
+                <a:gd name="adj" fmla="val 50000"/>
               </a:avLst>
             </a:prstGeom>
             <a:solidFill>
@@ -4386,12 +4422,12 @@
             </a:ln>
           </p:spPr>
           <p:txBody>
-            <a:bodyPr anchorCtr="0" anchor="ctr" bIns="91425" lIns="91425" spcFirstLastPara="1" rIns="91425" wrap="square" tIns="91425">
+            <a:bodyPr spcFirstLastPara="1" wrap="square" lIns="91425" tIns="91425" rIns="91425" bIns="91425" anchor="ctr" anchorCtr="0">
               <a:noAutofit/>
             </a:bodyPr>
             <a:lstStyle/>
             <a:p>
-              <a:pPr indent="0" lvl="0" marL="0" rtl="0" algn="l">
+              <a:pPr marL="0" lvl="0" indent="0" algn="l" rtl="0">
                 <a:spcBef>
                   <a:spcPts val="0"/>
                 </a:spcBef>
@@ -4400,9 +4436,6 @@
                 </a:spcAft>
                 <a:buNone/>
               </a:pPr>
-              <a:r>
-                <a:t/>
-              </a:r>
               <a:endParaRPr/>
             </a:p>
           </p:txBody>
@@ -4420,7 +4453,7 @@
             </a:xfrm>
             <a:prstGeom prst="diagStripe">
               <a:avLst>
-                <a:gd fmla="val 50000" name="adj"/>
+                <a:gd name="adj" fmla="val 50000"/>
               </a:avLst>
             </a:prstGeom>
             <a:solidFill>
@@ -4433,12 +4466,12 @@
             </a:ln>
           </p:spPr>
           <p:txBody>
-            <a:bodyPr anchorCtr="0" anchor="ctr" bIns="91425" lIns="91425" spcFirstLastPara="1" rIns="91425" wrap="square" tIns="91425">
+            <a:bodyPr spcFirstLastPara="1" wrap="square" lIns="91425" tIns="91425" rIns="91425" bIns="91425" anchor="ctr" anchorCtr="0">
               <a:noAutofit/>
             </a:bodyPr>
             <a:lstStyle/>
             <a:p>
-              <a:pPr indent="0" lvl="0" marL="0" rtl="0" algn="l">
+              <a:pPr marL="0" lvl="0" indent="0" algn="l" rtl="0">
                 <a:spcBef>
                   <a:spcPts val="0"/>
                 </a:spcBef>
@@ -4447,9 +4480,6 @@
                 </a:spcAft>
                 <a:buNone/>
               </a:pPr>
-              <a:r>
-                <a:t/>
-              </a:r>
               <a:endParaRPr/>
             </a:p>
           </p:txBody>
@@ -4467,7 +4497,7 @@
             </a:xfrm>
             <a:prstGeom prst="diagStripe">
               <a:avLst>
-                <a:gd fmla="val 50000" name="adj"/>
+                <a:gd name="adj" fmla="val 50000"/>
               </a:avLst>
             </a:prstGeom>
             <a:solidFill>
@@ -4480,12 +4510,12 @@
             </a:ln>
           </p:spPr>
           <p:txBody>
-            <a:bodyPr anchorCtr="0" anchor="ctr" bIns="91425" lIns="91425" spcFirstLastPara="1" rIns="91425" wrap="square" tIns="91425">
+            <a:bodyPr spcFirstLastPara="1" wrap="square" lIns="91425" tIns="91425" rIns="91425" bIns="91425" anchor="ctr" anchorCtr="0">
               <a:noAutofit/>
             </a:bodyPr>
             <a:lstStyle/>
             <a:p>
-              <a:pPr indent="0" lvl="0" marL="0" rtl="0" algn="l">
+              <a:pPr marL="0" lvl="0" indent="0" algn="l" rtl="0">
                 <a:spcBef>
                   <a:spcPts val="0"/>
                 </a:spcBef>
@@ -4494,9 +4524,6 @@
                 </a:spcAft>
                 <a:buNone/>
               </a:pPr>
-              <a:r>
-                <a:t/>
-              </a:r>
               <a:endParaRPr/>
             </a:p>
           </p:txBody>
@@ -4514,7 +4541,7 @@
             </a:xfrm>
             <a:prstGeom prst="diagStripe">
               <a:avLst>
-                <a:gd fmla="val 50000" name="adj"/>
+                <a:gd name="adj" fmla="val 50000"/>
               </a:avLst>
             </a:prstGeom>
             <a:solidFill>
@@ -4525,12 +4552,12 @@
             </a:ln>
           </p:spPr>
           <p:txBody>
-            <a:bodyPr anchorCtr="0" anchor="ctr" bIns="91425" lIns="91425" spcFirstLastPara="1" rIns="91425" wrap="square" tIns="91425">
+            <a:bodyPr spcFirstLastPara="1" wrap="square" lIns="91425" tIns="91425" rIns="91425" bIns="91425" anchor="ctr" anchorCtr="0">
               <a:noAutofit/>
             </a:bodyPr>
             <a:lstStyle/>
             <a:p>
-              <a:pPr indent="0" lvl="0" marL="0" rtl="0" algn="l">
+              <a:pPr marL="0" lvl="0" indent="0" algn="l" rtl="0">
                 <a:spcBef>
                   <a:spcPts val="0"/>
                 </a:spcBef>
@@ -4539,9 +4566,6 @@
                 </a:spcAft>
                 <a:buNone/>
               </a:pPr>
-              <a:r>
-                <a:t/>
-              </a:r>
               <a:endParaRPr/>
             </a:p>
           </p:txBody>
@@ -4559,7 +4583,7 @@
             </a:xfrm>
             <a:prstGeom prst="diagStripe">
               <a:avLst>
-                <a:gd fmla="val 50000" name="adj"/>
+                <a:gd name="adj" fmla="val 50000"/>
               </a:avLst>
             </a:prstGeom>
             <a:solidFill>
@@ -4572,12 +4596,12 @@
             </a:ln>
           </p:spPr>
           <p:txBody>
-            <a:bodyPr anchorCtr="0" anchor="ctr" bIns="91425" lIns="91425" spcFirstLastPara="1" rIns="91425" wrap="square" tIns="91425">
+            <a:bodyPr spcFirstLastPara="1" wrap="square" lIns="91425" tIns="91425" rIns="91425" bIns="91425" anchor="ctr" anchorCtr="0">
               <a:noAutofit/>
             </a:bodyPr>
             <a:lstStyle/>
             <a:p>
-              <a:pPr indent="0" lvl="0" marL="0" rtl="0" algn="l">
+              <a:pPr marL="0" lvl="0" indent="0" algn="l" rtl="0">
                 <a:spcBef>
                   <a:spcPts val="0"/>
                 </a:spcBef>
@@ -4586,9 +4610,6 @@
                 </a:spcAft>
                 <a:buNone/>
               </a:pPr>
-              <a:r>
-                <a:t/>
-              </a:r>
               <a:endParaRPr/>
             </a:p>
           </p:txBody>
@@ -4606,7 +4627,7 @@
             </a:xfrm>
             <a:prstGeom prst="diagStripe">
               <a:avLst>
-                <a:gd fmla="val 50000" name="adj"/>
+                <a:gd name="adj" fmla="val 50000"/>
               </a:avLst>
             </a:prstGeom>
             <a:solidFill>
@@ -4619,12 +4640,12 @@
             </a:ln>
           </p:spPr>
           <p:txBody>
-            <a:bodyPr anchorCtr="0" anchor="ctr" bIns="91425" lIns="91425" spcFirstLastPara="1" rIns="91425" wrap="square" tIns="91425">
+            <a:bodyPr spcFirstLastPara="1" wrap="square" lIns="91425" tIns="91425" rIns="91425" bIns="91425" anchor="ctr" anchorCtr="0">
               <a:noAutofit/>
             </a:bodyPr>
             <a:lstStyle/>
             <a:p>
-              <a:pPr indent="0" lvl="0" marL="0" rtl="0" algn="l">
+              <a:pPr marL="0" lvl="0" indent="0" algn="l" rtl="0">
                 <a:spcBef>
                   <a:spcPts val="0"/>
                 </a:spcBef>
@@ -4633,9 +4654,6 @@
                 </a:spcAft>
                 <a:buNone/>
               </a:pPr>
-              <a:r>
-                <a:t/>
-              </a:r>
               <a:endParaRPr/>
             </a:p>
           </p:txBody>
@@ -4653,7 +4671,7 @@
             </a:xfrm>
             <a:prstGeom prst="diagStripe">
               <a:avLst>
-                <a:gd fmla="val 50000" name="adj"/>
+                <a:gd name="adj" fmla="val 50000"/>
               </a:avLst>
             </a:prstGeom>
             <a:solidFill>
@@ -4666,12 +4684,12 @@
             </a:ln>
           </p:spPr>
           <p:txBody>
-            <a:bodyPr anchorCtr="0" anchor="ctr" bIns="91425" lIns="91425" spcFirstLastPara="1" rIns="91425" wrap="square" tIns="91425">
+            <a:bodyPr spcFirstLastPara="1" wrap="square" lIns="91425" tIns="91425" rIns="91425" bIns="91425" anchor="ctr" anchorCtr="0">
               <a:noAutofit/>
             </a:bodyPr>
             <a:lstStyle/>
             <a:p>
-              <a:pPr indent="0" lvl="0" marL="0" rtl="0" algn="l">
+              <a:pPr marL="0" lvl="0" indent="0" algn="l" rtl="0">
                 <a:spcBef>
                   <a:spcPts val="0"/>
                 </a:spcBef>
@@ -4680,9 +4698,6 @@
                 </a:spcAft>
                 <a:buNone/>
               </a:pPr>
-              <a:r>
-                <a:t/>
-              </a:r>
               <a:endParaRPr/>
             </a:p>
           </p:txBody>
@@ -4700,7 +4715,7 @@
             </a:xfrm>
             <a:prstGeom prst="diagStripe">
               <a:avLst>
-                <a:gd fmla="val 50000" name="adj"/>
+                <a:gd name="adj" fmla="val 50000"/>
               </a:avLst>
             </a:prstGeom>
             <a:solidFill>
@@ -4713,12 +4728,12 @@
             </a:ln>
           </p:spPr>
           <p:txBody>
-            <a:bodyPr anchorCtr="0" anchor="ctr" bIns="91425" lIns="91425" spcFirstLastPara="1" rIns="91425" wrap="square" tIns="91425">
+            <a:bodyPr spcFirstLastPara="1" wrap="square" lIns="91425" tIns="91425" rIns="91425" bIns="91425" anchor="ctr" anchorCtr="0">
               <a:noAutofit/>
             </a:bodyPr>
             <a:lstStyle/>
             <a:p>
-              <a:pPr indent="0" lvl="0" marL="0" rtl="0" algn="l">
+              <a:pPr marL="0" lvl="0" indent="0" algn="l" rtl="0">
                 <a:spcBef>
                   <a:spcPts val="0"/>
                 </a:spcBef>
@@ -4727,9 +4742,6 @@
                 </a:spcAft>
                 <a:buNone/>
               </a:pPr>
-              <a:r>
-                <a:t/>
-              </a:r>
               <a:endParaRPr/>
             </a:p>
           </p:txBody>
@@ -4747,7 +4759,7 @@
             </a:xfrm>
             <a:prstGeom prst="diagStripe">
               <a:avLst>
-                <a:gd fmla="val 50000" name="adj"/>
+                <a:gd name="adj" fmla="val 50000"/>
               </a:avLst>
             </a:prstGeom>
             <a:solidFill>
@@ -4760,12 +4772,12 @@
             </a:ln>
           </p:spPr>
           <p:txBody>
-            <a:bodyPr anchorCtr="0" anchor="ctr" bIns="91425" lIns="91425" spcFirstLastPara="1" rIns="91425" wrap="square" tIns="91425">
+            <a:bodyPr spcFirstLastPara="1" wrap="square" lIns="91425" tIns="91425" rIns="91425" bIns="91425" anchor="ctr" anchorCtr="0">
               <a:noAutofit/>
             </a:bodyPr>
             <a:lstStyle/>
             <a:p>
-              <a:pPr indent="0" lvl="0" marL="0" rtl="0" algn="l">
+              <a:pPr marL="0" lvl="0" indent="0" algn="l" rtl="0">
                 <a:spcBef>
                   <a:spcPts val="0"/>
                 </a:spcBef>
@@ -4774,9 +4786,6 @@
                 </a:spcAft>
                 <a:buNone/>
               </a:pPr>
-              <a:r>
-                <a:t/>
-              </a:r>
               <a:endParaRPr/>
             </a:p>
           </p:txBody>
@@ -4794,7 +4803,7 @@
             </a:xfrm>
             <a:prstGeom prst="diagStripe">
               <a:avLst>
-                <a:gd fmla="val 50000" name="adj"/>
+                <a:gd name="adj" fmla="val 50000"/>
               </a:avLst>
             </a:prstGeom>
             <a:solidFill>
@@ -4805,12 +4814,12 @@
             </a:ln>
           </p:spPr>
           <p:txBody>
-            <a:bodyPr anchorCtr="0" anchor="ctr" bIns="91425" lIns="91425" spcFirstLastPara="1" rIns="91425" wrap="square" tIns="91425">
+            <a:bodyPr spcFirstLastPara="1" wrap="square" lIns="91425" tIns="91425" rIns="91425" bIns="91425" anchor="ctr" anchorCtr="0">
               <a:noAutofit/>
             </a:bodyPr>
             <a:lstStyle/>
             <a:p>
-              <a:pPr indent="0" lvl="0" marL="0" rtl="0" algn="l">
+              <a:pPr marL="0" lvl="0" indent="0" algn="l" rtl="0">
                 <a:spcBef>
                   <a:spcPts val="0"/>
                 </a:spcBef>
@@ -4819,9 +4828,6 @@
                 </a:spcAft>
                 <a:buNone/>
               </a:pPr>
-              <a:r>
-                <a:t/>
-              </a:r>
               <a:endParaRPr/>
             </a:p>
           </p:txBody>
@@ -4839,7 +4845,7 @@
             </a:xfrm>
             <a:prstGeom prst="diagStripe">
               <a:avLst>
-                <a:gd fmla="val 50000" name="adj"/>
+                <a:gd name="adj" fmla="val 50000"/>
               </a:avLst>
             </a:prstGeom>
             <a:solidFill>
@@ -4852,12 +4858,12 @@
             </a:ln>
           </p:spPr>
           <p:txBody>
-            <a:bodyPr anchorCtr="0" anchor="ctr" bIns="91425" lIns="91425" spcFirstLastPara="1" rIns="91425" wrap="square" tIns="91425">
+            <a:bodyPr spcFirstLastPara="1" wrap="square" lIns="91425" tIns="91425" rIns="91425" bIns="91425" anchor="ctr" anchorCtr="0">
               <a:noAutofit/>
             </a:bodyPr>
             <a:lstStyle/>
             <a:p>
-              <a:pPr indent="0" lvl="0" marL="0" rtl="0" algn="l">
+              <a:pPr marL="0" lvl="0" indent="0" algn="l" rtl="0">
                 <a:spcBef>
                   <a:spcPts val="0"/>
                 </a:spcBef>
@@ -4866,9 +4872,6 @@
                 </a:spcAft>
                 <a:buNone/>
               </a:pPr>
-              <a:r>
-                <a:t/>
-              </a:r>
               <a:endParaRPr/>
             </a:p>
           </p:txBody>
@@ -4886,7 +4889,7 @@
             </a:xfrm>
             <a:prstGeom prst="diagStripe">
               <a:avLst>
-                <a:gd fmla="val 50000" name="adj"/>
+                <a:gd name="adj" fmla="val 50000"/>
               </a:avLst>
             </a:prstGeom>
             <a:solidFill>
@@ -4899,12 +4902,12 @@
             </a:ln>
           </p:spPr>
           <p:txBody>
-            <a:bodyPr anchorCtr="0" anchor="ctr" bIns="91425" lIns="91425" spcFirstLastPara="1" rIns="91425" wrap="square" tIns="91425">
+            <a:bodyPr spcFirstLastPara="1" wrap="square" lIns="91425" tIns="91425" rIns="91425" bIns="91425" anchor="ctr" anchorCtr="0">
               <a:noAutofit/>
             </a:bodyPr>
             <a:lstStyle/>
             <a:p>
-              <a:pPr indent="0" lvl="0" marL="0" rtl="0" algn="l">
+              <a:pPr marL="0" lvl="0" indent="0" algn="l" rtl="0">
                 <a:spcBef>
                   <a:spcPts val="0"/>
                 </a:spcBef>
@@ -4913,9 +4916,6 @@
                 </a:spcAft>
                 <a:buNone/>
               </a:pPr>
-              <a:r>
-                <a:t/>
-              </a:r>
               <a:endParaRPr/>
             </a:p>
           </p:txBody>
@@ -4933,7 +4933,7 @@
             </a:xfrm>
             <a:prstGeom prst="diagStripe">
               <a:avLst>
-                <a:gd fmla="val 50000" name="adj"/>
+                <a:gd name="adj" fmla="val 50000"/>
               </a:avLst>
             </a:prstGeom>
             <a:solidFill>
@@ -4946,12 +4946,12 @@
             </a:ln>
           </p:spPr>
           <p:txBody>
-            <a:bodyPr anchorCtr="0" anchor="ctr" bIns="91425" lIns="91425" spcFirstLastPara="1" rIns="91425" wrap="square" tIns="91425">
+            <a:bodyPr spcFirstLastPara="1" wrap="square" lIns="91425" tIns="91425" rIns="91425" bIns="91425" anchor="ctr" anchorCtr="0">
               <a:noAutofit/>
             </a:bodyPr>
             <a:lstStyle/>
             <a:p>
-              <a:pPr indent="0" lvl="0" marL="0" rtl="0" algn="l">
+              <a:pPr marL="0" lvl="0" indent="0" algn="l" rtl="0">
                 <a:spcBef>
                   <a:spcPts val="0"/>
                 </a:spcBef>
@@ -4960,9 +4960,6 @@
                 </a:spcAft>
                 <a:buNone/>
               </a:pPr>
-              <a:r>
-                <a:t/>
-              </a:r>
               <a:endParaRPr/>
             </a:p>
           </p:txBody>
@@ -4980,7 +4977,7 @@
             </a:xfrm>
             <a:prstGeom prst="diagStripe">
               <a:avLst>
-                <a:gd fmla="val 50000" name="adj"/>
+                <a:gd name="adj" fmla="val 50000"/>
               </a:avLst>
             </a:prstGeom>
             <a:solidFill>
@@ -4993,12 +4990,12 @@
             </a:ln>
           </p:spPr>
           <p:txBody>
-            <a:bodyPr anchorCtr="0" anchor="ctr" bIns="91425" lIns="91425" spcFirstLastPara="1" rIns="91425" wrap="square" tIns="91425">
+            <a:bodyPr spcFirstLastPara="1" wrap="square" lIns="91425" tIns="91425" rIns="91425" bIns="91425" anchor="ctr" anchorCtr="0">
               <a:noAutofit/>
             </a:bodyPr>
             <a:lstStyle/>
             <a:p>
-              <a:pPr indent="0" lvl="0" marL="0" rtl="0" algn="l">
+              <a:pPr marL="0" lvl="0" indent="0" algn="l" rtl="0">
                 <a:spcBef>
                   <a:spcPts val="0"/>
                 </a:spcBef>
@@ -5007,9 +5004,6 @@
                 </a:spcAft>
                 <a:buNone/>
               </a:pPr>
-              <a:r>
-                <a:t/>
-              </a:r>
               <a:endParaRPr/>
             </a:p>
           </p:txBody>
@@ -5018,7 +5012,9 @@
       <p:sp>
         <p:nvSpPr>
           <p:cNvPr id="39" name="Google Shape;39;p3"/>
-          <p:cNvSpPr txBox="1"/>
+          <p:cNvSpPr txBox="1">
+            <a:spLocks noGrp="1"/>
+          </p:cNvSpPr>
           <p:nvPr>
             <p:ph type="title"/>
           </p:nvPr>
@@ -5033,7 +5029,7 @@
           </a:prstGeom>
         </p:spPr>
         <p:txBody>
-          <a:bodyPr anchorCtr="0" anchor="ctr" bIns="91425" lIns="91425" spcFirstLastPara="1" rIns="91425" wrap="square" tIns="91425">
+          <a:bodyPr spcFirstLastPara="1" wrap="square" lIns="91425" tIns="91425" rIns="91425" bIns="91425" anchor="ctr" anchorCtr="0">
             <a:normAutofit/>
           </a:bodyPr>
           <a:lstStyle>
@@ -5137,15 +5133,19 @@
               <a:defRPr/>
             </a:lvl9pPr>
           </a:lstStyle>
-          <a:p/>
+          <a:p>
+            <a:endParaRPr/>
+          </a:p>
         </p:txBody>
       </p:sp>
       <p:sp>
         <p:nvSpPr>
           <p:cNvPr id="40" name="Google Shape;40;p3"/>
-          <p:cNvSpPr txBox="1"/>
+          <p:cNvSpPr txBox="1">
+            <a:spLocks noGrp="1"/>
+          </p:cNvSpPr>
           <p:nvPr>
-            <p:ph idx="12" type="sldNum"/>
+            <p:ph type="sldNum" idx="12"/>
           </p:nvPr>
         </p:nvSpPr>
         <p:spPr>
@@ -5158,7 +5158,7 @@
           </a:prstGeom>
         </p:spPr>
         <p:txBody>
-          <a:bodyPr anchorCtr="0" anchor="ctr" bIns="91425" lIns="91425" spcFirstLastPara="1" rIns="91425" wrap="square" tIns="91425">
+          <a:bodyPr spcFirstLastPara="1" wrap="square" lIns="91425" tIns="91425" rIns="91425" bIns="91425" anchor="ctr" anchorCtr="0">
             <a:normAutofit/>
           </a:bodyPr>
           <a:lstStyle>
@@ -5200,7 +5200,7 @@
             </a:lvl9pPr>
           </a:lstStyle>
           <a:p>
-            <a:pPr indent="0" lvl="0" marL="0" rtl="0" algn="r">
+            <a:pPr marL="0" lvl="0" indent="0" algn="r" rtl="0">
               <a:spcBef>
                 <a:spcPts val="0"/>
               </a:spcBef>
@@ -5226,11 +5226,11 @@
 </file>
 
 <file path=ppt/slideLayouts/slideLayout3.xml><?xml version="1.0" encoding="utf-8"?>
-<p:sldLayout xmlns:a="http://schemas.openxmlformats.org/drawingml/2006/main" xmlns:r="http://schemas.openxmlformats.org/officeDocument/2006/relationships" xmlns:mc="http://schemas.openxmlformats.org/markup-compatibility/2006" xmlns:mv="urn:schemas-microsoft-com:mac:vml" xmlns:p="http://schemas.openxmlformats.org/presentationml/2006/main" xmlns:c="http://schemas.openxmlformats.org/drawingml/2006/chart" xmlns:dgm="http://schemas.openxmlformats.org/drawingml/2006/diagram" xmlns:o="urn:schemas-microsoft-com:office:office" xmlns:v="urn:schemas-microsoft-com:vml" xmlns:pvml="urn:schemas-microsoft-com:office:powerpoint" xmlns:com="http://schemas.openxmlformats.org/drawingml/2006/compatibility" xmlns:p14="http://schemas.microsoft.com/office/powerpoint/2010/main" xmlns:p15="http://schemas.microsoft.com/office/powerpoint/2012/main" xmlns:ahyp="http://schemas.microsoft.com/office/drawing/2018/hyperlinkcolor" matchingName="Title and body" type="tx">
+<p:sldLayout xmlns:a="http://schemas.openxmlformats.org/drawingml/2006/main" xmlns:r="http://schemas.openxmlformats.org/officeDocument/2006/relationships" xmlns:p="http://schemas.openxmlformats.org/presentationml/2006/main" matchingName="Title and body" type="tx">
   <p:cSld name="TITLE_AND_BODY">
     <p:spTree>
       <p:nvGrpSpPr>
-        <p:cNvPr id="41" name="Shape 41"/>
+        <p:cNvPr id="1" name="Shape 41"/>
         <p:cNvGrpSpPr/>
         <p:nvPr/>
       </p:nvGrpSpPr>
@@ -5269,7 +5269,7 @@
             </a:xfrm>
             <a:prstGeom prst="diagStripe">
               <a:avLst>
-                <a:gd fmla="val 50000" name="adj"/>
+                <a:gd name="adj" fmla="val 50000"/>
               </a:avLst>
             </a:prstGeom>
             <a:solidFill>
@@ -5280,12 +5280,12 @@
             </a:ln>
           </p:spPr>
           <p:txBody>
-            <a:bodyPr anchorCtr="0" anchor="ctr" bIns="91425" lIns="91425" spcFirstLastPara="1" rIns="91425" wrap="square" tIns="91425">
+            <a:bodyPr spcFirstLastPara="1" wrap="square" lIns="91425" tIns="91425" rIns="91425" bIns="91425" anchor="ctr" anchorCtr="0">
               <a:noAutofit/>
             </a:bodyPr>
             <a:lstStyle/>
             <a:p>
-              <a:pPr indent="0" lvl="0" marL="0" rtl="0" algn="l">
+              <a:pPr marL="0" lvl="0" indent="0" algn="l" rtl="0">
                 <a:spcBef>
                   <a:spcPts val="0"/>
                 </a:spcBef>
@@ -5294,9 +5294,6 @@
                 </a:spcAft>
                 <a:buNone/>
               </a:pPr>
-              <a:r>
-                <a:t/>
-              </a:r>
               <a:endParaRPr/>
             </a:p>
           </p:txBody>
@@ -5314,7 +5311,7 @@
             </a:xfrm>
             <a:prstGeom prst="diagStripe">
               <a:avLst>
-                <a:gd fmla="val 50000" name="adj"/>
+                <a:gd name="adj" fmla="val 50000"/>
               </a:avLst>
             </a:prstGeom>
             <a:solidFill>
@@ -5325,12 +5322,12 @@
             </a:ln>
           </p:spPr>
           <p:txBody>
-            <a:bodyPr anchorCtr="0" anchor="ctr" bIns="91425" lIns="91425" spcFirstLastPara="1" rIns="91425" wrap="square" tIns="91425">
+            <a:bodyPr spcFirstLastPara="1" wrap="square" lIns="91425" tIns="91425" rIns="91425" bIns="91425" anchor="ctr" anchorCtr="0">
               <a:noAutofit/>
             </a:bodyPr>
             <a:lstStyle/>
             <a:p>
-              <a:pPr indent="0" lvl="0" marL="0" rtl="0" algn="l">
+              <a:pPr marL="0" lvl="0" indent="0" algn="l" rtl="0">
                 <a:spcBef>
                   <a:spcPts val="0"/>
                 </a:spcBef>
@@ -5339,9 +5336,6 @@
                 </a:spcAft>
                 <a:buNone/>
               </a:pPr>
-              <a:r>
-                <a:t/>
-              </a:r>
               <a:endParaRPr/>
             </a:p>
           </p:txBody>
@@ -5350,7 +5344,9 @@
       <p:sp>
         <p:nvSpPr>
           <p:cNvPr id="45" name="Google Shape;45;p4"/>
-          <p:cNvSpPr txBox="1"/>
+          <p:cNvSpPr txBox="1">
+            <a:spLocks noGrp="1"/>
+          </p:cNvSpPr>
           <p:nvPr>
             <p:ph type="title"/>
           </p:nvPr>
@@ -5365,7 +5361,7 @@
           </a:prstGeom>
         </p:spPr>
         <p:txBody>
-          <a:bodyPr anchorCtr="0" anchor="t" bIns="91425" lIns="91425" spcFirstLastPara="1" rIns="91425" wrap="square" tIns="91425">
+          <a:bodyPr spcFirstLastPara="1" wrap="square" lIns="91425" tIns="91425" rIns="91425" bIns="91425" anchor="t" anchorCtr="0">
             <a:normAutofit/>
           </a:bodyPr>
           <a:lstStyle>
@@ -5469,15 +5465,19 @@
               <a:defRPr sz="2400"/>
             </a:lvl9pPr>
           </a:lstStyle>
-          <a:p/>
+          <a:p>
+            <a:endParaRPr/>
+          </a:p>
         </p:txBody>
       </p:sp>
       <p:sp>
         <p:nvSpPr>
           <p:cNvPr id="46" name="Google Shape;46;p4"/>
-          <p:cNvSpPr txBox="1"/>
+          <p:cNvSpPr txBox="1">
+            <a:spLocks noGrp="1"/>
+          </p:cNvSpPr>
           <p:nvPr>
-            <p:ph idx="1" type="body"/>
+            <p:ph type="body" idx="1"/>
           </p:nvPr>
         </p:nvSpPr>
         <p:spPr>
@@ -5490,11 +5490,11 @@
           </a:prstGeom>
         </p:spPr>
         <p:txBody>
-          <a:bodyPr anchorCtr="0" anchor="t" bIns="91425" lIns="91425" spcFirstLastPara="1" rIns="91425" wrap="square" tIns="91425">
+          <a:bodyPr spcFirstLastPara="1" wrap="square" lIns="91425" tIns="91425" rIns="91425" bIns="91425" anchor="t" anchorCtr="0">
             <a:normAutofit/>
           </a:bodyPr>
           <a:lstStyle>
-            <a:lvl1pPr indent="-311150" lvl="0" marL="457200">
+            <a:lvl1pPr marL="457200" lvl="0" indent="-311150">
               <a:spcBef>
                 <a:spcPts val="0"/>
               </a:spcBef>
@@ -5505,7 +5505,7 @@
               <a:buChar char="●"/>
               <a:defRPr/>
             </a:lvl1pPr>
-            <a:lvl2pPr indent="-298450" lvl="1" marL="914400">
+            <a:lvl2pPr marL="914400" lvl="1" indent="-298450">
               <a:spcBef>
                 <a:spcPts val="0"/>
               </a:spcBef>
@@ -5516,7 +5516,7 @@
               <a:buChar char="○"/>
               <a:defRPr/>
             </a:lvl2pPr>
-            <a:lvl3pPr indent="-298450" lvl="2" marL="1371600">
+            <a:lvl3pPr marL="1371600" lvl="2" indent="-298450">
               <a:spcBef>
                 <a:spcPts val="0"/>
               </a:spcBef>
@@ -5527,7 +5527,7 @@
               <a:buChar char="■"/>
               <a:defRPr/>
             </a:lvl3pPr>
-            <a:lvl4pPr indent="-298450" lvl="3" marL="1828800">
+            <a:lvl4pPr marL="1828800" lvl="3" indent="-298450">
               <a:spcBef>
                 <a:spcPts val="0"/>
               </a:spcBef>
@@ -5538,7 +5538,7 @@
               <a:buChar char="●"/>
               <a:defRPr/>
             </a:lvl4pPr>
-            <a:lvl5pPr indent="-298450" lvl="4" marL="2286000">
+            <a:lvl5pPr marL="2286000" lvl="4" indent="-298450">
               <a:spcBef>
                 <a:spcPts val="0"/>
               </a:spcBef>
@@ -5549,7 +5549,7 @@
               <a:buChar char="○"/>
               <a:defRPr/>
             </a:lvl5pPr>
-            <a:lvl6pPr indent="-298450" lvl="5" marL="2743200">
+            <a:lvl6pPr marL="2743200" lvl="5" indent="-298450">
               <a:spcBef>
                 <a:spcPts val="0"/>
               </a:spcBef>
@@ -5560,7 +5560,7 @@
               <a:buChar char="■"/>
               <a:defRPr/>
             </a:lvl6pPr>
-            <a:lvl7pPr indent="-298450" lvl="6" marL="3200400">
+            <a:lvl7pPr marL="3200400" lvl="6" indent="-298450">
               <a:spcBef>
                 <a:spcPts val="0"/>
               </a:spcBef>
@@ -5571,7 +5571,7 @@
               <a:buChar char="●"/>
               <a:defRPr/>
             </a:lvl7pPr>
-            <a:lvl8pPr indent="-298450" lvl="7" marL="3657600">
+            <a:lvl8pPr marL="3657600" lvl="7" indent="-298450">
               <a:spcBef>
                 <a:spcPts val="0"/>
               </a:spcBef>
@@ -5582,7 +5582,7 @@
               <a:buChar char="○"/>
               <a:defRPr/>
             </a:lvl8pPr>
-            <a:lvl9pPr indent="-298450" lvl="8" marL="4114800">
+            <a:lvl9pPr marL="4114800" lvl="8" indent="-298450">
               <a:spcBef>
                 <a:spcPts val="0"/>
               </a:spcBef>
@@ -5594,15 +5594,19 @@
               <a:defRPr/>
             </a:lvl9pPr>
           </a:lstStyle>
-          <a:p/>
+          <a:p>
+            <a:endParaRPr/>
+          </a:p>
         </p:txBody>
       </p:sp>
       <p:sp>
         <p:nvSpPr>
           <p:cNvPr id="47" name="Google Shape;47;p4"/>
-          <p:cNvSpPr txBox="1"/>
+          <p:cNvSpPr txBox="1">
+            <a:spLocks noGrp="1"/>
+          </p:cNvSpPr>
           <p:nvPr>
-            <p:ph idx="12" type="sldNum"/>
+            <p:ph type="sldNum" idx="12"/>
           </p:nvPr>
         </p:nvSpPr>
         <p:spPr>
@@ -5615,7 +5619,7 @@
           </a:prstGeom>
         </p:spPr>
         <p:txBody>
-          <a:bodyPr anchorCtr="0" anchor="ctr" bIns="91425" lIns="91425" spcFirstLastPara="1" rIns="91425" wrap="square" tIns="91425">
+          <a:bodyPr spcFirstLastPara="1" wrap="square" lIns="91425" tIns="91425" rIns="91425" bIns="91425" anchor="ctr" anchorCtr="0">
             <a:normAutofit/>
           </a:bodyPr>
           <a:lstStyle>
@@ -5657,7 +5661,7 @@
             </a:lvl9pPr>
           </a:lstStyle>
           <a:p>
-            <a:pPr indent="0" lvl="0" marL="0" rtl="0" algn="r">
+            <a:pPr marL="0" lvl="0" indent="0" algn="r" rtl="0">
               <a:spcBef>
                 <a:spcPts val="0"/>
               </a:spcBef>
@@ -5683,11 +5687,11 @@
 </file>
 
 <file path=ppt/slideLayouts/slideLayout4.xml><?xml version="1.0" encoding="utf-8"?>
-<p:sldLayout xmlns:a="http://schemas.openxmlformats.org/drawingml/2006/main" xmlns:r="http://schemas.openxmlformats.org/officeDocument/2006/relationships" xmlns:mc="http://schemas.openxmlformats.org/markup-compatibility/2006" xmlns:mv="urn:schemas-microsoft-com:mac:vml" xmlns:p="http://schemas.openxmlformats.org/presentationml/2006/main" xmlns:c="http://schemas.openxmlformats.org/drawingml/2006/chart" xmlns:dgm="http://schemas.openxmlformats.org/drawingml/2006/diagram" xmlns:o="urn:schemas-microsoft-com:office:office" xmlns:v="urn:schemas-microsoft-com:vml" xmlns:pvml="urn:schemas-microsoft-com:office:powerpoint" xmlns:com="http://schemas.openxmlformats.org/drawingml/2006/compatibility" xmlns:p14="http://schemas.microsoft.com/office/powerpoint/2010/main" xmlns:p15="http://schemas.microsoft.com/office/powerpoint/2012/main" xmlns:ahyp="http://schemas.microsoft.com/office/drawing/2018/hyperlinkcolor" matchingName="Title and two columns" type="twoColTx">
+<p:sldLayout xmlns:a="http://schemas.openxmlformats.org/drawingml/2006/main" xmlns:r="http://schemas.openxmlformats.org/officeDocument/2006/relationships" xmlns:p="http://schemas.openxmlformats.org/presentationml/2006/main" matchingName="Title and two columns" type="twoColTx">
   <p:cSld name="TITLE_AND_TWO_COLUMNS">
     <p:spTree>
       <p:nvGrpSpPr>
-        <p:cNvPr id="48" name="Shape 48"/>
+        <p:cNvPr id="1" name="Shape 48"/>
         <p:cNvGrpSpPr/>
         <p:nvPr/>
       </p:nvGrpSpPr>
@@ -5726,7 +5730,7 @@
             </a:xfrm>
             <a:prstGeom prst="diagStripe">
               <a:avLst>
-                <a:gd fmla="val 50000" name="adj"/>
+                <a:gd name="adj" fmla="val 50000"/>
               </a:avLst>
             </a:prstGeom>
             <a:solidFill>
@@ -5737,12 +5741,12 @@
             </a:ln>
           </p:spPr>
           <p:txBody>
-            <a:bodyPr anchorCtr="0" anchor="ctr" bIns="91425" lIns="91425" spcFirstLastPara="1" rIns="91425" wrap="square" tIns="91425">
+            <a:bodyPr spcFirstLastPara="1" wrap="square" lIns="91425" tIns="91425" rIns="91425" bIns="91425" anchor="ctr" anchorCtr="0">
               <a:noAutofit/>
             </a:bodyPr>
             <a:lstStyle/>
             <a:p>
-              <a:pPr indent="0" lvl="0" marL="0" rtl="0" algn="l">
+              <a:pPr marL="0" lvl="0" indent="0" algn="l" rtl="0">
                 <a:spcBef>
                   <a:spcPts val="0"/>
                 </a:spcBef>
@@ -5751,9 +5755,6 @@
                 </a:spcAft>
                 <a:buNone/>
               </a:pPr>
-              <a:r>
-                <a:t/>
-              </a:r>
               <a:endParaRPr/>
             </a:p>
           </p:txBody>
@@ -5771,7 +5772,7 @@
             </a:xfrm>
             <a:prstGeom prst="diagStripe">
               <a:avLst>
-                <a:gd fmla="val 50000" name="adj"/>
+                <a:gd name="adj" fmla="val 50000"/>
               </a:avLst>
             </a:prstGeom>
             <a:solidFill>
@@ -5782,12 +5783,12 @@
             </a:ln>
           </p:spPr>
           <p:txBody>
-            <a:bodyPr anchorCtr="0" anchor="ctr" bIns="91425" lIns="91425" spcFirstLastPara="1" rIns="91425" wrap="square" tIns="91425">
+            <a:bodyPr spcFirstLastPara="1" wrap="square" lIns="91425" tIns="91425" rIns="91425" bIns="91425" anchor="ctr" anchorCtr="0">
               <a:noAutofit/>
             </a:bodyPr>
             <a:lstStyle/>
             <a:p>
-              <a:pPr indent="0" lvl="0" marL="0" rtl="0" algn="l">
+              <a:pPr marL="0" lvl="0" indent="0" algn="l" rtl="0">
                 <a:spcBef>
                   <a:spcPts val="0"/>
                 </a:spcBef>
@@ -5796,9 +5797,6 @@
                 </a:spcAft>
                 <a:buNone/>
               </a:pPr>
-              <a:r>
-                <a:t/>
-              </a:r>
               <a:endParaRPr/>
             </a:p>
           </p:txBody>
@@ -5807,7 +5805,9 @@
       <p:sp>
         <p:nvSpPr>
           <p:cNvPr id="52" name="Google Shape;52;p5"/>
-          <p:cNvSpPr txBox="1"/>
+          <p:cNvSpPr txBox="1">
+            <a:spLocks noGrp="1"/>
+          </p:cNvSpPr>
           <p:nvPr>
             <p:ph type="title"/>
           </p:nvPr>
@@ -5822,7 +5822,7 @@
           </a:prstGeom>
         </p:spPr>
         <p:txBody>
-          <a:bodyPr anchorCtr="0" anchor="t" bIns="91425" lIns="91425" spcFirstLastPara="1" rIns="91425" wrap="square" tIns="91425">
+          <a:bodyPr spcFirstLastPara="1" wrap="square" lIns="91425" tIns="91425" rIns="91425" bIns="91425" anchor="t" anchorCtr="0">
             <a:normAutofit/>
           </a:bodyPr>
           <a:lstStyle>
@@ -5926,15 +5926,19 @@
               <a:defRPr sz="2400"/>
             </a:lvl9pPr>
           </a:lstStyle>
-          <a:p/>
+          <a:p>
+            <a:endParaRPr/>
+          </a:p>
         </p:txBody>
       </p:sp>
       <p:sp>
         <p:nvSpPr>
           <p:cNvPr id="53" name="Google Shape;53;p5"/>
-          <p:cNvSpPr txBox="1"/>
+          <p:cNvSpPr txBox="1">
+            <a:spLocks noGrp="1"/>
+          </p:cNvSpPr>
           <p:nvPr>
-            <p:ph idx="1" type="body"/>
+            <p:ph type="body" idx="1"/>
           </p:nvPr>
         </p:nvSpPr>
         <p:spPr>
@@ -5947,11 +5951,11 @@
           </a:prstGeom>
         </p:spPr>
         <p:txBody>
-          <a:bodyPr anchorCtr="0" anchor="t" bIns="91425" lIns="91425" spcFirstLastPara="1" rIns="91425" wrap="square" tIns="91425">
+          <a:bodyPr spcFirstLastPara="1" wrap="square" lIns="91425" tIns="91425" rIns="91425" bIns="91425" anchor="t" anchorCtr="0">
             <a:normAutofit/>
           </a:bodyPr>
           <a:lstStyle>
-            <a:lvl1pPr indent="-311150" lvl="0" marL="457200">
+            <a:lvl1pPr marL="457200" lvl="0" indent="-311150">
               <a:spcBef>
                 <a:spcPts val="0"/>
               </a:spcBef>
@@ -5962,7 +5966,7 @@
               <a:buChar char="●"/>
               <a:defRPr/>
             </a:lvl1pPr>
-            <a:lvl2pPr indent="-298450" lvl="1" marL="914400">
+            <a:lvl2pPr marL="914400" lvl="1" indent="-298450">
               <a:spcBef>
                 <a:spcPts val="0"/>
               </a:spcBef>
@@ -5973,7 +5977,7 @@
               <a:buChar char="○"/>
               <a:defRPr/>
             </a:lvl2pPr>
-            <a:lvl3pPr indent="-298450" lvl="2" marL="1371600">
+            <a:lvl3pPr marL="1371600" lvl="2" indent="-298450">
               <a:spcBef>
                 <a:spcPts val="0"/>
               </a:spcBef>
@@ -5984,7 +5988,7 @@
               <a:buChar char="■"/>
               <a:defRPr/>
             </a:lvl3pPr>
-            <a:lvl4pPr indent="-298450" lvl="3" marL="1828800">
+            <a:lvl4pPr marL="1828800" lvl="3" indent="-298450">
               <a:spcBef>
                 <a:spcPts val="0"/>
               </a:spcBef>
@@ -5995,7 +5999,7 @@
               <a:buChar char="●"/>
               <a:defRPr/>
             </a:lvl4pPr>
-            <a:lvl5pPr indent="-298450" lvl="4" marL="2286000">
+            <a:lvl5pPr marL="2286000" lvl="4" indent="-298450">
               <a:spcBef>
                 <a:spcPts val="0"/>
               </a:spcBef>
@@ -6006,7 +6010,7 @@
               <a:buChar char="○"/>
               <a:defRPr/>
             </a:lvl5pPr>
-            <a:lvl6pPr indent="-298450" lvl="5" marL="2743200">
+            <a:lvl6pPr marL="2743200" lvl="5" indent="-298450">
               <a:spcBef>
                 <a:spcPts val="0"/>
               </a:spcBef>
@@ -6017,7 +6021,7 @@
               <a:buChar char="■"/>
               <a:defRPr/>
             </a:lvl6pPr>
-            <a:lvl7pPr indent="-298450" lvl="6" marL="3200400">
+            <a:lvl7pPr marL="3200400" lvl="6" indent="-298450">
               <a:spcBef>
                 <a:spcPts val="0"/>
               </a:spcBef>
@@ -6028,7 +6032,7 @@
               <a:buChar char="●"/>
               <a:defRPr/>
             </a:lvl7pPr>
-            <a:lvl8pPr indent="-298450" lvl="7" marL="3657600">
+            <a:lvl8pPr marL="3657600" lvl="7" indent="-298450">
               <a:spcBef>
                 <a:spcPts val="0"/>
               </a:spcBef>
@@ -6039,7 +6043,7 @@
               <a:buChar char="○"/>
               <a:defRPr/>
             </a:lvl8pPr>
-            <a:lvl9pPr indent="-298450" lvl="8" marL="4114800">
+            <a:lvl9pPr marL="4114800" lvl="8" indent="-298450">
               <a:spcBef>
                 <a:spcPts val="0"/>
               </a:spcBef>
@@ -6051,15 +6055,19 @@
               <a:defRPr/>
             </a:lvl9pPr>
           </a:lstStyle>
-          <a:p/>
+          <a:p>
+            <a:endParaRPr/>
+          </a:p>
         </p:txBody>
       </p:sp>
       <p:sp>
         <p:nvSpPr>
           <p:cNvPr id="54" name="Google Shape;54;p5"/>
-          <p:cNvSpPr txBox="1"/>
+          <p:cNvSpPr txBox="1">
+            <a:spLocks noGrp="1"/>
+          </p:cNvSpPr>
           <p:nvPr>
-            <p:ph idx="2" type="body"/>
+            <p:ph type="body" idx="2"/>
           </p:nvPr>
         </p:nvSpPr>
         <p:spPr>
@@ -6072,11 +6080,11 @@
           </a:prstGeom>
         </p:spPr>
         <p:txBody>
-          <a:bodyPr anchorCtr="0" anchor="t" bIns="91425" lIns="91425" spcFirstLastPara="1" rIns="91425" wrap="square" tIns="91425">
+          <a:bodyPr spcFirstLastPara="1" wrap="square" lIns="91425" tIns="91425" rIns="91425" bIns="91425" anchor="t" anchorCtr="0">
             <a:normAutofit/>
           </a:bodyPr>
           <a:lstStyle>
-            <a:lvl1pPr indent="-311150" lvl="0" marL="457200">
+            <a:lvl1pPr marL="457200" lvl="0" indent="-311150">
               <a:spcBef>
                 <a:spcPts val="0"/>
               </a:spcBef>
@@ -6087,7 +6095,7 @@
               <a:buChar char="●"/>
               <a:defRPr/>
             </a:lvl1pPr>
-            <a:lvl2pPr indent="-298450" lvl="1" marL="914400">
+            <a:lvl2pPr marL="914400" lvl="1" indent="-298450">
               <a:spcBef>
                 <a:spcPts val="0"/>
               </a:spcBef>
@@ -6098,7 +6106,7 @@
               <a:buChar char="○"/>
               <a:defRPr/>
             </a:lvl2pPr>
-            <a:lvl3pPr indent="-298450" lvl="2" marL="1371600">
+            <a:lvl3pPr marL="1371600" lvl="2" indent="-298450">
               <a:spcBef>
                 <a:spcPts val="0"/>
               </a:spcBef>
@@ -6109,7 +6117,7 @@
               <a:buChar char="■"/>
               <a:defRPr/>
             </a:lvl3pPr>
-            <a:lvl4pPr indent="-298450" lvl="3" marL="1828800">
+            <a:lvl4pPr marL="1828800" lvl="3" indent="-298450">
               <a:spcBef>
                 <a:spcPts val="0"/>
               </a:spcBef>
@@ -6120,7 +6128,7 @@
               <a:buChar char="●"/>
               <a:defRPr/>
             </a:lvl4pPr>
-            <a:lvl5pPr indent="-298450" lvl="4" marL="2286000">
+            <a:lvl5pPr marL="2286000" lvl="4" indent="-298450">
               <a:spcBef>
                 <a:spcPts val="0"/>
               </a:spcBef>
@@ -6131,7 +6139,7 @@
               <a:buChar char="○"/>
               <a:defRPr/>
             </a:lvl5pPr>
-            <a:lvl6pPr indent="-298450" lvl="5" marL="2743200">
+            <a:lvl6pPr marL="2743200" lvl="5" indent="-298450">
               <a:spcBef>
                 <a:spcPts val="0"/>
               </a:spcBef>
@@ -6142,7 +6150,7 @@
               <a:buChar char="■"/>
               <a:defRPr/>
             </a:lvl6pPr>
-            <a:lvl7pPr indent="-298450" lvl="6" marL="3200400">
+            <a:lvl7pPr marL="3200400" lvl="6" indent="-298450">
               <a:spcBef>
                 <a:spcPts val="0"/>
               </a:spcBef>
@@ -6153,7 +6161,7 @@
               <a:buChar char="●"/>
               <a:defRPr/>
             </a:lvl7pPr>
-            <a:lvl8pPr indent="-298450" lvl="7" marL="3657600">
+            <a:lvl8pPr marL="3657600" lvl="7" indent="-298450">
               <a:spcBef>
                 <a:spcPts val="0"/>
               </a:spcBef>
@@ -6164,7 +6172,7 @@
               <a:buChar char="○"/>
               <a:defRPr/>
             </a:lvl8pPr>
-            <a:lvl9pPr indent="-298450" lvl="8" marL="4114800">
+            <a:lvl9pPr marL="4114800" lvl="8" indent="-298450">
               <a:spcBef>
                 <a:spcPts val="0"/>
               </a:spcBef>
@@ -6176,15 +6184,19 @@
               <a:defRPr/>
             </a:lvl9pPr>
           </a:lstStyle>
-          <a:p/>
+          <a:p>
+            <a:endParaRPr/>
+          </a:p>
         </p:txBody>
       </p:sp>
       <p:sp>
         <p:nvSpPr>
           <p:cNvPr id="55" name="Google Shape;55;p5"/>
-          <p:cNvSpPr txBox="1"/>
+          <p:cNvSpPr txBox="1">
+            <a:spLocks noGrp="1"/>
+          </p:cNvSpPr>
           <p:nvPr>
-            <p:ph idx="12" type="sldNum"/>
+            <p:ph type="sldNum" idx="12"/>
           </p:nvPr>
         </p:nvSpPr>
         <p:spPr>
@@ -6197,7 +6209,7 @@
           </a:prstGeom>
         </p:spPr>
         <p:txBody>
-          <a:bodyPr anchorCtr="0" anchor="ctr" bIns="91425" lIns="91425" spcFirstLastPara="1" rIns="91425" wrap="square" tIns="91425">
+          <a:bodyPr spcFirstLastPara="1" wrap="square" lIns="91425" tIns="91425" rIns="91425" bIns="91425" anchor="ctr" anchorCtr="0">
             <a:normAutofit/>
           </a:bodyPr>
           <a:lstStyle>
@@ -6239,7 +6251,7 @@
             </a:lvl9pPr>
           </a:lstStyle>
           <a:p>
-            <a:pPr indent="0" lvl="0" marL="0" rtl="0" algn="r">
+            <a:pPr marL="0" lvl="0" indent="0" algn="r" rtl="0">
               <a:spcBef>
                 <a:spcPts val="0"/>
               </a:spcBef>
@@ -6265,11 +6277,11 @@
 </file>
 
 <file path=ppt/slideLayouts/slideLayout5.xml><?xml version="1.0" encoding="utf-8"?>
-<p:sldLayout xmlns:a="http://schemas.openxmlformats.org/drawingml/2006/main" xmlns:r="http://schemas.openxmlformats.org/officeDocument/2006/relationships" xmlns:mc="http://schemas.openxmlformats.org/markup-compatibility/2006" xmlns:mv="urn:schemas-microsoft-com:mac:vml" xmlns:p="http://schemas.openxmlformats.org/presentationml/2006/main" xmlns:c="http://schemas.openxmlformats.org/drawingml/2006/chart" xmlns:dgm="http://schemas.openxmlformats.org/drawingml/2006/diagram" xmlns:o="urn:schemas-microsoft-com:office:office" xmlns:v="urn:schemas-microsoft-com:vml" xmlns:pvml="urn:schemas-microsoft-com:office:powerpoint" xmlns:com="http://schemas.openxmlformats.org/drawingml/2006/compatibility" xmlns:p14="http://schemas.microsoft.com/office/powerpoint/2010/main" xmlns:p15="http://schemas.microsoft.com/office/powerpoint/2012/main" xmlns:ahyp="http://schemas.microsoft.com/office/drawing/2018/hyperlinkcolor" matchingName="Title only" type="titleOnly">
+<p:sldLayout xmlns:a="http://schemas.openxmlformats.org/drawingml/2006/main" xmlns:r="http://schemas.openxmlformats.org/officeDocument/2006/relationships" xmlns:p="http://schemas.openxmlformats.org/presentationml/2006/main" matchingName="Title only" type="titleOnly">
   <p:cSld name="TITLE_ONLY">
     <p:spTree>
       <p:nvGrpSpPr>
-        <p:cNvPr id="56" name="Shape 56"/>
+        <p:cNvPr id="1" name="Shape 56"/>
         <p:cNvGrpSpPr/>
         <p:nvPr/>
       </p:nvGrpSpPr>
@@ -6308,7 +6320,7 @@
             </a:xfrm>
             <a:prstGeom prst="diagStripe">
               <a:avLst>
-                <a:gd fmla="val 50000" name="adj"/>
+                <a:gd name="adj" fmla="val 50000"/>
               </a:avLst>
             </a:prstGeom>
             <a:solidFill>
@@ -6319,12 +6331,12 @@
             </a:ln>
           </p:spPr>
           <p:txBody>
-            <a:bodyPr anchorCtr="0" anchor="ctr" bIns="91425" lIns="91425" spcFirstLastPara="1" rIns="91425" wrap="square" tIns="91425">
+            <a:bodyPr spcFirstLastPara="1" wrap="square" lIns="91425" tIns="91425" rIns="91425" bIns="91425" anchor="ctr" anchorCtr="0">
               <a:noAutofit/>
             </a:bodyPr>
             <a:lstStyle/>
             <a:p>
-              <a:pPr indent="0" lvl="0" marL="0" rtl="0" algn="l">
+              <a:pPr marL="0" lvl="0" indent="0" algn="l" rtl="0">
                 <a:spcBef>
                   <a:spcPts val="0"/>
                 </a:spcBef>
@@ -6333,9 +6345,6 @@
                 </a:spcAft>
                 <a:buNone/>
               </a:pPr>
-              <a:r>
-                <a:t/>
-              </a:r>
               <a:endParaRPr/>
             </a:p>
           </p:txBody>
@@ -6353,7 +6362,7 @@
             </a:xfrm>
             <a:prstGeom prst="diagStripe">
               <a:avLst>
-                <a:gd fmla="val 50000" name="adj"/>
+                <a:gd name="adj" fmla="val 50000"/>
               </a:avLst>
             </a:prstGeom>
             <a:solidFill>
@@ -6364,12 +6373,12 @@
             </a:ln>
           </p:spPr>
           <p:txBody>
-            <a:bodyPr anchorCtr="0" anchor="ctr" bIns="91425" lIns="91425" spcFirstLastPara="1" rIns="91425" wrap="square" tIns="91425">
+            <a:bodyPr spcFirstLastPara="1" wrap="square" lIns="91425" tIns="91425" rIns="91425" bIns="91425" anchor="ctr" anchorCtr="0">
               <a:noAutofit/>
             </a:bodyPr>
             <a:lstStyle/>
             <a:p>
-              <a:pPr indent="0" lvl="0" marL="0" rtl="0" algn="l">
+              <a:pPr marL="0" lvl="0" indent="0" algn="l" rtl="0">
                 <a:spcBef>
                   <a:spcPts val="0"/>
                 </a:spcBef>
@@ -6378,9 +6387,6 @@
                 </a:spcAft>
                 <a:buNone/>
               </a:pPr>
-              <a:r>
-                <a:t/>
-              </a:r>
               <a:endParaRPr/>
             </a:p>
           </p:txBody>
@@ -6389,7 +6395,9 @@
       <p:sp>
         <p:nvSpPr>
           <p:cNvPr id="60" name="Google Shape;60;p6"/>
-          <p:cNvSpPr txBox="1"/>
+          <p:cNvSpPr txBox="1">
+            <a:spLocks noGrp="1"/>
+          </p:cNvSpPr>
           <p:nvPr>
             <p:ph type="title"/>
           </p:nvPr>
@@ -6404,7 +6412,7 @@
           </a:prstGeom>
         </p:spPr>
         <p:txBody>
-          <a:bodyPr anchorCtr="0" anchor="t" bIns="91425" lIns="91425" spcFirstLastPara="1" rIns="91425" wrap="square" tIns="91425">
+          <a:bodyPr spcFirstLastPara="1" wrap="square" lIns="91425" tIns="91425" rIns="91425" bIns="91425" anchor="t" anchorCtr="0">
             <a:normAutofit/>
           </a:bodyPr>
           <a:lstStyle>
@@ -6508,15 +6516,19 @@
               <a:defRPr sz="2400"/>
             </a:lvl9pPr>
           </a:lstStyle>
-          <a:p/>
+          <a:p>
+            <a:endParaRPr/>
+          </a:p>
         </p:txBody>
       </p:sp>
       <p:sp>
         <p:nvSpPr>
           <p:cNvPr id="61" name="Google Shape;61;p6"/>
-          <p:cNvSpPr txBox="1"/>
+          <p:cNvSpPr txBox="1">
+            <a:spLocks noGrp="1"/>
+          </p:cNvSpPr>
           <p:nvPr>
-            <p:ph idx="12" type="sldNum"/>
+            <p:ph type="sldNum" idx="12"/>
           </p:nvPr>
         </p:nvSpPr>
         <p:spPr>
@@ -6529,7 +6541,7 @@
           </a:prstGeom>
         </p:spPr>
         <p:txBody>
-          <a:bodyPr anchorCtr="0" anchor="ctr" bIns="91425" lIns="91425" spcFirstLastPara="1" rIns="91425" wrap="square" tIns="91425">
+          <a:bodyPr spcFirstLastPara="1" wrap="square" lIns="91425" tIns="91425" rIns="91425" bIns="91425" anchor="ctr" anchorCtr="0">
             <a:normAutofit/>
           </a:bodyPr>
           <a:lstStyle>
@@ -6571,7 +6583,7 @@
             </a:lvl9pPr>
           </a:lstStyle>
           <a:p>
-            <a:pPr indent="0" lvl="0" marL="0" rtl="0" algn="r">
+            <a:pPr marL="0" lvl="0" indent="0" algn="r" rtl="0">
               <a:spcBef>
                 <a:spcPts val="0"/>
               </a:spcBef>
@@ -6597,11 +6609,11 @@
 </file>
 
 <file path=ppt/slideLayouts/slideLayout6.xml><?xml version="1.0" encoding="utf-8"?>
-<p:sldLayout xmlns:a="http://schemas.openxmlformats.org/drawingml/2006/main" xmlns:r="http://schemas.openxmlformats.org/officeDocument/2006/relationships" xmlns:mc="http://schemas.openxmlformats.org/markup-compatibility/2006" xmlns:mv="urn:schemas-microsoft-com:mac:vml" xmlns:p="http://schemas.openxmlformats.org/presentationml/2006/main" xmlns:c="http://schemas.openxmlformats.org/drawingml/2006/chart" xmlns:dgm="http://schemas.openxmlformats.org/drawingml/2006/diagram" xmlns:o="urn:schemas-microsoft-com:office:office" xmlns:v="urn:schemas-microsoft-com:vml" xmlns:pvml="urn:schemas-microsoft-com:office:powerpoint" xmlns:com="http://schemas.openxmlformats.org/drawingml/2006/compatibility" xmlns:p14="http://schemas.microsoft.com/office/powerpoint/2010/main" xmlns:p15="http://schemas.microsoft.com/office/powerpoint/2012/main" xmlns:ahyp="http://schemas.microsoft.com/office/drawing/2018/hyperlinkcolor" matchingName="One column text">
+<p:sldLayout xmlns:a="http://schemas.openxmlformats.org/drawingml/2006/main" xmlns:r="http://schemas.openxmlformats.org/officeDocument/2006/relationships" xmlns:p="http://schemas.openxmlformats.org/presentationml/2006/main" matchingName="One column text">
   <p:cSld name="ONE_COLUMN_TEXT">
     <p:spTree>
       <p:nvGrpSpPr>
-        <p:cNvPr id="62" name="Shape 62"/>
+        <p:cNvPr id="1" name="Shape 62"/>
         <p:cNvGrpSpPr/>
         <p:nvPr/>
       </p:nvGrpSpPr>
@@ -6640,7 +6652,7 @@
             </a:xfrm>
             <a:prstGeom prst="diagStripe">
               <a:avLst>
-                <a:gd fmla="val 50000" name="adj"/>
+                <a:gd name="adj" fmla="val 50000"/>
               </a:avLst>
             </a:prstGeom>
             <a:solidFill>
@@ -6651,12 +6663,12 @@
             </a:ln>
           </p:spPr>
           <p:txBody>
-            <a:bodyPr anchorCtr="0" anchor="ctr" bIns="91425" lIns="91425" spcFirstLastPara="1" rIns="91425" wrap="square" tIns="91425">
+            <a:bodyPr spcFirstLastPara="1" wrap="square" lIns="91425" tIns="91425" rIns="91425" bIns="91425" anchor="ctr" anchorCtr="0">
               <a:noAutofit/>
             </a:bodyPr>
             <a:lstStyle/>
             <a:p>
-              <a:pPr indent="0" lvl="0" marL="0" rtl="0" algn="l">
+              <a:pPr marL="0" lvl="0" indent="0" algn="l" rtl="0">
                 <a:spcBef>
                   <a:spcPts val="0"/>
                 </a:spcBef>
@@ -6665,9 +6677,6 @@
                 </a:spcAft>
                 <a:buNone/>
               </a:pPr>
-              <a:r>
-                <a:t/>
-              </a:r>
               <a:endParaRPr/>
             </a:p>
           </p:txBody>
@@ -6685,7 +6694,7 @@
             </a:xfrm>
             <a:prstGeom prst="diagStripe">
               <a:avLst>
-                <a:gd fmla="val 50000" name="adj"/>
+                <a:gd name="adj" fmla="val 50000"/>
               </a:avLst>
             </a:prstGeom>
             <a:solidFill>
@@ -6696,12 +6705,12 @@
             </a:ln>
           </p:spPr>
           <p:txBody>
-            <a:bodyPr anchorCtr="0" anchor="ctr" bIns="91425" lIns="91425" spcFirstLastPara="1" rIns="91425" wrap="square" tIns="91425">
+            <a:bodyPr spcFirstLastPara="1" wrap="square" lIns="91425" tIns="91425" rIns="91425" bIns="91425" anchor="ctr" anchorCtr="0">
               <a:noAutofit/>
             </a:bodyPr>
             <a:lstStyle/>
             <a:p>
-              <a:pPr indent="0" lvl="0" marL="0" rtl="0" algn="l">
+              <a:pPr marL="0" lvl="0" indent="0" algn="l" rtl="0">
                 <a:spcBef>
                   <a:spcPts val="0"/>
                 </a:spcBef>
@@ -6710,9 +6719,6 @@
                 </a:spcAft>
                 <a:buNone/>
               </a:pPr>
-              <a:r>
-                <a:t/>
-              </a:r>
               <a:endParaRPr/>
             </a:p>
           </p:txBody>
@@ -6721,7 +6727,9 @@
       <p:sp>
         <p:nvSpPr>
           <p:cNvPr id="66" name="Google Shape;66;p7"/>
-          <p:cNvSpPr txBox="1"/>
+          <p:cNvSpPr txBox="1">
+            <a:spLocks noGrp="1"/>
+          </p:cNvSpPr>
           <p:nvPr>
             <p:ph type="title"/>
           </p:nvPr>
@@ -6736,7 +6744,7 @@
           </a:prstGeom>
         </p:spPr>
         <p:txBody>
-          <a:bodyPr anchorCtr="0" anchor="t" bIns="91425" lIns="91425" spcFirstLastPara="1" rIns="91425" wrap="square" tIns="91425">
+          <a:bodyPr spcFirstLastPara="1" wrap="square" lIns="91425" tIns="91425" rIns="91425" bIns="91425" anchor="t" anchorCtr="0">
             <a:normAutofit/>
           </a:bodyPr>
           <a:lstStyle>
@@ -6840,15 +6848,19 @@
               <a:defRPr sz="2400"/>
             </a:lvl9pPr>
           </a:lstStyle>
-          <a:p/>
+          <a:p>
+            <a:endParaRPr/>
+          </a:p>
         </p:txBody>
       </p:sp>
       <p:sp>
         <p:nvSpPr>
           <p:cNvPr id="67" name="Google Shape;67;p7"/>
-          <p:cNvSpPr txBox="1"/>
+          <p:cNvSpPr txBox="1">
+            <a:spLocks noGrp="1"/>
+          </p:cNvSpPr>
           <p:nvPr>
-            <p:ph idx="1" type="body"/>
+            <p:ph type="body" idx="1"/>
           </p:nvPr>
         </p:nvSpPr>
         <p:spPr>
@@ -6861,11 +6873,11 @@
           </a:prstGeom>
         </p:spPr>
         <p:txBody>
-          <a:bodyPr anchorCtr="0" anchor="t" bIns="91425" lIns="91425" spcFirstLastPara="1" rIns="91425" wrap="square" tIns="91425">
+          <a:bodyPr spcFirstLastPara="1" wrap="square" lIns="91425" tIns="91425" rIns="91425" bIns="91425" anchor="t" anchorCtr="0">
             <a:normAutofit/>
           </a:bodyPr>
           <a:lstStyle>
-            <a:lvl1pPr indent="-311150" lvl="0" marL="457200">
+            <a:lvl1pPr marL="457200" lvl="0" indent="-311150">
               <a:spcBef>
                 <a:spcPts val="0"/>
               </a:spcBef>
@@ -6876,7 +6888,7 @@
               <a:buChar char="●"/>
               <a:defRPr/>
             </a:lvl1pPr>
-            <a:lvl2pPr indent="-298450" lvl="1" marL="914400">
+            <a:lvl2pPr marL="914400" lvl="1" indent="-298450">
               <a:spcBef>
                 <a:spcPts val="0"/>
               </a:spcBef>
@@ -6887,7 +6899,7 @@
               <a:buChar char="○"/>
               <a:defRPr/>
             </a:lvl2pPr>
-            <a:lvl3pPr indent="-298450" lvl="2" marL="1371600">
+            <a:lvl3pPr marL="1371600" lvl="2" indent="-298450">
               <a:spcBef>
                 <a:spcPts val="0"/>
               </a:spcBef>
@@ -6898,7 +6910,7 @@
               <a:buChar char="■"/>
               <a:defRPr/>
             </a:lvl3pPr>
-            <a:lvl4pPr indent="-298450" lvl="3" marL="1828800">
+            <a:lvl4pPr marL="1828800" lvl="3" indent="-298450">
               <a:spcBef>
                 <a:spcPts val="0"/>
               </a:spcBef>
@@ -6909,7 +6921,7 @@
               <a:buChar char="●"/>
               <a:defRPr/>
             </a:lvl4pPr>
-            <a:lvl5pPr indent="-298450" lvl="4" marL="2286000">
+            <a:lvl5pPr marL="2286000" lvl="4" indent="-298450">
               <a:spcBef>
                 <a:spcPts val="0"/>
               </a:spcBef>
@@ -6920,7 +6932,7 @@
               <a:buChar char="○"/>
               <a:defRPr/>
             </a:lvl5pPr>
-            <a:lvl6pPr indent="-298450" lvl="5" marL="2743200">
+            <a:lvl6pPr marL="2743200" lvl="5" indent="-298450">
               <a:spcBef>
                 <a:spcPts val="0"/>
               </a:spcBef>
@@ -6931,7 +6943,7 @@
               <a:buChar char="■"/>
               <a:defRPr/>
             </a:lvl6pPr>
-            <a:lvl7pPr indent="-298450" lvl="6" marL="3200400">
+            <a:lvl7pPr marL="3200400" lvl="6" indent="-298450">
               <a:spcBef>
                 <a:spcPts val="0"/>
               </a:spcBef>
@@ -6942,7 +6954,7 @@
               <a:buChar char="●"/>
               <a:defRPr/>
             </a:lvl7pPr>
-            <a:lvl8pPr indent="-298450" lvl="7" marL="3657600">
+            <a:lvl8pPr marL="3657600" lvl="7" indent="-298450">
               <a:spcBef>
                 <a:spcPts val="0"/>
               </a:spcBef>
@@ -6953,7 +6965,7 @@
               <a:buChar char="○"/>
               <a:defRPr/>
             </a:lvl8pPr>
-            <a:lvl9pPr indent="-298450" lvl="8" marL="4114800">
+            <a:lvl9pPr marL="4114800" lvl="8" indent="-298450">
               <a:spcBef>
                 <a:spcPts val="0"/>
               </a:spcBef>
@@ -6965,15 +6977,19 @@
               <a:defRPr/>
             </a:lvl9pPr>
           </a:lstStyle>
-          <a:p/>
+          <a:p>
+            <a:endParaRPr/>
+          </a:p>
         </p:txBody>
       </p:sp>
       <p:sp>
         <p:nvSpPr>
           <p:cNvPr id="68" name="Google Shape;68;p7"/>
-          <p:cNvSpPr txBox="1"/>
+          <p:cNvSpPr txBox="1">
+            <a:spLocks noGrp="1"/>
+          </p:cNvSpPr>
           <p:nvPr>
-            <p:ph idx="12" type="sldNum"/>
+            <p:ph type="sldNum" idx="12"/>
           </p:nvPr>
         </p:nvSpPr>
         <p:spPr>
@@ -6986,7 +7002,7 @@
           </a:prstGeom>
         </p:spPr>
         <p:txBody>
-          <a:bodyPr anchorCtr="0" anchor="ctr" bIns="91425" lIns="91425" spcFirstLastPara="1" rIns="91425" wrap="square" tIns="91425">
+          <a:bodyPr spcFirstLastPara="1" wrap="square" lIns="91425" tIns="91425" rIns="91425" bIns="91425" anchor="ctr" anchorCtr="0">
             <a:normAutofit/>
           </a:bodyPr>
           <a:lstStyle>
@@ -7028,7 +7044,7 @@
             </a:lvl9pPr>
           </a:lstStyle>
           <a:p>
-            <a:pPr indent="0" lvl="0" marL="0" rtl="0" algn="r">
+            <a:pPr marL="0" lvl="0" indent="0" algn="r" rtl="0">
               <a:spcBef>
                 <a:spcPts val="0"/>
               </a:spcBef>
@@ -7054,11 +7070,11 @@
 </file>
 
 <file path=ppt/slideLayouts/slideLayout7.xml><?xml version="1.0" encoding="utf-8"?>
-<p:sldLayout xmlns:a="http://schemas.openxmlformats.org/drawingml/2006/main" xmlns:r="http://schemas.openxmlformats.org/officeDocument/2006/relationships" xmlns:mc="http://schemas.openxmlformats.org/markup-compatibility/2006" xmlns:mv="urn:schemas-microsoft-com:mac:vml" xmlns:p="http://schemas.openxmlformats.org/presentationml/2006/main" xmlns:c="http://schemas.openxmlformats.org/drawingml/2006/chart" xmlns:dgm="http://schemas.openxmlformats.org/drawingml/2006/diagram" xmlns:o="urn:schemas-microsoft-com:office:office" xmlns:v="urn:schemas-microsoft-com:vml" xmlns:pvml="urn:schemas-microsoft-com:office:powerpoint" xmlns:com="http://schemas.openxmlformats.org/drawingml/2006/compatibility" xmlns:p14="http://schemas.microsoft.com/office/powerpoint/2010/main" xmlns:p15="http://schemas.microsoft.com/office/powerpoint/2012/main" xmlns:ahyp="http://schemas.microsoft.com/office/drawing/2018/hyperlinkcolor" matchingName="Main point">
+<p:sldLayout xmlns:a="http://schemas.openxmlformats.org/drawingml/2006/main" xmlns:r="http://schemas.openxmlformats.org/officeDocument/2006/relationships" xmlns:p="http://schemas.openxmlformats.org/presentationml/2006/main" matchingName="Main point">
   <p:cSld name="MAIN_POINT">
     <p:spTree>
       <p:nvGrpSpPr>
-        <p:cNvPr id="69" name="Shape 69"/>
+        <p:cNvPr id="1" name="Shape 69"/>
         <p:cNvGrpSpPr/>
         <p:nvPr/>
       </p:nvGrpSpPr>
@@ -7097,7 +7113,7 @@
             </a:xfrm>
             <a:prstGeom prst="diagStripe">
               <a:avLst>
-                <a:gd fmla="val 49469" name="adj"/>
+                <a:gd name="adj" fmla="val 49469"/>
               </a:avLst>
             </a:prstGeom>
             <a:solidFill>
@@ -7110,12 +7126,12 @@
             </a:ln>
           </p:spPr>
           <p:txBody>
-            <a:bodyPr anchorCtr="0" anchor="ctr" bIns="91425" lIns="91425" spcFirstLastPara="1" rIns="91425" wrap="square" tIns="91425">
+            <a:bodyPr spcFirstLastPara="1" wrap="square" lIns="91425" tIns="91425" rIns="91425" bIns="91425" anchor="ctr" anchorCtr="0">
               <a:noAutofit/>
             </a:bodyPr>
             <a:lstStyle/>
             <a:p>
-              <a:pPr indent="0" lvl="0" marL="0" rtl="0" algn="l">
+              <a:pPr marL="0" lvl="0" indent="0" algn="l" rtl="0">
                 <a:spcBef>
                   <a:spcPts val="0"/>
                 </a:spcBef>
@@ -7124,9 +7140,6 @@
                 </a:spcAft>
                 <a:buNone/>
               </a:pPr>
-              <a:r>
-                <a:t/>
-              </a:r>
               <a:endParaRPr/>
             </a:p>
           </p:txBody>
@@ -7144,7 +7157,7 @@
             </a:xfrm>
             <a:prstGeom prst="diagStripe">
               <a:avLst>
-                <a:gd fmla="val 0" name="adj"/>
+                <a:gd name="adj" fmla="val 0"/>
               </a:avLst>
             </a:prstGeom>
             <a:solidFill>
@@ -7157,12 +7170,12 @@
             </a:ln>
           </p:spPr>
           <p:txBody>
-            <a:bodyPr anchorCtr="0" anchor="ctr" bIns="91425" lIns="91425" spcFirstLastPara="1" rIns="91425" wrap="square" tIns="91425">
+            <a:bodyPr spcFirstLastPara="1" wrap="square" lIns="91425" tIns="91425" rIns="91425" bIns="91425" anchor="ctr" anchorCtr="0">
               <a:noAutofit/>
             </a:bodyPr>
             <a:lstStyle/>
             <a:p>
-              <a:pPr indent="0" lvl="0" marL="0" rtl="0" algn="l">
+              <a:pPr marL="0" lvl="0" indent="0" algn="l" rtl="0">
                 <a:spcBef>
                   <a:spcPts val="0"/>
                 </a:spcBef>
@@ -7171,9 +7184,6 @@
                 </a:spcAft>
                 <a:buNone/>
               </a:pPr>
-              <a:r>
-                <a:t/>
-              </a:r>
               <a:endParaRPr/>
             </a:p>
           </p:txBody>
@@ -7191,7 +7201,7 @@
             </a:xfrm>
             <a:prstGeom prst="diagStripe">
               <a:avLst>
-                <a:gd fmla="val 50000" name="adj"/>
+                <a:gd name="adj" fmla="val 50000"/>
               </a:avLst>
             </a:prstGeom>
             <a:solidFill>
@@ -7204,12 +7214,12 @@
             </a:ln>
           </p:spPr>
           <p:txBody>
-            <a:bodyPr anchorCtr="0" anchor="ctr" bIns="91425" lIns="91425" spcFirstLastPara="1" rIns="91425" wrap="square" tIns="91425">
+            <a:bodyPr spcFirstLastPara="1" wrap="square" lIns="91425" tIns="91425" rIns="91425" bIns="91425" anchor="ctr" anchorCtr="0">
               <a:noAutofit/>
             </a:bodyPr>
             <a:lstStyle/>
             <a:p>
-              <a:pPr indent="0" lvl="0" marL="0" rtl="0" algn="l">
+              <a:pPr marL="0" lvl="0" indent="0" algn="l" rtl="0">
                 <a:spcBef>
                   <a:spcPts val="0"/>
                 </a:spcBef>
@@ -7218,9 +7228,6 @@
                 </a:spcAft>
                 <a:buNone/>
               </a:pPr>
-              <a:r>
-                <a:t/>
-              </a:r>
               <a:endParaRPr/>
             </a:p>
           </p:txBody>
@@ -7238,7 +7245,7 @@
             </a:xfrm>
             <a:prstGeom prst="diagStripe">
               <a:avLst>
-                <a:gd fmla="val 50000" name="adj"/>
+                <a:gd name="adj" fmla="val 50000"/>
               </a:avLst>
             </a:prstGeom>
             <a:solidFill>
@@ -7251,12 +7258,12 @@
             </a:ln>
           </p:spPr>
           <p:txBody>
-            <a:bodyPr anchorCtr="0" anchor="ctr" bIns="91425" lIns="91425" spcFirstLastPara="1" rIns="91425" wrap="square" tIns="91425">
+            <a:bodyPr spcFirstLastPara="1" wrap="square" lIns="91425" tIns="91425" rIns="91425" bIns="91425" anchor="ctr" anchorCtr="0">
               <a:noAutofit/>
             </a:bodyPr>
             <a:lstStyle/>
             <a:p>
-              <a:pPr indent="0" lvl="0" marL="0" rtl="0" algn="l">
+              <a:pPr marL="0" lvl="0" indent="0" algn="l" rtl="0">
                 <a:spcBef>
                   <a:spcPts val="0"/>
                 </a:spcBef>
@@ -7265,9 +7272,6 @@
                 </a:spcAft>
                 <a:buNone/>
               </a:pPr>
-              <a:r>
-                <a:t/>
-              </a:r>
               <a:endParaRPr/>
             </a:p>
           </p:txBody>
@@ -7285,7 +7289,7 @@
             </a:xfrm>
             <a:prstGeom prst="diagStripe">
               <a:avLst>
-                <a:gd fmla="val 50000" name="adj"/>
+                <a:gd name="adj" fmla="val 50000"/>
               </a:avLst>
             </a:prstGeom>
             <a:solidFill>
@@ -7298,12 +7302,12 @@
             </a:ln>
           </p:spPr>
           <p:txBody>
-            <a:bodyPr anchorCtr="0" anchor="ctr" bIns="91425" lIns="91425" spcFirstLastPara="1" rIns="91425" wrap="square" tIns="91425">
+            <a:bodyPr spcFirstLastPara="1" wrap="square" lIns="91425" tIns="91425" rIns="91425" bIns="91425" anchor="ctr" anchorCtr="0">
               <a:noAutofit/>
             </a:bodyPr>
             <a:lstStyle/>
             <a:p>
-              <a:pPr indent="0" lvl="0" marL="0" rtl="0" algn="l">
+              <a:pPr marL="0" lvl="0" indent="0" algn="l" rtl="0">
                 <a:spcBef>
                   <a:spcPts val="0"/>
                 </a:spcBef>
@@ -7312,9 +7316,6 @@
                 </a:spcAft>
                 <a:buNone/>
               </a:pPr>
-              <a:r>
-                <a:t/>
-              </a:r>
               <a:endParaRPr/>
             </a:p>
           </p:txBody>
@@ -7332,7 +7333,7 @@
             </a:xfrm>
             <a:prstGeom prst="diagStripe">
               <a:avLst>
-                <a:gd fmla="val 50000" name="adj"/>
+                <a:gd name="adj" fmla="val 50000"/>
               </a:avLst>
             </a:prstGeom>
             <a:solidFill>
@@ -7345,12 +7346,12 @@
             </a:ln>
           </p:spPr>
           <p:txBody>
-            <a:bodyPr anchorCtr="0" anchor="ctr" bIns="91425" lIns="91425" spcFirstLastPara="1" rIns="91425" wrap="square" tIns="91425">
+            <a:bodyPr spcFirstLastPara="1" wrap="square" lIns="91425" tIns="91425" rIns="91425" bIns="91425" anchor="ctr" anchorCtr="0">
               <a:noAutofit/>
             </a:bodyPr>
             <a:lstStyle/>
             <a:p>
-              <a:pPr indent="0" lvl="0" marL="0" rtl="0" algn="l">
+              <a:pPr marL="0" lvl="0" indent="0" algn="l" rtl="0">
                 <a:spcBef>
                   <a:spcPts val="0"/>
                 </a:spcBef>
@@ -7359,9 +7360,6 @@
                 </a:spcAft>
                 <a:buNone/>
               </a:pPr>
-              <a:r>
-                <a:t/>
-              </a:r>
               <a:endParaRPr/>
             </a:p>
           </p:txBody>
@@ -7379,7 +7377,7 @@
             </a:xfrm>
             <a:prstGeom prst="diagStripe">
               <a:avLst>
-                <a:gd fmla="val 50000" name="adj"/>
+                <a:gd name="adj" fmla="val 50000"/>
               </a:avLst>
             </a:prstGeom>
             <a:solidFill>
@@ -7392,12 +7390,12 @@
             </a:ln>
           </p:spPr>
           <p:txBody>
-            <a:bodyPr anchorCtr="0" anchor="ctr" bIns="91425" lIns="91425" spcFirstLastPara="1" rIns="91425" wrap="square" tIns="91425">
+            <a:bodyPr spcFirstLastPara="1" wrap="square" lIns="91425" tIns="91425" rIns="91425" bIns="91425" anchor="ctr" anchorCtr="0">
               <a:noAutofit/>
             </a:bodyPr>
             <a:lstStyle/>
             <a:p>
-              <a:pPr indent="0" lvl="0" marL="0" rtl="0" algn="l">
+              <a:pPr marL="0" lvl="0" indent="0" algn="l" rtl="0">
                 <a:spcBef>
                   <a:spcPts val="0"/>
                 </a:spcBef>
@@ -7406,9 +7404,6 @@
                 </a:spcAft>
                 <a:buNone/>
               </a:pPr>
-              <a:r>
-                <a:t/>
-              </a:r>
               <a:endParaRPr/>
             </a:p>
           </p:txBody>
@@ -7426,7 +7421,7 @@
             </a:xfrm>
             <a:prstGeom prst="diagStripe">
               <a:avLst>
-                <a:gd fmla="val 50000" name="adj"/>
+                <a:gd name="adj" fmla="val 50000"/>
               </a:avLst>
             </a:prstGeom>
             <a:solidFill>
@@ -7437,12 +7432,12 @@
             </a:ln>
           </p:spPr>
           <p:txBody>
-            <a:bodyPr anchorCtr="0" anchor="ctr" bIns="91425" lIns="91425" spcFirstLastPara="1" rIns="91425" wrap="square" tIns="91425">
+            <a:bodyPr spcFirstLastPara="1" wrap="square" lIns="91425" tIns="91425" rIns="91425" bIns="91425" anchor="ctr" anchorCtr="0">
               <a:noAutofit/>
             </a:bodyPr>
             <a:lstStyle/>
             <a:p>
-              <a:pPr indent="0" lvl="0" marL="0" rtl="0" algn="l">
+              <a:pPr marL="0" lvl="0" indent="0" algn="l" rtl="0">
                 <a:spcBef>
                   <a:spcPts val="0"/>
                 </a:spcBef>
@@ -7451,9 +7446,6 @@
                 </a:spcAft>
                 <a:buNone/>
               </a:pPr>
-              <a:r>
-                <a:t/>
-              </a:r>
               <a:endParaRPr/>
             </a:p>
           </p:txBody>
@@ -7471,7 +7463,7 @@
             </a:xfrm>
             <a:prstGeom prst="diagStripe">
               <a:avLst>
-                <a:gd fmla="val 50000" name="adj"/>
+                <a:gd name="adj" fmla="val 50000"/>
               </a:avLst>
             </a:prstGeom>
             <a:solidFill>
@@ -7484,12 +7476,12 @@
             </a:ln>
           </p:spPr>
           <p:txBody>
-            <a:bodyPr anchorCtr="0" anchor="ctr" bIns="91425" lIns="91425" spcFirstLastPara="1" rIns="91425" wrap="square" tIns="91425">
+            <a:bodyPr spcFirstLastPara="1" wrap="square" lIns="91425" tIns="91425" rIns="91425" bIns="91425" anchor="ctr" anchorCtr="0">
               <a:noAutofit/>
             </a:bodyPr>
             <a:lstStyle/>
             <a:p>
-              <a:pPr indent="0" lvl="0" marL="0" rtl="0" algn="l">
+              <a:pPr marL="0" lvl="0" indent="0" algn="l" rtl="0">
                 <a:spcBef>
                   <a:spcPts val="0"/>
                 </a:spcBef>
@@ -7498,9 +7490,6 @@
                 </a:spcAft>
                 <a:buNone/>
               </a:pPr>
-              <a:r>
-                <a:t/>
-              </a:r>
               <a:endParaRPr/>
             </a:p>
           </p:txBody>
@@ -7518,7 +7507,7 @@
             </a:xfrm>
             <a:prstGeom prst="diagStripe">
               <a:avLst>
-                <a:gd fmla="val 50000" name="adj"/>
+                <a:gd name="adj" fmla="val 50000"/>
               </a:avLst>
             </a:prstGeom>
             <a:solidFill>
@@ -7531,12 +7520,12 @@
             </a:ln>
           </p:spPr>
           <p:txBody>
-            <a:bodyPr anchorCtr="0" anchor="ctr" bIns="91425" lIns="91425" spcFirstLastPara="1" rIns="91425" wrap="square" tIns="91425">
+            <a:bodyPr spcFirstLastPara="1" wrap="square" lIns="91425" tIns="91425" rIns="91425" bIns="91425" anchor="ctr" anchorCtr="0">
               <a:noAutofit/>
             </a:bodyPr>
             <a:lstStyle/>
             <a:p>
-              <a:pPr indent="0" lvl="0" marL="0" rtl="0" algn="l">
+              <a:pPr marL="0" lvl="0" indent="0" algn="l" rtl="0">
                 <a:spcBef>
                   <a:spcPts val="0"/>
                 </a:spcBef>
@@ -7545,9 +7534,6 @@
                 </a:spcAft>
                 <a:buNone/>
               </a:pPr>
-              <a:r>
-                <a:t/>
-              </a:r>
               <a:endParaRPr/>
             </a:p>
           </p:txBody>
@@ -7565,7 +7551,7 @@
             </a:xfrm>
             <a:prstGeom prst="diagStripe">
               <a:avLst>
-                <a:gd fmla="val 50000" name="adj"/>
+                <a:gd name="adj" fmla="val 50000"/>
               </a:avLst>
             </a:prstGeom>
             <a:solidFill>
@@ -7578,12 +7564,12 @@
             </a:ln>
           </p:spPr>
           <p:txBody>
-            <a:bodyPr anchorCtr="0" anchor="ctr" bIns="91425" lIns="91425" spcFirstLastPara="1" rIns="91425" wrap="square" tIns="91425">
+            <a:bodyPr spcFirstLastPara="1" wrap="square" lIns="91425" tIns="91425" rIns="91425" bIns="91425" anchor="ctr" anchorCtr="0">
               <a:noAutofit/>
             </a:bodyPr>
             <a:lstStyle/>
             <a:p>
-              <a:pPr indent="0" lvl="0" marL="0" rtl="0" algn="l">
+              <a:pPr marL="0" lvl="0" indent="0" algn="l" rtl="0">
                 <a:spcBef>
                   <a:spcPts val="0"/>
                 </a:spcBef>
@@ -7592,9 +7578,6 @@
                 </a:spcAft>
                 <a:buNone/>
               </a:pPr>
-              <a:r>
-                <a:t/>
-              </a:r>
               <a:endParaRPr/>
             </a:p>
           </p:txBody>
@@ -7612,7 +7595,7 @@
             </a:xfrm>
             <a:prstGeom prst="diagStripe">
               <a:avLst>
-                <a:gd fmla="val 50000" name="adj"/>
+                <a:gd name="adj" fmla="val 50000"/>
               </a:avLst>
             </a:prstGeom>
             <a:solidFill>
@@ -7625,12 +7608,12 @@
             </a:ln>
           </p:spPr>
           <p:txBody>
-            <a:bodyPr anchorCtr="0" anchor="ctr" bIns="91425" lIns="91425" spcFirstLastPara="1" rIns="91425" wrap="square" tIns="91425">
+            <a:bodyPr spcFirstLastPara="1" wrap="square" lIns="91425" tIns="91425" rIns="91425" bIns="91425" anchor="ctr" anchorCtr="0">
               <a:noAutofit/>
             </a:bodyPr>
             <a:lstStyle/>
             <a:p>
-              <a:pPr indent="0" lvl="0" marL="0" rtl="0" algn="l">
+              <a:pPr marL="0" lvl="0" indent="0" algn="l" rtl="0">
                 <a:spcBef>
                   <a:spcPts val="0"/>
                 </a:spcBef>
@@ -7639,9 +7622,6 @@
                 </a:spcAft>
                 <a:buNone/>
               </a:pPr>
-              <a:r>
-                <a:t/>
-              </a:r>
               <a:endParaRPr/>
             </a:p>
           </p:txBody>
@@ -7659,7 +7639,7 @@
             </a:xfrm>
             <a:prstGeom prst="diagStripe">
               <a:avLst>
-                <a:gd fmla="val 50000" name="adj"/>
+                <a:gd name="adj" fmla="val 50000"/>
               </a:avLst>
             </a:prstGeom>
             <a:solidFill>
@@ -7672,12 +7652,12 @@
             </a:ln>
           </p:spPr>
           <p:txBody>
-            <a:bodyPr anchorCtr="0" anchor="ctr" bIns="91425" lIns="91425" spcFirstLastPara="1" rIns="91425" wrap="square" tIns="91425">
+            <a:bodyPr spcFirstLastPara="1" wrap="square" lIns="91425" tIns="91425" rIns="91425" bIns="91425" anchor="ctr" anchorCtr="0">
               <a:noAutofit/>
             </a:bodyPr>
             <a:lstStyle/>
             <a:p>
-              <a:pPr indent="0" lvl="0" marL="0" rtl="0" algn="l">
+              <a:pPr marL="0" lvl="0" indent="0" algn="l" rtl="0">
                 <a:spcBef>
                   <a:spcPts val="0"/>
                 </a:spcBef>
@@ -7686,9 +7666,6 @@
                 </a:spcAft>
                 <a:buNone/>
               </a:pPr>
-              <a:r>
-                <a:t/>
-              </a:r>
               <a:endParaRPr/>
             </a:p>
           </p:txBody>
@@ -7706,7 +7683,7 @@
             </a:xfrm>
             <a:prstGeom prst="diagStripe">
               <a:avLst>
-                <a:gd fmla="val 50000" name="adj"/>
+                <a:gd name="adj" fmla="val 50000"/>
               </a:avLst>
             </a:prstGeom>
             <a:solidFill>
@@ -7717,12 +7694,12 @@
             </a:ln>
           </p:spPr>
           <p:txBody>
-            <a:bodyPr anchorCtr="0" anchor="ctr" bIns="91425" lIns="91425" spcFirstLastPara="1" rIns="91425" wrap="square" tIns="91425">
+            <a:bodyPr spcFirstLastPara="1" wrap="square" lIns="91425" tIns="91425" rIns="91425" bIns="91425" anchor="ctr" anchorCtr="0">
               <a:noAutofit/>
             </a:bodyPr>
             <a:lstStyle/>
             <a:p>
-              <a:pPr indent="0" lvl="0" marL="0" rtl="0" algn="l">
+              <a:pPr marL="0" lvl="0" indent="0" algn="l" rtl="0">
                 <a:spcBef>
                   <a:spcPts val="0"/>
                 </a:spcBef>
@@ -7731,9 +7708,6 @@
                 </a:spcAft>
                 <a:buNone/>
               </a:pPr>
-              <a:r>
-                <a:t/>
-              </a:r>
               <a:endParaRPr/>
             </a:p>
           </p:txBody>
@@ -7751,7 +7725,7 @@
             </a:xfrm>
             <a:prstGeom prst="diagStripe">
               <a:avLst>
-                <a:gd fmla="val 50000" name="adj"/>
+                <a:gd name="adj" fmla="val 50000"/>
               </a:avLst>
             </a:prstGeom>
             <a:solidFill>
@@ -7764,12 +7738,12 @@
             </a:ln>
           </p:spPr>
           <p:txBody>
-            <a:bodyPr anchorCtr="0" anchor="ctr" bIns="91425" lIns="91425" spcFirstLastPara="1" rIns="91425" wrap="square" tIns="91425">
+            <a:bodyPr spcFirstLastPara="1" wrap="square" lIns="91425" tIns="91425" rIns="91425" bIns="91425" anchor="ctr" anchorCtr="0">
               <a:noAutofit/>
             </a:bodyPr>
             <a:lstStyle/>
             <a:p>
-              <a:pPr indent="0" lvl="0" marL="0" rtl="0" algn="l">
+              <a:pPr marL="0" lvl="0" indent="0" algn="l" rtl="0">
                 <a:spcBef>
                   <a:spcPts val="0"/>
                 </a:spcBef>
@@ -7778,9 +7752,6 @@
                 </a:spcAft>
                 <a:buNone/>
               </a:pPr>
-              <a:r>
-                <a:t/>
-              </a:r>
               <a:endParaRPr/>
             </a:p>
           </p:txBody>
@@ -7798,7 +7769,7 @@
             </a:xfrm>
             <a:prstGeom prst="diagStripe">
               <a:avLst>
-                <a:gd fmla="val 50000" name="adj"/>
+                <a:gd name="adj" fmla="val 50000"/>
               </a:avLst>
             </a:prstGeom>
             <a:solidFill>
@@ -7811,12 +7782,12 @@
             </a:ln>
           </p:spPr>
           <p:txBody>
-            <a:bodyPr anchorCtr="0" anchor="ctr" bIns="91425" lIns="91425" spcFirstLastPara="1" rIns="91425" wrap="square" tIns="91425">
+            <a:bodyPr spcFirstLastPara="1" wrap="square" lIns="91425" tIns="91425" rIns="91425" bIns="91425" anchor="ctr" anchorCtr="0">
               <a:noAutofit/>
             </a:bodyPr>
             <a:lstStyle/>
             <a:p>
-              <a:pPr indent="0" lvl="0" marL="0" rtl="0" algn="l">
+              <a:pPr marL="0" lvl="0" indent="0" algn="l" rtl="0">
                 <a:spcBef>
                   <a:spcPts val="0"/>
                 </a:spcBef>
@@ -7825,9 +7796,6 @@
                 </a:spcAft>
                 <a:buNone/>
               </a:pPr>
-              <a:r>
-                <a:t/>
-              </a:r>
               <a:endParaRPr/>
             </a:p>
           </p:txBody>
@@ -7845,7 +7813,7 @@
             </a:xfrm>
             <a:prstGeom prst="diagStripe">
               <a:avLst>
-                <a:gd fmla="val 50000" name="adj"/>
+                <a:gd name="adj" fmla="val 50000"/>
               </a:avLst>
             </a:prstGeom>
             <a:solidFill>
@@ -7858,12 +7826,12 @@
             </a:ln>
           </p:spPr>
           <p:txBody>
-            <a:bodyPr anchorCtr="0" anchor="ctr" bIns="91425" lIns="91425" spcFirstLastPara="1" rIns="91425" wrap="square" tIns="91425">
+            <a:bodyPr spcFirstLastPara="1" wrap="square" lIns="91425" tIns="91425" rIns="91425" bIns="91425" anchor="ctr" anchorCtr="0">
               <a:noAutofit/>
             </a:bodyPr>
             <a:lstStyle/>
             <a:p>
-              <a:pPr indent="0" lvl="0" marL="0" rtl="0" algn="l">
+              <a:pPr marL="0" lvl="0" indent="0" algn="l" rtl="0">
                 <a:spcBef>
                   <a:spcPts val="0"/>
                 </a:spcBef>
@@ -7872,9 +7840,6 @@
                 </a:spcAft>
                 <a:buNone/>
               </a:pPr>
-              <a:r>
-                <a:t/>
-              </a:r>
               <a:endParaRPr/>
             </a:p>
           </p:txBody>
@@ -7892,7 +7857,7 @@
             </a:xfrm>
             <a:prstGeom prst="diagStripe">
               <a:avLst>
-                <a:gd fmla="val 50000" name="adj"/>
+                <a:gd name="adj" fmla="val 50000"/>
               </a:avLst>
             </a:prstGeom>
             <a:solidFill>
@@ -7905,12 +7870,12 @@
             </a:ln>
           </p:spPr>
           <p:txBody>
-            <a:bodyPr anchorCtr="0" anchor="ctr" bIns="91425" lIns="91425" spcFirstLastPara="1" rIns="91425" wrap="square" tIns="91425">
+            <a:bodyPr spcFirstLastPara="1" wrap="square" lIns="91425" tIns="91425" rIns="91425" bIns="91425" anchor="ctr" anchorCtr="0">
               <a:noAutofit/>
             </a:bodyPr>
             <a:lstStyle/>
             <a:p>
-              <a:pPr indent="0" lvl="0" marL="0" rtl="0" algn="l">
+              <a:pPr marL="0" lvl="0" indent="0" algn="l" rtl="0">
                 <a:spcBef>
                   <a:spcPts val="0"/>
                 </a:spcBef>
@@ -7919,9 +7884,6 @@
                 </a:spcAft>
                 <a:buNone/>
               </a:pPr>
-              <a:r>
-                <a:t/>
-              </a:r>
               <a:endParaRPr/>
             </a:p>
           </p:txBody>
@@ -7930,7 +7892,9 @@
       <p:sp>
         <p:nvSpPr>
           <p:cNvPr id="89" name="Google Shape;89;p8"/>
-          <p:cNvSpPr txBox="1"/>
+          <p:cNvSpPr txBox="1">
+            <a:spLocks noGrp="1"/>
+          </p:cNvSpPr>
           <p:nvPr>
             <p:ph type="title"/>
           </p:nvPr>
@@ -7945,7 +7909,7 @@
           </a:prstGeom>
         </p:spPr>
         <p:txBody>
-          <a:bodyPr anchorCtr="0" anchor="ctr" bIns="91425" lIns="91425" spcFirstLastPara="1" rIns="91425" wrap="square" tIns="91425">
+          <a:bodyPr spcFirstLastPara="1" wrap="square" lIns="91425" tIns="91425" rIns="91425" bIns="91425" anchor="ctr" anchorCtr="0">
             <a:normAutofit/>
           </a:bodyPr>
           <a:lstStyle>
@@ -8049,15 +8013,19 @@
               <a:defRPr/>
             </a:lvl9pPr>
           </a:lstStyle>
-          <a:p/>
+          <a:p>
+            <a:endParaRPr/>
+          </a:p>
         </p:txBody>
       </p:sp>
       <p:sp>
         <p:nvSpPr>
           <p:cNvPr id="90" name="Google Shape;90;p8"/>
-          <p:cNvSpPr txBox="1"/>
+          <p:cNvSpPr txBox="1">
+            <a:spLocks noGrp="1"/>
+          </p:cNvSpPr>
           <p:nvPr>
-            <p:ph idx="12" type="sldNum"/>
+            <p:ph type="sldNum" idx="12"/>
           </p:nvPr>
         </p:nvSpPr>
         <p:spPr>
@@ -8070,7 +8038,7 @@
           </a:prstGeom>
         </p:spPr>
         <p:txBody>
-          <a:bodyPr anchorCtr="0" anchor="ctr" bIns="91425" lIns="91425" spcFirstLastPara="1" rIns="91425" wrap="square" tIns="91425">
+          <a:bodyPr spcFirstLastPara="1" wrap="square" lIns="91425" tIns="91425" rIns="91425" bIns="91425" anchor="ctr" anchorCtr="0">
             <a:normAutofit/>
           </a:bodyPr>
           <a:lstStyle>
@@ -8112,7 +8080,7 @@
             </a:lvl9pPr>
           </a:lstStyle>
           <a:p>
-            <a:pPr indent="0" lvl="0" marL="0" rtl="0" algn="r">
+            <a:pPr marL="0" lvl="0" indent="0" algn="r" rtl="0">
               <a:spcBef>
                 <a:spcPts val="0"/>
               </a:spcBef>
@@ -8138,11 +8106,11 @@
 </file>
 
 <file path=ppt/slideLayouts/slideLayout8.xml><?xml version="1.0" encoding="utf-8"?>
-<p:sldLayout xmlns:a="http://schemas.openxmlformats.org/drawingml/2006/main" xmlns:r="http://schemas.openxmlformats.org/officeDocument/2006/relationships" xmlns:mc="http://schemas.openxmlformats.org/markup-compatibility/2006" xmlns:mv="urn:schemas-microsoft-com:mac:vml" xmlns:p="http://schemas.openxmlformats.org/presentationml/2006/main" xmlns:c="http://schemas.openxmlformats.org/drawingml/2006/chart" xmlns:dgm="http://schemas.openxmlformats.org/drawingml/2006/diagram" xmlns:o="urn:schemas-microsoft-com:office:office" xmlns:v="urn:schemas-microsoft-com:vml" xmlns:pvml="urn:schemas-microsoft-com:office:powerpoint" xmlns:com="http://schemas.openxmlformats.org/drawingml/2006/compatibility" xmlns:p14="http://schemas.microsoft.com/office/powerpoint/2010/main" xmlns:p15="http://schemas.microsoft.com/office/powerpoint/2012/main" xmlns:ahyp="http://schemas.microsoft.com/office/drawing/2018/hyperlinkcolor" matchingName="Section title and description">
+<p:sldLayout xmlns:a="http://schemas.openxmlformats.org/drawingml/2006/main" xmlns:r="http://schemas.openxmlformats.org/officeDocument/2006/relationships" xmlns:p="http://schemas.openxmlformats.org/presentationml/2006/main" matchingName="Section title and description">
   <p:cSld name="SECTION_TITLE_AND_DESCRIPTION">
     <p:spTree>
       <p:nvGrpSpPr>
-        <p:cNvPr id="91" name="Shape 91"/>
+        <p:cNvPr id="1" name="Shape 91"/>
         <p:cNvGrpSpPr/>
         <p:nvPr/>
       </p:nvGrpSpPr>
@@ -8181,7 +8149,7 @@
             </a:xfrm>
             <a:prstGeom prst="diagStripe">
               <a:avLst>
-                <a:gd fmla="val 50000" name="adj"/>
+                <a:gd name="adj" fmla="val 50000"/>
               </a:avLst>
             </a:prstGeom>
             <a:solidFill>
@@ -8192,12 +8160,12 @@
             </a:ln>
           </p:spPr>
           <p:txBody>
-            <a:bodyPr anchorCtr="0" anchor="ctr" bIns="91425" lIns="91425" spcFirstLastPara="1" rIns="91425" wrap="square" tIns="91425">
+            <a:bodyPr spcFirstLastPara="1" wrap="square" lIns="91425" tIns="91425" rIns="91425" bIns="91425" anchor="ctr" anchorCtr="0">
               <a:noAutofit/>
             </a:bodyPr>
             <a:lstStyle/>
             <a:p>
-              <a:pPr indent="0" lvl="0" marL="0" rtl="0" algn="l">
+              <a:pPr marL="0" lvl="0" indent="0" algn="l" rtl="0">
                 <a:spcBef>
                   <a:spcPts val="0"/>
                 </a:spcBef>
@@ -8206,9 +8174,6 @@
                 </a:spcAft>
                 <a:buNone/>
               </a:pPr>
-              <a:r>
-                <a:t/>
-              </a:r>
               <a:endParaRPr/>
             </a:p>
           </p:txBody>
@@ -8226,7 +8191,7 @@
             </a:xfrm>
             <a:prstGeom prst="diagStripe">
               <a:avLst>
-                <a:gd fmla="val 50000" name="adj"/>
+                <a:gd name="adj" fmla="val 50000"/>
               </a:avLst>
             </a:prstGeom>
             <a:solidFill>
@@ -8237,12 +8202,12 @@
             </a:ln>
           </p:spPr>
           <p:txBody>
-            <a:bodyPr anchorCtr="0" anchor="ctr" bIns="91425" lIns="91425" spcFirstLastPara="1" rIns="91425" wrap="square" tIns="91425">
+            <a:bodyPr spcFirstLastPara="1" wrap="square" lIns="91425" tIns="91425" rIns="91425" bIns="91425" anchor="ctr" anchorCtr="0">
               <a:noAutofit/>
             </a:bodyPr>
             <a:lstStyle/>
             <a:p>
-              <a:pPr indent="0" lvl="0" marL="0" rtl="0" algn="l">
+              <a:pPr marL="0" lvl="0" indent="0" algn="l" rtl="0">
                 <a:spcBef>
                   <a:spcPts val="0"/>
                 </a:spcBef>
@@ -8251,9 +8216,6 @@
                 </a:spcAft>
                 <a:buNone/>
               </a:pPr>
-              <a:r>
-                <a:t/>
-              </a:r>
               <a:endParaRPr/>
             </a:p>
           </p:txBody>
@@ -8262,7 +8224,9 @@
       <p:sp>
         <p:nvSpPr>
           <p:cNvPr id="95" name="Google Shape;95;p9"/>
-          <p:cNvSpPr txBox="1"/>
+          <p:cNvSpPr txBox="1">
+            <a:spLocks noGrp="1"/>
+          </p:cNvSpPr>
           <p:nvPr>
             <p:ph type="title"/>
           </p:nvPr>
@@ -8277,7 +8241,7 @@
           </a:prstGeom>
         </p:spPr>
         <p:txBody>
-          <a:bodyPr anchorCtr="0" anchor="t" bIns="91425" lIns="91425" spcFirstLastPara="1" rIns="91425" wrap="square" tIns="91425">
+          <a:bodyPr spcFirstLastPara="1" wrap="square" lIns="91425" tIns="91425" rIns="91425" bIns="91425" anchor="t" anchorCtr="0">
             <a:normAutofit/>
           </a:bodyPr>
           <a:lstStyle>
@@ -8381,15 +8345,19 @@
               <a:defRPr sz="2400"/>
             </a:lvl9pPr>
           </a:lstStyle>
-          <a:p/>
+          <a:p>
+            <a:endParaRPr/>
+          </a:p>
         </p:txBody>
       </p:sp>
       <p:sp>
         <p:nvSpPr>
           <p:cNvPr id="96" name="Google Shape;96;p9"/>
-          <p:cNvSpPr txBox="1"/>
+          <p:cNvSpPr txBox="1">
+            <a:spLocks noGrp="1"/>
+          </p:cNvSpPr>
           <p:nvPr>
-            <p:ph idx="1" type="subTitle"/>
+            <p:ph type="subTitle" idx="1"/>
           </p:nvPr>
         </p:nvSpPr>
         <p:spPr>
@@ -8402,7 +8370,7 @@
           </a:prstGeom>
         </p:spPr>
         <p:txBody>
-          <a:bodyPr anchorCtr="0" anchor="t" bIns="91425" lIns="91425" spcFirstLastPara="1" rIns="91425" wrap="square" tIns="91425">
+          <a:bodyPr spcFirstLastPara="1" wrap="square" lIns="91425" tIns="91425" rIns="91425" bIns="91425" anchor="t" anchorCtr="0">
             <a:normAutofit/>
           </a:bodyPr>
           <a:lstStyle>
@@ -8533,15 +8501,19 @@
               <a:defRPr sz="1300"/>
             </a:lvl9pPr>
           </a:lstStyle>
-          <a:p/>
+          <a:p>
+            <a:endParaRPr/>
+          </a:p>
         </p:txBody>
       </p:sp>
       <p:sp>
         <p:nvSpPr>
           <p:cNvPr id="97" name="Google Shape;97;p9"/>
-          <p:cNvSpPr txBox="1"/>
+          <p:cNvSpPr txBox="1">
+            <a:spLocks noGrp="1"/>
+          </p:cNvSpPr>
           <p:nvPr>
-            <p:ph idx="2" type="body"/>
+            <p:ph type="body" idx="2"/>
           </p:nvPr>
         </p:nvSpPr>
         <p:spPr>
@@ -8554,11 +8526,11 @@
           </a:prstGeom>
         </p:spPr>
         <p:txBody>
-          <a:bodyPr anchorCtr="0" anchor="t" bIns="91425" lIns="91425" spcFirstLastPara="1" rIns="91425" wrap="square" tIns="91425">
+          <a:bodyPr spcFirstLastPara="1" wrap="square" lIns="91425" tIns="91425" rIns="91425" bIns="91425" anchor="t" anchorCtr="0">
             <a:normAutofit/>
           </a:bodyPr>
           <a:lstStyle>
-            <a:lvl1pPr indent="-311150" lvl="0" marL="457200">
+            <a:lvl1pPr marL="457200" lvl="0" indent="-311150">
               <a:spcBef>
                 <a:spcPts val="0"/>
               </a:spcBef>
@@ -8569,7 +8541,7 @@
               <a:buChar char="●"/>
               <a:defRPr/>
             </a:lvl1pPr>
-            <a:lvl2pPr indent="-298450" lvl="1" marL="914400">
+            <a:lvl2pPr marL="914400" lvl="1" indent="-298450">
               <a:spcBef>
                 <a:spcPts val="0"/>
               </a:spcBef>
@@ -8580,7 +8552,7 @@
               <a:buChar char="○"/>
               <a:defRPr/>
             </a:lvl2pPr>
-            <a:lvl3pPr indent="-298450" lvl="2" marL="1371600">
+            <a:lvl3pPr marL="1371600" lvl="2" indent="-298450">
               <a:spcBef>
                 <a:spcPts val="0"/>
               </a:spcBef>
@@ -8591,7 +8563,7 @@
               <a:buChar char="■"/>
               <a:defRPr/>
             </a:lvl3pPr>
-            <a:lvl4pPr indent="-298450" lvl="3" marL="1828800">
+            <a:lvl4pPr marL="1828800" lvl="3" indent="-298450">
               <a:spcBef>
                 <a:spcPts val="0"/>
               </a:spcBef>
@@ -8602,7 +8574,7 @@
               <a:buChar char="●"/>
               <a:defRPr/>
             </a:lvl4pPr>
-            <a:lvl5pPr indent="-298450" lvl="4" marL="2286000">
+            <a:lvl5pPr marL="2286000" lvl="4" indent="-298450">
               <a:spcBef>
                 <a:spcPts val="0"/>
               </a:spcBef>
@@ -8613,7 +8585,7 @@
               <a:buChar char="○"/>
               <a:defRPr/>
             </a:lvl5pPr>
-            <a:lvl6pPr indent="-298450" lvl="5" marL="2743200">
+            <a:lvl6pPr marL="2743200" lvl="5" indent="-298450">
               <a:spcBef>
                 <a:spcPts val="0"/>
               </a:spcBef>
@@ -8624,7 +8596,7 @@
               <a:buChar char="■"/>
               <a:defRPr/>
             </a:lvl6pPr>
-            <a:lvl7pPr indent="-298450" lvl="6" marL="3200400">
+            <a:lvl7pPr marL="3200400" lvl="6" indent="-298450">
               <a:spcBef>
                 <a:spcPts val="0"/>
               </a:spcBef>
@@ -8635,7 +8607,7 @@
               <a:buChar char="●"/>
               <a:defRPr/>
             </a:lvl7pPr>
-            <a:lvl8pPr indent="-298450" lvl="7" marL="3657600">
+            <a:lvl8pPr marL="3657600" lvl="7" indent="-298450">
               <a:spcBef>
                 <a:spcPts val="0"/>
               </a:spcBef>
@@ -8646,7 +8618,7 @@
               <a:buChar char="○"/>
               <a:defRPr/>
             </a:lvl8pPr>
-            <a:lvl9pPr indent="-298450" lvl="8" marL="4114800">
+            <a:lvl9pPr marL="4114800" lvl="8" indent="-298450">
               <a:spcBef>
                 <a:spcPts val="0"/>
               </a:spcBef>
@@ -8658,15 +8630,19 @@
               <a:defRPr/>
             </a:lvl9pPr>
           </a:lstStyle>
-          <a:p/>
+          <a:p>
+            <a:endParaRPr/>
+          </a:p>
         </p:txBody>
       </p:sp>
       <p:sp>
         <p:nvSpPr>
           <p:cNvPr id="98" name="Google Shape;98;p9"/>
-          <p:cNvSpPr txBox="1"/>
+          <p:cNvSpPr txBox="1">
+            <a:spLocks noGrp="1"/>
+          </p:cNvSpPr>
           <p:nvPr>
-            <p:ph idx="12" type="sldNum"/>
+            <p:ph type="sldNum" idx="12"/>
           </p:nvPr>
         </p:nvSpPr>
         <p:spPr>
@@ -8679,7 +8655,7 @@
           </a:prstGeom>
         </p:spPr>
         <p:txBody>
-          <a:bodyPr anchorCtr="0" anchor="ctr" bIns="91425" lIns="91425" spcFirstLastPara="1" rIns="91425" wrap="square" tIns="91425">
+          <a:bodyPr spcFirstLastPara="1" wrap="square" lIns="91425" tIns="91425" rIns="91425" bIns="91425" anchor="ctr" anchorCtr="0">
             <a:normAutofit/>
           </a:bodyPr>
           <a:lstStyle>
@@ -8721,7 +8697,7 @@
             </a:lvl9pPr>
           </a:lstStyle>
           <a:p>
-            <a:pPr indent="0" lvl="0" marL="0" rtl="0" algn="r">
+            <a:pPr marL="0" lvl="0" indent="0" algn="r" rtl="0">
               <a:spcBef>
                 <a:spcPts val="0"/>
               </a:spcBef>
@@ -8747,11 +8723,11 @@
 </file>
 
 <file path=ppt/slideLayouts/slideLayout9.xml><?xml version="1.0" encoding="utf-8"?>
-<p:sldLayout xmlns:a="http://schemas.openxmlformats.org/drawingml/2006/main" xmlns:r="http://schemas.openxmlformats.org/officeDocument/2006/relationships" xmlns:mc="http://schemas.openxmlformats.org/markup-compatibility/2006" xmlns:mv="urn:schemas-microsoft-com:mac:vml" xmlns:p="http://schemas.openxmlformats.org/presentationml/2006/main" xmlns:c="http://schemas.openxmlformats.org/drawingml/2006/chart" xmlns:dgm="http://schemas.openxmlformats.org/drawingml/2006/diagram" xmlns:o="urn:schemas-microsoft-com:office:office" xmlns:v="urn:schemas-microsoft-com:vml" xmlns:pvml="urn:schemas-microsoft-com:office:powerpoint" xmlns:com="http://schemas.openxmlformats.org/drawingml/2006/compatibility" xmlns:p14="http://schemas.microsoft.com/office/powerpoint/2010/main" xmlns:p15="http://schemas.microsoft.com/office/powerpoint/2012/main" xmlns:ahyp="http://schemas.microsoft.com/office/drawing/2018/hyperlinkcolor" matchingName="Caption">
+<p:sldLayout xmlns:a="http://schemas.openxmlformats.org/drawingml/2006/main" xmlns:r="http://schemas.openxmlformats.org/officeDocument/2006/relationships" xmlns:p="http://schemas.openxmlformats.org/presentationml/2006/main" matchingName="Caption">
   <p:cSld name="CAPTION_ONLY">
     <p:spTree>
       <p:nvGrpSpPr>
-        <p:cNvPr id="99" name="Shape 99"/>
+        <p:cNvPr id="1" name="Shape 99"/>
         <p:cNvGrpSpPr/>
         <p:nvPr/>
       </p:nvGrpSpPr>
@@ -8790,7 +8766,7 @@
             </a:xfrm>
             <a:prstGeom prst="diagStripe">
               <a:avLst>
-                <a:gd fmla="val 50000" name="adj"/>
+                <a:gd name="adj" fmla="val 50000"/>
               </a:avLst>
             </a:prstGeom>
             <a:solidFill>
@@ -8803,12 +8779,12 @@
             </a:ln>
           </p:spPr>
           <p:txBody>
-            <a:bodyPr anchorCtr="0" anchor="ctr" bIns="91425" lIns="91425" spcFirstLastPara="1" rIns="91425" wrap="square" tIns="91425">
+            <a:bodyPr spcFirstLastPara="1" wrap="square" lIns="91425" tIns="91425" rIns="91425" bIns="91425" anchor="ctr" anchorCtr="0">
               <a:noAutofit/>
             </a:bodyPr>
             <a:lstStyle/>
             <a:p>
-              <a:pPr indent="0" lvl="0" marL="0" rtl="0" algn="l">
+              <a:pPr marL="0" lvl="0" indent="0" algn="l" rtl="0">
                 <a:spcBef>
                   <a:spcPts val="0"/>
                 </a:spcBef>
@@ -8817,9 +8793,6 @@
                 </a:spcAft>
                 <a:buNone/>
               </a:pPr>
-              <a:r>
-                <a:t/>
-              </a:r>
               <a:endParaRPr/>
             </a:p>
           </p:txBody>
@@ -8837,7 +8810,7 @@
             </a:xfrm>
             <a:prstGeom prst="diagStripe">
               <a:avLst>
-                <a:gd fmla="val 50000" name="adj"/>
+                <a:gd name="adj" fmla="val 50000"/>
               </a:avLst>
             </a:prstGeom>
             <a:solidFill>
@@ -8850,12 +8823,12 @@
             </a:ln>
           </p:spPr>
           <p:txBody>
-            <a:bodyPr anchorCtr="0" anchor="ctr" bIns="91425" lIns="91425" spcFirstLastPara="1" rIns="91425" wrap="square" tIns="91425">
+            <a:bodyPr spcFirstLastPara="1" wrap="square" lIns="91425" tIns="91425" rIns="91425" bIns="91425" anchor="ctr" anchorCtr="0">
               <a:noAutofit/>
             </a:bodyPr>
             <a:lstStyle/>
             <a:p>
-              <a:pPr indent="0" lvl="0" marL="0" rtl="0" algn="l">
+              <a:pPr marL="0" lvl="0" indent="0" algn="l" rtl="0">
                 <a:spcBef>
                   <a:spcPts val="0"/>
                 </a:spcBef>
@@ -8864,9 +8837,6 @@
                 </a:spcAft>
                 <a:buNone/>
               </a:pPr>
-              <a:r>
-                <a:t/>
-              </a:r>
               <a:endParaRPr/>
             </a:p>
           </p:txBody>
@@ -8875,9 +8845,11 @@
       <p:sp>
         <p:nvSpPr>
           <p:cNvPr id="103" name="Google Shape;103;p10"/>
-          <p:cNvSpPr txBox="1"/>
+          <p:cNvSpPr txBox="1">
+            <a:spLocks noGrp="1"/>
+          </p:cNvSpPr>
           <p:nvPr>
-            <p:ph idx="1" type="body"/>
+            <p:ph type="body" idx="1"/>
           </p:nvPr>
         </p:nvSpPr>
         <p:spPr>
@@ -8890,11 +8862,11 @@
           </a:prstGeom>
         </p:spPr>
         <p:txBody>
-          <a:bodyPr anchorCtr="0" anchor="ctr" bIns="91425" lIns="91425" spcFirstLastPara="1" rIns="91425" wrap="square" tIns="91425">
+          <a:bodyPr spcFirstLastPara="1" wrap="square" lIns="91425" tIns="91425" rIns="91425" bIns="91425" anchor="ctr" anchorCtr="0">
             <a:normAutofit/>
           </a:bodyPr>
           <a:lstStyle>
-            <a:lvl1pPr indent="-228600" lvl="0" marL="457200">
+            <a:lvl1pPr marL="457200" lvl="0" indent="-228600">
               <a:lnSpc>
                 <a:spcPct val="100000"/>
               </a:lnSpc>
@@ -8909,15 +8881,19 @@
               <a:defRPr/>
             </a:lvl1pPr>
           </a:lstStyle>
-          <a:p/>
+          <a:p>
+            <a:endParaRPr/>
+          </a:p>
         </p:txBody>
       </p:sp>
       <p:sp>
         <p:nvSpPr>
           <p:cNvPr id="104" name="Google Shape;104;p10"/>
-          <p:cNvSpPr txBox="1"/>
+          <p:cNvSpPr txBox="1">
+            <a:spLocks noGrp="1"/>
+          </p:cNvSpPr>
           <p:nvPr>
-            <p:ph idx="12" type="sldNum"/>
+            <p:ph type="sldNum" idx="12"/>
           </p:nvPr>
         </p:nvSpPr>
         <p:spPr>
@@ -8930,7 +8906,7 @@
           </a:prstGeom>
         </p:spPr>
         <p:txBody>
-          <a:bodyPr anchorCtr="0" anchor="ctr" bIns="91425" lIns="91425" spcFirstLastPara="1" rIns="91425" wrap="square" tIns="91425">
+          <a:bodyPr spcFirstLastPara="1" wrap="square" lIns="91425" tIns="91425" rIns="91425" bIns="91425" anchor="ctr" anchorCtr="0">
             <a:normAutofit/>
           </a:bodyPr>
           <a:lstStyle>
@@ -8972,7 +8948,7 @@
             </a:lvl9pPr>
           </a:lstStyle>
           <a:p>
-            <a:pPr indent="0" lvl="0" marL="0" rtl="0" algn="r">
+            <a:pPr marL="0" lvl="0" indent="0" algn="r" rtl="0">
               <a:spcBef>
                 <a:spcPts val="0"/>
               </a:spcBef>
@@ -8998,18 +8974,19 @@
 </file>
 
 <file path=ppt/slideMasters/slideMaster1.xml><?xml version="1.0" encoding="utf-8"?>
-<p:sldMaster xmlns:a="http://schemas.openxmlformats.org/drawingml/2006/main" xmlns:r="http://schemas.openxmlformats.org/officeDocument/2006/relationships" xmlns:mc="http://schemas.openxmlformats.org/markup-compatibility/2006" xmlns:mv="urn:schemas-microsoft-com:mac:vml" xmlns:p="http://schemas.openxmlformats.org/presentationml/2006/main" xmlns:c="http://schemas.openxmlformats.org/drawingml/2006/chart" xmlns:dgm="http://schemas.openxmlformats.org/drawingml/2006/diagram" xmlns:o="urn:schemas-microsoft-com:office:office" xmlns:v="urn:schemas-microsoft-com:vml" xmlns:pvml="urn:schemas-microsoft-com:office:powerpoint" xmlns:com="http://schemas.openxmlformats.org/drawingml/2006/compatibility" xmlns:p14="http://schemas.microsoft.com/office/powerpoint/2010/main" xmlns:p15="http://schemas.microsoft.com/office/powerpoint/2012/main" xmlns:ahyp="http://schemas.microsoft.com/office/drawing/2018/hyperlinkcolor">
+<p:sldMaster xmlns:a="http://schemas.openxmlformats.org/drawingml/2006/main" xmlns:r="http://schemas.openxmlformats.org/officeDocument/2006/relationships" xmlns:p="http://schemas.openxmlformats.org/presentationml/2006/main">
   <p:cSld name="focus">
     <p:bg>
       <p:bgPr>
         <a:solidFill>
           <a:schemeClr val="dk1"/>
         </a:solidFill>
+        <a:effectLst/>
       </p:bgPr>
     </p:bg>
     <p:spTree>
       <p:nvGrpSpPr>
-        <p:cNvPr id="5" name="Shape 5"/>
+        <p:cNvPr id="1" name="Shape 5"/>
         <p:cNvGrpSpPr/>
         <p:nvPr/>
       </p:nvGrpSpPr>
@@ -9024,7 +9001,9 @@
       <p:sp>
         <p:nvSpPr>
           <p:cNvPr id="6" name="Google Shape;6;p1"/>
-          <p:cNvSpPr txBox="1"/>
+          <p:cNvSpPr txBox="1">
+            <a:spLocks noGrp="1"/>
+          </p:cNvSpPr>
           <p:nvPr>
             <p:ph type="title"/>
           </p:nvPr>
@@ -9043,7 +9022,7 @@
           </a:ln>
         </p:spPr>
         <p:txBody>
-          <a:bodyPr anchorCtr="0" anchor="t" bIns="91425" lIns="91425" spcFirstLastPara="1" rIns="91425" wrap="square" tIns="91425">
+          <a:bodyPr spcFirstLastPara="1" wrap="square" lIns="91425" tIns="91425" rIns="91425" bIns="91425" anchor="t" anchorCtr="0">
             <a:normAutofit/>
           </a:bodyPr>
           <a:lstStyle>
@@ -9255,15 +9234,19 @@
               </a:defRPr>
             </a:lvl9pPr>
           </a:lstStyle>
-          <a:p/>
+          <a:p>
+            <a:endParaRPr/>
+          </a:p>
         </p:txBody>
       </p:sp>
       <p:sp>
         <p:nvSpPr>
           <p:cNvPr id="7" name="Google Shape;7;p1"/>
-          <p:cNvSpPr txBox="1"/>
+          <p:cNvSpPr txBox="1">
+            <a:spLocks noGrp="1"/>
+          </p:cNvSpPr>
           <p:nvPr>
-            <p:ph idx="1" type="body"/>
+            <p:ph type="body" idx="1"/>
           </p:nvPr>
         </p:nvSpPr>
         <p:spPr>
@@ -9280,11 +9263,11 @@
           </a:ln>
         </p:spPr>
         <p:txBody>
-          <a:bodyPr anchorCtr="0" anchor="t" bIns="91425" lIns="91425" spcFirstLastPara="1" rIns="91425" wrap="square" tIns="91425">
+          <a:bodyPr spcFirstLastPara="1" wrap="square" lIns="91425" tIns="91425" rIns="91425" bIns="91425" anchor="t" anchorCtr="0">
             <a:normAutofit/>
           </a:bodyPr>
           <a:lstStyle>
-            <a:lvl1pPr indent="-311150" lvl="0" marL="457200">
+            <a:lvl1pPr marL="457200" lvl="0" indent="-311150">
               <a:lnSpc>
                 <a:spcPct val="115000"/>
               </a:lnSpc>
@@ -9310,7 +9293,7 @@
                 <a:sym typeface="Lato"/>
               </a:defRPr>
             </a:lvl1pPr>
-            <a:lvl2pPr indent="-298450" lvl="1" marL="914400">
+            <a:lvl2pPr marL="914400" lvl="1" indent="-298450">
               <a:lnSpc>
                 <a:spcPct val="115000"/>
               </a:lnSpc>
@@ -9336,7 +9319,7 @@
                 <a:sym typeface="Lato"/>
               </a:defRPr>
             </a:lvl2pPr>
-            <a:lvl3pPr indent="-298450" lvl="2" marL="1371600">
+            <a:lvl3pPr marL="1371600" lvl="2" indent="-298450">
               <a:lnSpc>
                 <a:spcPct val="115000"/>
               </a:lnSpc>
@@ -9362,7 +9345,7 @@
                 <a:sym typeface="Lato"/>
               </a:defRPr>
             </a:lvl3pPr>
-            <a:lvl4pPr indent="-298450" lvl="3" marL="1828800">
+            <a:lvl4pPr marL="1828800" lvl="3" indent="-298450">
               <a:lnSpc>
                 <a:spcPct val="115000"/>
               </a:lnSpc>
@@ -9388,7 +9371,7 @@
                 <a:sym typeface="Lato"/>
               </a:defRPr>
             </a:lvl4pPr>
-            <a:lvl5pPr indent="-298450" lvl="4" marL="2286000">
+            <a:lvl5pPr marL="2286000" lvl="4" indent="-298450">
               <a:lnSpc>
                 <a:spcPct val="115000"/>
               </a:lnSpc>
@@ -9414,7 +9397,7 @@
                 <a:sym typeface="Lato"/>
               </a:defRPr>
             </a:lvl5pPr>
-            <a:lvl6pPr indent="-298450" lvl="5" marL="2743200">
+            <a:lvl6pPr marL="2743200" lvl="5" indent="-298450">
               <a:lnSpc>
                 <a:spcPct val="115000"/>
               </a:lnSpc>
@@ -9440,7 +9423,7 @@
                 <a:sym typeface="Lato"/>
               </a:defRPr>
             </a:lvl6pPr>
-            <a:lvl7pPr indent="-298450" lvl="6" marL="3200400">
+            <a:lvl7pPr marL="3200400" lvl="6" indent="-298450">
               <a:lnSpc>
                 <a:spcPct val="115000"/>
               </a:lnSpc>
@@ -9466,7 +9449,7 @@
                 <a:sym typeface="Lato"/>
               </a:defRPr>
             </a:lvl7pPr>
-            <a:lvl8pPr indent="-298450" lvl="7" marL="3657600">
+            <a:lvl8pPr marL="3657600" lvl="7" indent="-298450">
               <a:lnSpc>
                 <a:spcPct val="115000"/>
               </a:lnSpc>
@@ -9492,7 +9475,7 @@
                 <a:sym typeface="Lato"/>
               </a:defRPr>
             </a:lvl8pPr>
-            <a:lvl9pPr indent="-298450" lvl="8" marL="4114800">
+            <a:lvl9pPr marL="4114800" lvl="8" indent="-298450">
               <a:lnSpc>
                 <a:spcPct val="115000"/>
               </a:lnSpc>
@@ -9519,15 +9502,19 @@
               </a:defRPr>
             </a:lvl9pPr>
           </a:lstStyle>
-          <a:p/>
+          <a:p>
+            <a:endParaRPr/>
+          </a:p>
         </p:txBody>
       </p:sp>
       <p:sp>
         <p:nvSpPr>
           <p:cNvPr id="8" name="Google Shape;8;p1"/>
-          <p:cNvSpPr txBox="1"/>
+          <p:cNvSpPr txBox="1">
+            <a:spLocks noGrp="1"/>
+          </p:cNvSpPr>
           <p:nvPr>
-            <p:ph idx="12" type="sldNum"/>
+            <p:ph type="sldNum" idx="12"/>
           </p:nvPr>
         </p:nvSpPr>
         <p:spPr>
@@ -9544,7 +9531,7 @@
           </a:ln>
         </p:spPr>
         <p:txBody>
-          <a:bodyPr anchorCtr="0" anchor="ctr" bIns="91425" lIns="91425" spcFirstLastPara="1" rIns="91425" wrap="square" tIns="91425">
+          <a:bodyPr spcFirstLastPara="1" wrap="square" lIns="91425" tIns="91425" rIns="91425" bIns="91425" anchor="ctr" anchorCtr="0">
             <a:normAutofit/>
           </a:bodyPr>
           <a:lstStyle>
@@ -9658,7 +9645,7 @@
             </a:lvl9pPr>
           </a:lstStyle>
           <a:p>
-            <a:pPr indent="0" lvl="0" marL="0" rtl="0" algn="r">
+            <a:pPr marL="0" lvl="0" indent="0" algn="r" rtl="0">
               <a:spcBef>
                 <a:spcPts val="0"/>
               </a:spcBef>
@@ -9677,7 +9664,7 @@
       </p:sp>
     </p:spTree>
   </p:cSld>
-  <p:clrMap accent1="accent1" accent2="accent2" accent3="accent3" accent4="accent4" accent5="accent5" accent6="accent6" bg1="lt1" bg2="dk2" tx1="dk1" tx2="lt2" folHlink="folHlink" hlink="hlink"/>
+  <p:clrMap bg1="lt1" tx1="dk1" bg2="dk2" tx2="lt2" accent1="accent1" accent2="accent2" accent3="accent3" accent4="accent4" accent5="accent5" accent6="accent6" hlink="hlink" folHlink="folHlink"/>
   <p:sldLayoutIdLst>
     <p:sldLayoutId id="2147483648" r:id="rId1"/>
     <p:sldLayoutId id="2147483649" r:id="rId2"/>
@@ -9691,10 +9678,10 @@
     <p:sldLayoutId id="2147483657" r:id="rId10"/>
     <p:sldLayoutId id="2147483658" r:id="rId11"/>
   </p:sldLayoutIdLst>
-  <p:hf dt="0" ftr="0" hdr="0" sldNum="0"/>
+  <p:hf sldNum="0" hdr="0" ftr="0" dt="0"/>
   <p:txStyles>
     <p:titleStyle>
-      <a:defPPr lvl="0" marR="0" rtl="0" algn="l">
+      <a:defPPr marR="0" lvl="0" algn="l" rtl="0">
         <a:lnSpc>
           <a:spcPct val="100000"/>
         </a:lnSpc>
@@ -9705,7 +9692,7 @@
           <a:spcPts val="0"/>
         </a:spcAft>
       </a:defPPr>
-      <a:lvl1pPr lvl="0" marR="0" rtl="0" algn="l">
+      <a:lvl1pPr marR="0" lvl="0" algn="l" rtl="0">
         <a:lnSpc>
           <a:spcPct val="100000"/>
         </a:lnSpc>
@@ -9719,7 +9706,7 @@
           <a:srgbClr val="000000"/>
         </a:buClr>
         <a:buFont typeface="Arial"/>
-        <a:defRPr b="0" i="0" sz="1400" u="none" cap="none" strike="noStrike">
+        <a:defRPr sz="1400" b="0" i="0" u="none" strike="noStrike" cap="none">
           <a:solidFill>
             <a:srgbClr val="000000"/>
           </a:solidFill>
@@ -9729,7 +9716,7 @@
           <a:sym typeface="Arial"/>
         </a:defRPr>
       </a:lvl1pPr>
-      <a:lvl2pPr lvl="1" marR="0" rtl="0" algn="l">
+      <a:lvl2pPr marR="0" lvl="1" algn="l" rtl="0">
         <a:lnSpc>
           <a:spcPct val="100000"/>
         </a:lnSpc>
@@ -9743,7 +9730,7 @@
           <a:srgbClr val="000000"/>
         </a:buClr>
         <a:buFont typeface="Arial"/>
-        <a:defRPr b="0" i="0" sz="1400" u="none" cap="none" strike="noStrike">
+        <a:defRPr sz="1400" b="0" i="0" u="none" strike="noStrike" cap="none">
           <a:solidFill>
             <a:srgbClr val="000000"/>
           </a:solidFill>
@@ -9753,7 +9740,7 @@
           <a:sym typeface="Arial"/>
         </a:defRPr>
       </a:lvl2pPr>
-      <a:lvl3pPr lvl="2" marR="0" rtl="0" algn="l">
+      <a:lvl3pPr marR="0" lvl="2" algn="l" rtl="0">
         <a:lnSpc>
           <a:spcPct val="100000"/>
         </a:lnSpc>
@@ -9767,7 +9754,7 @@
           <a:srgbClr val="000000"/>
         </a:buClr>
         <a:buFont typeface="Arial"/>
-        <a:defRPr b="0" i="0" sz="1400" u="none" cap="none" strike="noStrike">
+        <a:defRPr sz="1400" b="0" i="0" u="none" strike="noStrike" cap="none">
           <a:solidFill>
             <a:srgbClr val="000000"/>
           </a:solidFill>
@@ -9777,7 +9764,7 @@
           <a:sym typeface="Arial"/>
         </a:defRPr>
       </a:lvl3pPr>
-      <a:lvl4pPr lvl="3" marR="0" rtl="0" algn="l">
+      <a:lvl4pPr marR="0" lvl="3" algn="l" rtl="0">
         <a:lnSpc>
           <a:spcPct val="100000"/>
         </a:lnSpc>
@@ -9791,7 +9778,7 @@
           <a:srgbClr val="000000"/>
         </a:buClr>
         <a:buFont typeface="Arial"/>
-        <a:defRPr b="0" i="0" sz="1400" u="none" cap="none" strike="noStrike">
+        <a:defRPr sz="1400" b="0" i="0" u="none" strike="noStrike" cap="none">
           <a:solidFill>
             <a:srgbClr val="000000"/>
           </a:solidFill>
@@ -9801,7 +9788,7 @@
           <a:sym typeface="Arial"/>
         </a:defRPr>
       </a:lvl4pPr>
-      <a:lvl5pPr lvl="4" marR="0" rtl="0" algn="l">
+      <a:lvl5pPr marR="0" lvl="4" algn="l" rtl="0">
         <a:lnSpc>
           <a:spcPct val="100000"/>
         </a:lnSpc>
@@ -9815,7 +9802,7 @@
           <a:srgbClr val="000000"/>
         </a:buClr>
         <a:buFont typeface="Arial"/>
-        <a:defRPr b="0" i="0" sz="1400" u="none" cap="none" strike="noStrike">
+        <a:defRPr sz="1400" b="0" i="0" u="none" strike="noStrike" cap="none">
           <a:solidFill>
             <a:srgbClr val="000000"/>
           </a:solidFill>
@@ -9825,7 +9812,7 @@
           <a:sym typeface="Arial"/>
         </a:defRPr>
       </a:lvl5pPr>
-      <a:lvl6pPr lvl="5" marR="0" rtl="0" algn="l">
+      <a:lvl6pPr marR="0" lvl="5" algn="l" rtl="0">
         <a:lnSpc>
           <a:spcPct val="100000"/>
         </a:lnSpc>
@@ -9839,7 +9826,7 @@
           <a:srgbClr val="000000"/>
         </a:buClr>
         <a:buFont typeface="Arial"/>
-        <a:defRPr b="0" i="0" sz="1400" u="none" cap="none" strike="noStrike">
+        <a:defRPr sz="1400" b="0" i="0" u="none" strike="noStrike" cap="none">
           <a:solidFill>
             <a:srgbClr val="000000"/>
           </a:solidFill>
@@ -9849,7 +9836,7 @@
           <a:sym typeface="Arial"/>
         </a:defRPr>
       </a:lvl6pPr>
-      <a:lvl7pPr lvl="6" marR="0" rtl="0" algn="l">
+      <a:lvl7pPr marR="0" lvl="6" algn="l" rtl="0">
         <a:lnSpc>
           <a:spcPct val="100000"/>
         </a:lnSpc>
@@ -9863,7 +9850,7 @@
           <a:srgbClr val="000000"/>
         </a:buClr>
         <a:buFont typeface="Arial"/>
-        <a:defRPr b="0" i="0" sz="1400" u="none" cap="none" strike="noStrike">
+        <a:defRPr sz="1400" b="0" i="0" u="none" strike="noStrike" cap="none">
           <a:solidFill>
             <a:srgbClr val="000000"/>
           </a:solidFill>
@@ -9873,7 +9860,7 @@
           <a:sym typeface="Arial"/>
         </a:defRPr>
       </a:lvl7pPr>
-      <a:lvl8pPr lvl="7" marR="0" rtl="0" algn="l">
+      <a:lvl8pPr marR="0" lvl="7" algn="l" rtl="0">
         <a:lnSpc>
           <a:spcPct val="100000"/>
         </a:lnSpc>
@@ -9887,7 +9874,7 @@
           <a:srgbClr val="000000"/>
         </a:buClr>
         <a:buFont typeface="Arial"/>
-        <a:defRPr b="0" i="0" sz="1400" u="none" cap="none" strike="noStrike">
+        <a:defRPr sz="1400" b="0" i="0" u="none" strike="noStrike" cap="none">
           <a:solidFill>
             <a:srgbClr val="000000"/>
           </a:solidFill>
@@ -9897,7 +9884,7 @@
           <a:sym typeface="Arial"/>
         </a:defRPr>
       </a:lvl8pPr>
-      <a:lvl9pPr lvl="8" marR="0" rtl="0" algn="l">
+      <a:lvl9pPr marR="0" lvl="8" algn="l" rtl="0">
         <a:lnSpc>
           <a:spcPct val="100000"/>
         </a:lnSpc>
@@ -9911,7 +9898,7 @@
           <a:srgbClr val="000000"/>
         </a:buClr>
         <a:buFont typeface="Arial"/>
-        <a:defRPr b="0" i="0" sz="1400" u="none" cap="none" strike="noStrike">
+        <a:defRPr sz="1400" b="0" i="0" u="none" strike="noStrike" cap="none">
           <a:solidFill>
             <a:srgbClr val="000000"/>
           </a:solidFill>
@@ -9923,7 +9910,7 @@
       </a:lvl9pPr>
     </p:titleStyle>
     <p:bodyStyle>
-      <a:defPPr lvl="0" marR="0" rtl="0" algn="l">
+      <a:defPPr marR="0" lvl="0" algn="l" rtl="0">
         <a:lnSpc>
           <a:spcPct val="100000"/>
         </a:lnSpc>
@@ -9934,7 +9921,7 @@
           <a:spcPts val="0"/>
         </a:spcAft>
       </a:defPPr>
-      <a:lvl1pPr lvl="0" marR="0" rtl="0" algn="l">
+      <a:lvl1pPr marR="0" lvl="0" algn="l" rtl="0">
         <a:lnSpc>
           <a:spcPct val="100000"/>
         </a:lnSpc>
@@ -9948,7 +9935,7 @@
           <a:srgbClr val="000000"/>
         </a:buClr>
         <a:buFont typeface="Arial"/>
-        <a:defRPr b="0" i="0" sz="1400" u="none" cap="none" strike="noStrike">
+        <a:defRPr sz="1400" b="0" i="0" u="none" strike="noStrike" cap="none">
           <a:solidFill>
             <a:srgbClr val="000000"/>
           </a:solidFill>
@@ -9958,7 +9945,7 @@
           <a:sym typeface="Arial"/>
         </a:defRPr>
       </a:lvl1pPr>
-      <a:lvl2pPr lvl="1" marR="0" rtl="0" algn="l">
+      <a:lvl2pPr marR="0" lvl="1" algn="l" rtl="0">
         <a:lnSpc>
           <a:spcPct val="100000"/>
         </a:lnSpc>
@@ -9972,7 +9959,7 @@
           <a:srgbClr val="000000"/>
         </a:buClr>
         <a:buFont typeface="Arial"/>
-        <a:defRPr b="0" i="0" sz="1400" u="none" cap="none" strike="noStrike">
+        <a:defRPr sz="1400" b="0" i="0" u="none" strike="noStrike" cap="none">
           <a:solidFill>
             <a:srgbClr val="000000"/>
           </a:solidFill>
@@ -9982,7 +9969,7 @@
           <a:sym typeface="Arial"/>
         </a:defRPr>
       </a:lvl2pPr>
-      <a:lvl3pPr lvl="2" marR="0" rtl="0" algn="l">
+      <a:lvl3pPr marR="0" lvl="2" algn="l" rtl="0">
         <a:lnSpc>
           <a:spcPct val="100000"/>
         </a:lnSpc>
@@ -9996,7 +9983,7 @@
           <a:srgbClr val="000000"/>
         </a:buClr>
         <a:buFont typeface="Arial"/>
-        <a:defRPr b="0" i="0" sz="1400" u="none" cap="none" strike="noStrike">
+        <a:defRPr sz="1400" b="0" i="0" u="none" strike="noStrike" cap="none">
           <a:solidFill>
             <a:srgbClr val="000000"/>
           </a:solidFill>
@@ -10006,7 +9993,7 @@
           <a:sym typeface="Arial"/>
         </a:defRPr>
       </a:lvl3pPr>
-      <a:lvl4pPr lvl="3" marR="0" rtl="0" algn="l">
+      <a:lvl4pPr marR="0" lvl="3" algn="l" rtl="0">
         <a:lnSpc>
           <a:spcPct val="100000"/>
         </a:lnSpc>
@@ -10020,7 +10007,7 @@
           <a:srgbClr val="000000"/>
         </a:buClr>
         <a:buFont typeface="Arial"/>
-        <a:defRPr b="0" i="0" sz="1400" u="none" cap="none" strike="noStrike">
+        <a:defRPr sz="1400" b="0" i="0" u="none" strike="noStrike" cap="none">
           <a:solidFill>
             <a:srgbClr val="000000"/>
           </a:solidFill>
@@ -10030,7 +10017,7 @@
           <a:sym typeface="Arial"/>
         </a:defRPr>
       </a:lvl4pPr>
-      <a:lvl5pPr lvl="4" marR="0" rtl="0" algn="l">
+      <a:lvl5pPr marR="0" lvl="4" algn="l" rtl="0">
         <a:lnSpc>
           <a:spcPct val="100000"/>
         </a:lnSpc>
@@ -10044,7 +10031,7 @@
           <a:srgbClr val="000000"/>
         </a:buClr>
         <a:buFont typeface="Arial"/>
-        <a:defRPr b="0" i="0" sz="1400" u="none" cap="none" strike="noStrike">
+        <a:defRPr sz="1400" b="0" i="0" u="none" strike="noStrike" cap="none">
           <a:solidFill>
             <a:srgbClr val="000000"/>
           </a:solidFill>
@@ -10054,7 +10041,7 @@
           <a:sym typeface="Arial"/>
         </a:defRPr>
       </a:lvl5pPr>
-      <a:lvl6pPr lvl="5" marR="0" rtl="0" algn="l">
+      <a:lvl6pPr marR="0" lvl="5" algn="l" rtl="0">
         <a:lnSpc>
           <a:spcPct val="100000"/>
         </a:lnSpc>
@@ -10068,7 +10055,7 @@
           <a:srgbClr val="000000"/>
         </a:buClr>
         <a:buFont typeface="Arial"/>
-        <a:defRPr b="0" i="0" sz="1400" u="none" cap="none" strike="noStrike">
+        <a:defRPr sz="1400" b="0" i="0" u="none" strike="noStrike" cap="none">
           <a:solidFill>
             <a:srgbClr val="000000"/>
           </a:solidFill>
@@ -10078,7 +10065,7 @@
           <a:sym typeface="Arial"/>
         </a:defRPr>
       </a:lvl6pPr>
-      <a:lvl7pPr lvl="6" marR="0" rtl="0" algn="l">
+      <a:lvl7pPr marR="0" lvl="6" algn="l" rtl="0">
         <a:lnSpc>
           <a:spcPct val="100000"/>
         </a:lnSpc>
@@ -10092,7 +10079,7 @@
           <a:srgbClr val="000000"/>
         </a:buClr>
         <a:buFont typeface="Arial"/>
-        <a:defRPr b="0" i="0" sz="1400" u="none" cap="none" strike="noStrike">
+        <a:defRPr sz="1400" b="0" i="0" u="none" strike="noStrike" cap="none">
           <a:solidFill>
             <a:srgbClr val="000000"/>
           </a:solidFill>
@@ -10102,7 +10089,7 @@
           <a:sym typeface="Arial"/>
         </a:defRPr>
       </a:lvl7pPr>
-      <a:lvl8pPr lvl="7" marR="0" rtl="0" algn="l">
+      <a:lvl8pPr marR="0" lvl="7" algn="l" rtl="0">
         <a:lnSpc>
           <a:spcPct val="100000"/>
         </a:lnSpc>
@@ -10116,7 +10103,7 @@
           <a:srgbClr val="000000"/>
         </a:buClr>
         <a:buFont typeface="Arial"/>
-        <a:defRPr b="0" i="0" sz="1400" u="none" cap="none" strike="noStrike">
+        <a:defRPr sz="1400" b="0" i="0" u="none" strike="noStrike" cap="none">
           <a:solidFill>
             <a:srgbClr val="000000"/>
           </a:solidFill>
@@ -10126,7 +10113,7 @@
           <a:sym typeface="Arial"/>
         </a:defRPr>
       </a:lvl8pPr>
-      <a:lvl9pPr lvl="8" marR="0" rtl="0" algn="l">
+      <a:lvl9pPr marR="0" lvl="8" algn="l" rtl="0">
         <a:lnSpc>
           <a:spcPct val="100000"/>
         </a:lnSpc>
@@ -10140,7 +10127,7 @@
           <a:srgbClr val="000000"/>
         </a:buClr>
         <a:buFont typeface="Arial"/>
-        <a:defRPr b="0" i="0" sz="1400" u="none" cap="none" strike="noStrike">
+        <a:defRPr sz="1400" b="0" i="0" u="none" strike="noStrike" cap="none">
           <a:solidFill>
             <a:srgbClr val="000000"/>
           </a:solidFill>
@@ -10152,7 +10139,7 @@
       </a:lvl9pPr>
     </p:bodyStyle>
     <p:otherStyle>
-      <a:defPPr lvl="0" marR="0" rtl="0" algn="l">
+      <a:defPPr marR="0" lvl="0" algn="l" rtl="0">
         <a:lnSpc>
           <a:spcPct val="100000"/>
         </a:lnSpc>
@@ -10163,7 +10150,7 @@
           <a:spcPts val="0"/>
         </a:spcAft>
       </a:defPPr>
-      <a:lvl1pPr lvl="0" marR="0" rtl="0" algn="l">
+      <a:lvl1pPr marR="0" lvl="0" algn="l" rtl="0">
         <a:lnSpc>
           <a:spcPct val="100000"/>
         </a:lnSpc>
@@ -10177,7 +10164,7 @@
           <a:srgbClr val="000000"/>
         </a:buClr>
         <a:buFont typeface="Arial"/>
-        <a:defRPr b="0" i="0" sz="1400" u="none" cap="none" strike="noStrike">
+        <a:defRPr sz="1400" b="0" i="0" u="none" strike="noStrike" cap="none">
           <a:solidFill>
             <a:srgbClr val="000000"/>
           </a:solidFill>
@@ -10187,7 +10174,7 @@
           <a:sym typeface="Arial"/>
         </a:defRPr>
       </a:lvl1pPr>
-      <a:lvl2pPr lvl="1" marR="0" rtl="0" algn="l">
+      <a:lvl2pPr marR="0" lvl="1" algn="l" rtl="0">
         <a:lnSpc>
           <a:spcPct val="100000"/>
         </a:lnSpc>
@@ -10201,7 +10188,7 @@
           <a:srgbClr val="000000"/>
         </a:buClr>
         <a:buFont typeface="Arial"/>
-        <a:defRPr b="0" i="0" sz="1400" u="none" cap="none" strike="noStrike">
+        <a:defRPr sz="1400" b="0" i="0" u="none" strike="noStrike" cap="none">
           <a:solidFill>
             <a:srgbClr val="000000"/>
           </a:solidFill>
@@ -10211,7 +10198,7 @@
           <a:sym typeface="Arial"/>
         </a:defRPr>
       </a:lvl2pPr>
-      <a:lvl3pPr lvl="2" marR="0" rtl="0" algn="l">
+      <a:lvl3pPr marR="0" lvl="2" algn="l" rtl="0">
         <a:lnSpc>
           <a:spcPct val="100000"/>
         </a:lnSpc>
@@ -10225,7 +10212,7 @@
           <a:srgbClr val="000000"/>
         </a:buClr>
         <a:buFont typeface="Arial"/>
-        <a:defRPr b="0" i="0" sz="1400" u="none" cap="none" strike="noStrike">
+        <a:defRPr sz="1400" b="0" i="0" u="none" strike="noStrike" cap="none">
           <a:solidFill>
             <a:srgbClr val="000000"/>
           </a:solidFill>
@@ -10235,7 +10222,7 @@
           <a:sym typeface="Arial"/>
         </a:defRPr>
       </a:lvl3pPr>
-      <a:lvl4pPr lvl="3" marR="0" rtl="0" algn="l">
+      <a:lvl4pPr marR="0" lvl="3" algn="l" rtl="0">
         <a:lnSpc>
           <a:spcPct val="100000"/>
         </a:lnSpc>
@@ -10249,7 +10236,7 @@
           <a:srgbClr val="000000"/>
         </a:buClr>
         <a:buFont typeface="Arial"/>
-        <a:defRPr b="0" i="0" sz="1400" u="none" cap="none" strike="noStrike">
+        <a:defRPr sz="1400" b="0" i="0" u="none" strike="noStrike" cap="none">
           <a:solidFill>
             <a:srgbClr val="000000"/>
           </a:solidFill>
@@ -10259,7 +10246,7 @@
           <a:sym typeface="Arial"/>
         </a:defRPr>
       </a:lvl4pPr>
-      <a:lvl5pPr lvl="4" marR="0" rtl="0" algn="l">
+      <a:lvl5pPr marR="0" lvl="4" algn="l" rtl="0">
         <a:lnSpc>
           <a:spcPct val="100000"/>
         </a:lnSpc>
@@ -10273,7 +10260,7 @@
           <a:srgbClr val="000000"/>
         </a:buClr>
         <a:buFont typeface="Arial"/>
-        <a:defRPr b="0" i="0" sz="1400" u="none" cap="none" strike="noStrike">
+        <a:defRPr sz="1400" b="0" i="0" u="none" strike="noStrike" cap="none">
           <a:solidFill>
             <a:srgbClr val="000000"/>
           </a:solidFill>
@@ -10283,7 +10270,7 @@
           <a:sym typeface="Arial"/>
         </a:defRPr>
       </a:lvl5pPr>
-      <a:lvl6pPr lvl="5" marR="0" rtl="0" algn="l">
+      <a:lvl6pPr marR="0" lvl="5" algn="l" rtl="0">
         <a:lnSpc>
           <a:spcPct val="100000"/>
         </a:lnSpc>
@@ -10297,7 +10284,7 @@
           <a:srgbClr val="000000"/>
         </a:buClr>
         <a:buFont typeface="Arial"/>
-        <a:defRPr b="0" i="0" sz="1400" u="none" cap="none" strike="noStrike">
+        <a:defRPr sz="1400" b="0" i="0" u="none" strike="noStrike" cap="none">
           <a:solidFill>
             <a:srgbClr val="000000"/>
           </a:solidFill>
@@ -10307,7 +10294,7 @@
           <a:sym typeface="Arial"/>
         </a:defRPr>
       </a:lvl6pPr>
-      <a:lvl7pPr lvl="6" marR="0" rtl="0" algn="l">
+      <a:lvl7pPr marR="0" lvl="6" algn="l" rtl="0">
         <a:lnSpc>
           <a:spcPct val="100000"/>
         </a:lnSpc>
@@ -10321,7 +10308,7 @@
           <a:srgbClr val="000000"/>
         </a:buClr>
         <a:buFont typeface="Arial"/>
-        <a:defRPr b="0" i="0" sz="1400" u="none" cap="none" strike="noStrike">
+        <a:defRPr sz="1400" b="0" i="0" u="none" strike="noStrike" cap="none">
           <a:solidFill>
             <a:srgbClr val="000000"/>
           </a:solidFill>
@@ -10331,7 +10318,7 @@
           <a:sym typeface="Arial"/>
         </a:defRPr>
       </a:lvl7pPr>
-      <a:lvl8pPr lvl="7" marR="0" rtl="0" algn="l">
+      <a:lvl8pPr marR="0" lvl="7" algn="l" rtl="0">
         <a:lnSpc>
           <a:spcPct val="100000"/>
         </a:lnSpc>
@@ -10345,7 +10332,7 @@
           <a:srgbClr val="000000"/>
         </a:buClr>
         <a:buFont typeface="Arial"/>
-        <a:defRPr b="0" i="0" sz="1400" u="none" cap="none" strike="noStrike">
+        <a:defRPr sz="1400" b="0" i="0" u="none" strike="noStrike" cap="none">
           <a:solidFill>
             <a:srgbClr val="000000"/>
           </a:solidFill>
@@ -10355,7 +10342,7 @@
           <a:sym typeface="Arial"/>
         </a:defRPr>
       </a:lvl8pPr>
-      <a:lvl9pPr lvl="8" marR="0" rtl="0" algn="l">
+      <a:lvl9pPr marR="0" lvl="8" algn="l" rtl="0">
         <a:lnSpc>
           <a:spcPct val="100000"/>
         </a:lnSpc>
@@ -10369,7 +10356,7 @@
           <a:srgbClr val="000000"/>
         </a:buClr>
         <a:buFont typeface="Arial"/>
-        <a:defRPr b="0" i="0" sz="1400" u="none" cap="none" strike="noStrike">
+        <a:defRPr sz="1400" b="0" i="0" u="none" strike="noStrike" cap="none">
           <a:solidFill>
             <a:srgbClr val="000000"/>
           </a:solidFill>
@@ -10385,11 +10372,11 @@
 </file>
 
 <file path=ppt/slides/slide1.xml><?xml version="1.0" encoding="utf-8"?>
-<p:sld xmlns:a="http://schemas.openxmlformats.org/drawingml/2006/main" xmlns:r="http://schemas.openxmlformats.org/officeDocument/2006/relationships" xmlns:mc="http://schemas.openxmlformats.org/markup-compatibility/2006" xmlns:mv="urn:schemas-microsoft-com:mac:vml" xmlns:p="http://schemas.openxmlformats.org/presentationml/2006/main" xmlns:c="http://schemas.openxmlformats.org/drawingml/2006/chart" xmlns:dgm="http://schemas.openxmlformats.org/drawingml/2006/diagram" xmlns:o="urn:schemas-microsoft-com:office:office" xmlns:v="urn:schemas-microsoft-com:vml" xmlns:pvml="urn:schemas-microsoft-com:office:powerpoint" xmlns:com="http://schemas.openxmlformats.org/drawingml/2006/compatibility" xmlns:p14="http://schemas.microsoft.com/office/powerpoint/2010/main" xmlns:p15="http://schemas.microsoft.com/office/powerpoint/2012/main" xmlns:ahyp="http://schemas.microsoft.com/office/drawing/2018/hyperlinkcolor">
+<p:sld xmlns:a="http://schemas.openxmlformats.org/drawingml/2006/main" xmlns:r="http://schemas.openxmlformats.org/officeDocument/2006/relationships" xmlns:p="http://schemas.openxmlformats.org/presentationml/2006/main">
   <p:cSld>
     <p:spTree>
       <p:nvGrpSpPr>
-        <p:cNvPr id="133" name="Shape 133"/>
+        <p:cNvPr id="1" name="Shape 133"/>
         <p:cNvGrpSpPr/>
         <p:nvPr/>
       </p:nvGrpSpPr>
@@ -10404,7 +10391,9 @@
       <p:sp>
         <p:nvSpPr>
           <p:cNvPr id="134" name="Google Shape;134;p13"/>
-          <p:cNvSpPr txBox="1"/>
+          <p:cNvSpPr txBox="1">
+            <a:spLocks noGrp="1"/>
+          </p:cNvSpPr>
           <p:nvPr>
             <p:ph type="ctrTitle"/>
           </p:nvPr>
@@ -10419,12 +10408,12 @@
           </a:prstGeom>
         </p:spPr>
         <p:txBody>
-          <a:bodyPr anchorCtr="0" anchor="t" bIns="91425" lIns="91425" spcFirstLastPara="1" rIns="91425" wrap="square" tIns="91425">
+          <a:bodyPr spcFirstLastPara="1" wrap="square" lIns="91425" tIns="91425" rIns="91425" bIns="91425" anchor="t" anchorCtr="0">
             <a:normAutofit fontScale="90000"/>
           </a:bodyPr>
           <a:lstStyle/>
           <a:p>
-            <a:pPr indent="0" lvl="0" marL="0" rtl="0" algn="l">
+            <a:pPr marL="0" lvl="0" indent="0" algn="l" rtl="0">
               <a:spcBef>
                 <a:spcPts val="0"/>
               </a:spcBef>
@@ -10434,7 +10423,7 @@
               <a:buNone/>
             </a:pPr>
             <a:r>
-              <a:rPr b="1" lang="en">
+              <a:rPr lang="en" b="1">
                 <a:latin typeface="Georgia"/>
                 <a:ea typeface="Georgia"/>
                 <a:cs typeface="Georgia"/>
@@ -10450,7 +10439,7 @@
             </a:endParaRPr>
           </a:p>
           <a:p>
-            <a:pPr indent="0" lvl="0" marL="0" rtl="0" algn="l">
+            <a:pPr marL="0" lvl="0" indent="0" algn="l" rtl="0">
               <a:spcBef>
                 <a:spcPts val="0"/>
               </a:spcBef>
@@ -10460,7 +10449,7 @@
               <a:buNone/>
             </a:pPr>
             <a:r>
-              <a:rPr i="1" lang="en">
+              <a:rPr lang="en" i="1">
                 <a:latin typeface="Georgia"/>
                 <a:ea typeface="Georgia"/>
                 <a:cs typeface="Georgia"/>
@@ -10480,9 +10469,11 @@
       <p:sp>
         <p:nvSpPr>
           <p:cNvPr id="135" name="Google Shape;135;p13"/>
-          <p:cNvSpPr txBox="1"/>
+          <p:cNvSpPr txBox="1">
+            <a:spLocks noGrp="1"/>
+          </p:cNvSpPr>
           <p:nvPr>
-            <p:ph idx="1" type="subTitle"/>
+            <p:ph type="subTitle" idx="1"/>
           </p:nvPr>
         </p:nvSpPr>
         <p:spPr>
@@ -10495,12 +10486,12 @@
           </a:prstGeom>
         </p:spPr>
         <p:txBody>
-          <a:bodyPr anchorCtr="0" anchor="t" bIns="91425" lIns="91425" spcFirstLastPara="1" rIns="91425" wrap="square" tIns="91425">
+          <a:bodyPr spcFirstLastPara="1" wrap="square" lIns="91425" tIns="91425" rIns="91425" bIns="91425" anchor="t" anchorCtr="0">
             <a:normAutofit/>
           </a:bodyPr>
           <a:lstStyle/>
           <a:p>
-            <a:pPr indent="0" lvl="0" marL="0" rtl="0" algn="l">
+            <a:pPr marL="0" lvl="0" indent="0" algn="l" rtl="0">
               <a:spcBef>
                 <a:spcPts val="0"/>
               </a:spcBef>
@@ -10536,11 +10527,11 @@
 </file>
 
 <file path=ppt/slides/slide10.xml><?xml version="1.0" encoding="utf-8"?>
-<p:sld xmlns:a="http://schemas.openxmlformats.org/drawingml/2006/main" xmlns:r="http://schemas.openxmlformats.org/officeDocument/2006/relationships" xmlns:mc="http://schemas.openxmlformats.org/markup-compatibility/2006" xmlns:mv="urn:schemas-microsoft-com:mac:vml" xmlns:p="http://schemas.openxmlformats.org/presentationml/2006/main" xmlns:c="http://schemas.openxmlformats.org/drawingml/2006/chart" xmlns:dgm="http://schemas.openxmlformats.org/drawingml/2006/diagram" xmlns:o="urn:schemas-microsoft-com:office:office" xmlns:v="urn:schemas-microsoft-com:vml" xmlns:pvml="urn:schemas-microsoft-com:office:powerpoint" xmlns:com="http://schemas.openxmlformats.org/drawingml/2006/compatibility" xmlns:p14="http://schemas.microsoft.com/office/powerpoint/2010/main" xmlns:p15="http://schemas.microsoft.com/office/powerpoint/2012/main" xmlns:ahyp="http://schemas.microsoft.com/office/drawing/2018/hyperlinkcolor">
+<p:sld xmlns:a="http://schemas.openxmlformats.org/drawingml/2006/main" xmlns:r="http://schemas.openxmlformats.org/officeDocument/2006/relationships" xmlns:p="http://schemas.openxmlformats.org/presentationml/2006/main">
   <p:cSld>
     <p:spTree>
       <p:nvGrpSpPr>
-        <p:cNvPr id="193" name="Shape 193"/>
+        <p:cNvPr id="1" name="Shape 193"/>
         <p:cNvGrpSpPr/>
         <p:nvPr/>
       </p:nvGrpSpPr>
@@ -10555,7 +10546,9 @@
       <p:sp>
         <p:nvSpPr>
           <p:cNvPr id="194" name="Google Shape;194;p22"/>
-          <p:cNvSpPr txBox="1"/>
+          <p:cNvSpPr txBox="1">
+            <a:spLocks noGrp="1"/>
+          </p:cNvSpPr>
           <p:nvPr>
             <p:ph type="title"/>
           </p:nvPr>
@@ -10570,12 +10563,12 @@
           </a:prstGeom>
         </p:spPr>
         <p:txBody>
-          <a:bodyPr anchorCtr="0" anchor="t" bIns="91425" lIns="91425" spcFirstLastPara="1" rIns="91425" wrap="square" tIns="91425">
+          <a:bodyPr spcFirstLastPara="1" wrap="square" lIns="91425" tIns="91425" rIns="91425" bIns="91425" anchor="t" anchorCtr="0">
             <a:normAutofit/>
           </a:bodyPr>
           <a:lstStyle/>
           <a:p>
-            <a:pPr indent="0" lvl="0" marL="0" rtl="0" algn="ctr">
+            <a:pPr marL="0" lvl="0" indent="0" algn="ctr" rtl="0">
               <a:spcBef>
                 <a:spcPts val="0"/>
               </a:spcBef>
@@ -10585,15 +10578,42 @@
               <a:buNone/>
             </a:pPr>
             <a:r>
-              <a:rPr lang="en" sz="3000">
+              <a:rPr lang="en" sz="3000" dirty="0">
                 <a:latin typeface="Georgia"/>
                 <a:ea typeface="Georgia"/>
                 <a:cs typeface="Georgia"/>
                 <a:sym typeface="Georgia"/>
               </a:rPr>
-              <a:t>Offense vs. Bias</a:t>
+              <a:t>Offense </a:t>
             </a:r>
-            <a:endParaRPr sz="3000">
+            <a:r>
+              <a:rPr lang="en" sz="2800" dirty="0">
+                <a:latin typeface="Georgia"/>
+                <a:ea typeface="Georgia"/>
+                <a:cs typeface="Georgia"/>
+                <a:sym typeface="Georgia"/>
+              </a:rPr>
+              <a:t>(multiple) </a:t>
+            </a:r>
+            <a:r>
+              <a:rPr lang="en" sz="3000" dirty="0">
+                <a:latin typeface="Georgia"/>
+                <a:ea typeface="Georgia"/>
+                <a:cs typeface="Georgia"/>
+                <a:sym typeface="Georgia"/>
+              </a:rPr>
+              <a:t>vs. Bias </a:t>
+            </a:r>
+            <a:r>
+              <a:rPr lang="en" sz="2800" dirty="0">
+                <a:latin typeface="Georgia"/>
+                <a:ea typeface="Georgia"/>
+                <a:cs typeface="Georgia"/>
+                <a:sym typeface="Georgia"/>
+              </a:rPr>
+              <a:t>(multiple)</a:t>
+            </a:r>
+            <a:endParaRPr sz="3000" dirty="0">
               <a:latin typeface="Georgia"/>
               <a:ea typeface="Georgia"/>
               <a:cs typeface="Georgia"/>
@@ -10639,11 +10659,11 @@
 </file>
 
 <file path=ppt/slides/slide11.xml><?xml version="1.0" encoding="utf-8"?>
-<p:sld xmlns:a="http://schemas.openxmlformats.org/drawingml/2006/main" xmlns:r="http://schemas.openxmlformats.org/officeDocument/2006/relationships" xmlns:mc="http://schemas.openxmlformats.org/markup-compatibility/2006" xmlns:mv="urn:schemas-microsoft-com:mac:vml" xmlns:p="http://schemas.openxmlformats.org/presentationml/2006/main" xmlns:c="http://schemas.openxmlformats.org/drawingml/2006/chart" xmlns:dgm="http://schemas.openxmlformats.org/drawingml/2006/diagram" xmlns:o="urn:schemas-microsoft-com:office:office" xmlns:v="urn:schemas-microsoft-com:vml" xmlns:pvml="urn:schemas-microsoft-com:office:powerpoint" xmlns:com="http://schemas.openxmlformats.org/drawingml/2006/compatibility" xmlns:p14="http://schemas.microsoft.com/office/powerpoint/2010/main" xmlns:p15="http://schemas.microsoft.com/office/powerpoint/2012/main" xmlns:ahyp="http://schemas.microsoft.com/office/drawing/2018/hyperlinkcolor">
+<p:sld xmlns:a="http://schemas.openxmlformats.org/drawingml/2006/main" xmlns:r="http://schemas.openxmlformats.org/officeDocument/2006/relationships" xmlns:p="http://schemas.openxmlformats.org/presentationml/2006/main">
   <p:cSld>
     <p:spTree>
       <p:nvGrpSpPr>
-        <p:cNvPr id="199" name="Shape 199"/>
+        <p:cNvPr id="1" name="Shape 199"/>
         <p:cNvGrpSpPr/>
         <p:nvPr/>
       </p:nvGrpSpPr>
@@ -10658,7 +10678,9 @@
       <p:sp>
         <p:nvSpPr>
           <p:cNvPr id="200" name="Google Shape;200;p23"/>
-          <p:cNvSpPr txBox="1"/>
+          <p:cNvSpPr txBox="1">
+            <a:spLocks noGrp="1"/>
+          </p:cNvSpPr>
           <p:nvPr>
             <p:ph type="title"/>
           </p:nvPr>
@@ -10673,12 +10695,12 @@
           </a:prstGeom>
         </p:spPr>
         <p:txBody>
-          <a:bodyPr anchorCtr="0" anchor="t" bIns="91425" lIns="91425" spcFirstLastPara="1" rIns="91425" wrap="square" tIns="91425">
-            <a:normAutofit/>
+          <a:bodyPr spcFirstLastPara="1" wrap="square" lIns="91425" tIns="91425" rIns="91425" bIns="91425" anchor="t" anchorCtr="0">
+            <a:normAutofit fontScale="90000"/>
           </a:bodyPr>
           <a:lstStyle/>
           <a:p>
-            <a:pPr indent="0" lvl="0" marL="0" rtl="0" algn="ctr">
+            <a:pPr marL="0" lvl="0" indent="0" algn="ctr" rtl="0">
               <a:spcBef>
                 <a:spcPts val="0"/>
               </a:spcBef>
@@ -10688,24 +10710,79 @@
               <a:buNone/>
             </a:pPr>
             <a:r>
-              <a:rPr lang="en" sz="3000">
+              <a:rPr lang="en" sz="3000" dirty="0">
                 <a:latin typeface="Georgia"/>
                 <a:ea typeface="Georgia"/>
                 <a:cs typeface="Georgia"/>
                 <a:sym typeface="Georgia"/>
               </a:rPr>
-              <a:t>Offense vs. Bias</a:t>
+              <a:t>Offense </a:t>
             </a:r>
-            <a:endParaRPr/>
+            <a:r>
+              <a:rPr lang="en" sz="2200" dirty="0">
+                <a:latin typeface="Georgia"/>
+                <a:ea typeface="Georgia"/>
+                <a:cs typeface="Georgia"/>
+                <a:sym typeface="Georgia"/>
+              </a:rPr>
+              <a:t>(multiple/single) </a:t>
+            </a:r>
+            <a:r>
+              <a:rPr lang="en" sz="3000" dirty="0">
+                <a:latin typeface="Georgia"/>
+                <a:ea typeface="Georgia"/>
+                <a:cs typeface="Georgia"/>
+                <a:sym typeface="Georgia"/>
+              </a:rPr>
+              <a:t>vs. Bias </a:t>
+            </a:r>
+            <a:r>
+              <a:rPr lang="en" sz="2200" dirty="0">
+                <a:latin typeface="Georgia"/>
+                <a:ea typeface="Georgia"/>
+                <a:cs typeface="Georgia"/>
+                <a:sym typeface="Georgia"/>
+              </a:rPr>
+              <a:t>(multiple/single)</a:t>
+            </a:r>
+            <a:r>
+              <a:rPr lang="en" sz="3000" dirty="0">
+                <a:latin typeface="Georgia"/>
+                <a:ea typeface="Georgia"/>
+                <a:cs typeface="Georgia"/>
+                <a:sym typeface="Georgia"/>
+              </a:rPr>
+              <a:t>: </a:t>
+            </a:r>
+            <a:br>
+              <a:rPr lang="en" sz="3000" dirty="0">
+                <a:latin typeface="Georgia"/>
+                <a:ea typeface="Georgia"/>
+                <a:cs typeface="Georgia"/>
+                <a:sym typeface="Georgia"/>
+              </a:rPr>
+            </a:br>
+            <a:r>
+              <a:rPr lang="en" sz="3000" dirty="0">
+                <a:latin typeface="Georgia"/>
+                <a:ea typeface="Georgia"/>
+                <a:cs typeface="Georgia"/>
+                <a:sym typeface="Georgia"/>
+              </a:rPr>
+              <a:t>Are they related??</a:t>
+            </a:r>
+            <a:endParaRPr dirty="0"/>
           </a:p>
         </p:txBody>
       </p:sp>
       <p:sp>
         <p:nvSpPr>
           <p:cNvPr id="201" name="Google Shape;201;p23"/>
-          <p:cNvSpPr txBox="1"/>
+          <p:cNvSpPr txBox="1">
+            <a:spLocks noGrp="1"/>
+          </p:cNvSpPr>
           <p:nvPr>
-            <p:ph idx="1" type="body"/>
+            <p:ph type="body" idx="1"/>
           </p:nvPr>
         </p:nvSpPr>
         <p:spPr>
@@ -10718,12 +10795,12 @@
           </a:prstGeom>
         </p:spPr>
         <p:txBody>
-          <a:bodyPr anchorCtr="0" anchor="t" bIns="91425" lIns="91425" spcFirstLastPara="1" rIns="91425" wrap="square" tIns="91425">
-            <a:normAutofit lnSpcReduction="10000"/>
+          <a:bodyPr spcFirstLastPara="1" wrap="square" lIns="91425" tIns="91425" rIns="91425" bIns="91425" anchor="t" anchorCtr="0">
+            <a:normAutofit/>
           </a:bodyPr>
           <a:lstStyle/>
           <a:p>
-            <a:pPr indent="-355600" lvl="0" marL="457200" rtl="0" algn="l">
+            <a:pPr marL="457200" lvl="0" indent="-355600" algn="l" rtl="0">
               <a:spcBef>
                 <a:spcPts val="0"/>
               </a:spcBef>
@@ -10735,7 +10812,7 @@
               <a:buChar char="-"/>
             </a:pPr>
             <a:r>
-              <a:rPr lang="en" sz="2000">
+              <a:rPr lang="en" sz="2000" dirty="0">
                 <a:latin typeface="Georgia"/>
                 <a:ea typeface="Georgia"/>
                 <a:cs typeface="Georgia"/>
@@ -10743,7 +10820,34 @@
               </a:rPr>
               <a:t>Offense and Bias are statistically significantly related to each other </a:t>
             </a:r>
-            <a:endParaRPr sz="2000">
+            <a:r>
+              <a:rPr lang="en" sz="1800" dirty="0">
+                <a:latin typeface="Georgia"/>
+                <a:ea typeface="Georgia"/>
+                <a:cs typeface="Georgia"/>
+                <a:sym typeface="Georgia"/>
+              </a:rPr>
+              <a:t>(</a:t>
+            </a:r>
+            <a:r>
+              <a:rPr lang="en" sz="1800" i="1" dirty="0">
+                <a:latin typeface="Georgia"/>
+                <a:ea typeface="Georgia"/>
+                <a:cs typeface="Georgia"/>
+                <a:sym typeface="Georgia"/>
+              </a:rPr>
+              <a:t>according to Chi-square test of independence</a:t>
+            </a:r>
+            <a:r>
+              <a:rPr lang="en" sz="1800" dirty="0">
+                <a:latin typeface="Georgia"/>
+                <a:ea typeface="Georgia"/>
+                <a:cs typeface="Georgia"/>
+                <a:sym typeface="Georgia"/>
+              </a:rPr>
+              <a:t>)</a:t>
+            </a:r>
+            <a:endParaRPr sz="1800" dirty="0">
               <a:latin typeface="Georgia"/>
               <a:ea typeface="Georgia"/>
               <a:cs typeface="Georgia"/>
@@ -10751,7 +10855,7 @@
             </a:endParaRPr>
           </a:p>
           <a:p>
-            <a:pPr indent="0" lvl="0" marL="457200" rtl="0" algn="l">
+            <a:pPr marL="457200" lvl="0" indent="0" algn="l" rtl="0">
               <a:spcBef>
                 <a:spcPts val="1200"/>
               </a:spcBef>
@@ -10760,10 +10864,7 @@
               </a:spcAft>
               <a:buNone/>
             </a:pPr>
-            <a:r>
-              <a:t/>
-            </a:r>
-            <a:endParaRPr sz="2000">
+            <a:endParaRPr sz="2000" dirty="0">
               <a:latin typeface="Georgia"/>
               <a:ea typeface="Georgia"/>
               <a:cs typeface="Georgia"/>
@@ -10771,7 +10872,7 @@
             </a:endParaRPr>
           </a:p>
           <a:p>
-            <a:pPr indent="-355600" lvl="0" marL="457200" rtl="0" algn="l">
+            <a:pPr marL="457200" lvl="0" indent="-355600" algn="l" rtl="0">
               <a:spcBef>
                 <a:spcPts val="1200"/>
               </a:spcBef>
@@ -10783,33 +10884,15 @@
               <a:buChar char="-"/>
             </a:pPr>
             <a:r>
-              <a:rPr lang="en" sz="2000">
+              <a:rPr lang="en" sz="2000" dirty="0">
                 <a:latin typeface="Georgia"/>
                 <a:ea typeface="Georgia"/>
                 <a:cs typeface="Georgia"/>
                 <a:sym typeface="Georgia"/>
               </a:rPr>
-              <a:t>We don’t know the strength or </a:t>
+              <a:t>We don’t know the strength or association of the relationship, however; we just know that a relationship exists</a:t>
             </a:r>
-            <a:r>
-              <a:rPr lang="en" sz="2000">
-                <a:latin typeface="Georgia"/>
-                <a:ea typeface="Georgia"/>
-                <a:cs typeface="Georgia"/>
-                <a:sym typeface="Georgia"/>
-              </a:rPr>
-              <a:t>association</a:t>
-            </a:r>
-            <a:r>
-              <a:rPr lang="en" sz="2000">
-                <a:latin typeface="Georgia"/>
-                <a:ea typeface="Georgia"/>
-                <a:cs typeface="Georgia"/>
-                <a:sym typeface="Georgia"/>
-              </a:rPr>
-              <a:t> of the relationship, however; we just know that a relationship exists</a:t>
-            </a:r>
-            <a:endParaRPr sz="2000">
+            <a:endParaRPr sz="2000" dirty="0">
               <a:latin typeface="Georgia"/>
               <a:ea typeface="Georgia"/>
               <a:cs typeface="Georgia"/>
@@ -10817,7 +10900,7 @@
             </a:endParaRPr>
           </a:p>
           <a:p>
-            <a:pPr indent="0" lvl="0" marL="0" rtl="0" algn="l">
+            <a:pPr marL="0" lvl="0" indent="0" algn="l" rtl="0">
               <a:spcBef>
                 <a:spcPts val="1200"/>
               </a:spcBef>
@@ -10826,10 +10909,7 @@
               </a:spcAft>
               <a:buNone/>
             </a:pPr>
-            <a:r>
-              <a:t/>
-            </a:r>
-            <a:endParaRPr/>
+            <a:endParaRPr dirty="0"/>
           </a:p>
         </p:txBody>
       </p:sp>
@@ -10842,11 +10922,11 @@
 </file>
 
 <file path=ppt/slides/slide12.xml><?xml version="1.0" encoding="utf-8"?>
-<p:sld xmlns:a="http://schemas.openxmlformats.org/drawingml/2006/main" xmlns:r="http://schemas.openxmlformats.org/officeDocument/2006/relationships" xmlns:mc="http://schemas.openxmlformats.org/markup-compatibility/2006" xmlns:mv="urn:schemas-microsoft-com:mac:vml" xmlns:p="http://schemas.openxmlformats.org/presentationml/2006/main" xmlns:c="http://schemas.openxmlformats.org/drawingml/2006/chart" xmlns:dgm="http://schemas.openxmlformats.org/drawingml/2006/diagram" xmlns:o="urn:schemas-microsoft-com:office:office" xmlns:v="urn:schemas-microsoft-com:vml" xmlns:pvml="urn:schemas-microsoft-com:office:powerpoint" xmlns:com="http://schemas.openxmlformats.org/drawingml/2006/compatibility" xmlns:p14="http://schemas.microsoft.com/office/powerpoint/2010/main" xmlns:p15="http://schemas.microsoft.com/office/powerpoint/2012/main" xmlns:ahyp="http://schemas.microsoft.com/office/drawing/2018/hyperlinkcolor">
+<p:sld xmlns:a="http://schemas.openxmlformats.org/drawingml/2006/main" xmlns:r="http://schemas.openxmlformats.org/officeDocument/2006/relationships" xmlns:p="http://schemas.openxmlformats.org/presentationml/2006/main">
   <p:cSld>
     <p:spTree>
       <p:nvGrpSpPr>
-        <p:cNvPr id="205" name="Shape 205"/>
+        <p:cNvPr id="1" name="Shape 205"/>
         <p:cNvGrpSpPr/>
         <p:nvPr/>
       </p:nvGrpSpPr>
@@ -10861,7 +10941,9 @@
       <p:sp>
         <p:nvSpPr>
           <p:cNvPr id="206" name="Google Shape;206;p24"/>
-          <p:cNvSpPr txBox="1"/>
+          <p:cNvSpPr txBox="1">
+            <a:spLocks noGrp="1"/>
+          </p:cNvSpPr>
           <p:nvPr>
             <p:ph type="title"/>
           </p:nvPr>
@@ -10876,12 +10958,12 @@
           </a:prstGeom>
         </p:spPr>
         <p:txBody>
-          <a:bodyPr anchorCtr="0" anchor="t" bIns="91425" lIns="91425" spcFirstLastPara="1" rIns="91425" wrap="square" tIns="91425">
+          <a:bodyPr spcFirstLastPara="1" wrap="square" lIns="91425" tIns="91425" rIns="91425" bIns="91425" anchor="t" anchorCtr="0">
             <a:normAutofit/>
           </a:bodyPr>
           <a:lstStyle/>
           <a:p>
-            <a:pPr indent="0" lvl="0" marL="0" rtl="0" algn="l">
+            <a:pPr marL="0" lvl="0" indent="0" algn="l" rtl="0">
               <a:spcBef>
                 <a:spcPts val="0"/>
               </a:spcBef>
@@ -10891,7 +10973,7 @@
               <a:buNone/>
             </a:pPr>
             <a:r>
-              <a:rPr lang="en" sz="3000">
+              <a:rPr lang="en" sz="3000" dirty="0">
                 <a:latin typeface="Georgia"/>
                 <a:ea typeface="Georgia"/>
                 <a:cs typeface="Georgia"/>
@@ -10899,7 +10981,7 @@
               </a:rPr>
               <a:t>Number of Victims per Hate Crime</a:t>
             </a:r>
-            <a:endParaRPr sz="3000">
+            <a:endParaRPr sz="3000" dirty="0">
               <a:latin typeface="Georgia"/>
               <a:ea typeface="Georgia"/>
               <a:cs typeface="Georgia"/>
@@ -10956,12 +11038,12 @@
           </a:ln>
         </p:spPr>
         <p:txBody>
-          <a:bodyPr anchorCtr="0" anchor="t" bIns="91425" lIns="91425" spcFirstLastPara="1" rIns="91425" wrap="square" tIns="91425">
+          <a:bodyPr spcFirstLastPara="1" wrap="square" lIns="91425" tIns="91425" rIns="91425" bIns="91425" anchor="t" anchorCtr="0">
             <a:spAutoFit/>
           </a:bodyPr>
           <a:lstStyle/>
           <a:p>
-            <a:pPr indent="0" lvl="0" marL="0" rtl="0" algn="l">
+            <a:pPr marL="0" lvl="0" indent="0" algn="l" rtl="0">
               <a:spcBef>
                 <a:spcPts val="0"/>
               </a:spcBef>
@@ -11003,11 +11085,11 @@
 </file>
 
 <file path=ppt/slides/slide13.xml><?xml version="1.0" encoding="utf-8"?>
-<p:sld xmlns:a="http://schemas.openxmlformats.org/drawingml/2006/main" xmlns:r="http://schemas.openxmlformats.org/officeDocument/2006/relationships" xmlns:mc="http://schemas.openxmlformats.org/markup-compatibility/2006" xmlns:mv="urn:schemas-microsoft-com:mac:vml" xmlns:p="http://schemas.openxmlformats.org/presentationml/2006/main" xmlns:c="http://schemas.openxmlformats.org/drawingml/2006/chart" xmlns:dgm="http://schemas.openxmlformats.org/drawingml/2006/diagram" xmlns:o="urn:schemas-microsoft-com:office:office" xmlns:v="urn:schemas-microsoft-com:vml" xmlns:pvml="urn:schemas-microsoft-com:office:powerpoint" xmlns:com="http://schemas.openxmlformats.org/drawingml/2006/compatibility" xmlns:p14="http://schemas.microsoft.com/office/powerpoint/2010/main" xmlns:p15="http://schemas.microsoft.com/office/powerpoint/2012/main" xmlns:ahyp="http://schemas.microsoft.com/office/drawing/2018/hyperlinkcolor">
+<p:sld xmlns:a="http://schemas.openxmlformats.org/drawingml/2006/main" xmlns:r="http://schemas.openxmlformats.org/officeDocument/2006/relationships" xmlns:p="http://schemas.openxmlformats.org/presentationml/2006/main">
   <p:cSld>
     <p:spTree>
       <p:nvGrpSpPr>
-        <p:cNvPr id="212" name="Shape 212"/>
+        <p:cNvPr id="1" name="Shape 212"/>
         <p:cNvGrpSpPr/>
         <p:nvPr/>
       </p:nvGrpSpPr>
@@ -11035,8 +11117,8 @@
         </p:blipFill>
         <p:spPr>
           <a:xfrm>
-            <a:off x="1119350" y="826588"/>
-            <a:ext cx="7471401" cy="3783124"/>
+            <a:off x="188394" y="1443324"/>
+            <a:ext cx="5678201" cy="3138785"/>
           </a:xfrm>
           <a:prstGeom prst="rect">
             <a:avLst/>
@@ -11047,6 +11129,115 @@
           </a:ln>
         </p:spPr>
       </p:pic>
+      <p:pic>
+        <p:nvPicPr>
+          <p:cNvPr id="5" name="Picture 4">
+            <a:extLst>
+              <a:ext uri="{FF2B5EF4-FFF2-40B4-BE49-F238E27FC236}">
+                <a16:creationId xmlns:a16="http://schemas.microsoft.com/office/drawing/2014/main" id="{65B7C088-D40B-4E22-A2AF-116A307BAB36}"/>
+              </a:ext>
+            </a:extLst>
+          </p:cNvPr>
+          <p:cNvPicPr>
+            <a:picLocks noChangeAspect="1"/>
+          </p:cNvPicPr>
+          <p:nvPr/>
+        </p:nvPicPr>
+        <p:blipFill rotWithShape="1">
+          <a:blip r:embed="rId4"/>
+          <a:srcRect t="5781" r="1010"/>
+          <a:stretch/>
+        </p:blipFill>
+        <p:spPr>
+          <a:xfrm>
+            <a:off x="4981706" y="1837838"/>
+            <a:ext cx="3912370" cy="2352780"/>
+          </a:xfrm>
+          <a:prstGeom prst="rect">
+            <a:avLst/>
+          </a:prstGeom>
+        </p:spPr>
+      </p:pic>
+      <p:sp>
+        <p:nvSpPr>
+          <p:cNvPr id="6" name="TextBox 5">
+            <a:extLst>
+              <a:ext uri="{FF2B5EF4-FFF2-40B4-BE49-F238E27FC236}">
+                <a16:creationId xmlns:a16="http://schemas.microsoft.com/office/drawing/2014/main" id="{D5DA8E5D-EEAA-499E-8F00-1D5735D95FFD}"/>
+              </a:ext>
+            </a:extLst>
+          </p:cNvPr>
+          <p:cNvSpPr txBox="1"/>
+          <p:nvPr/>
+        </p:nvSpPr>
+        <p:spPr>
+          <a:xfrm>
+            <a:off x="5866595" y="1560839"/>
+            <a:ext cx="3110798" cy="276999"/>
+          </a:xfrm>
+          <a:prstGeom prst="rect">
+            <a:avLst/>
+          </a:prstGeom>
+          <a:noFill/>
+        </p:spPr>
+        <p:txBody>
+          <a:bodyPr wrap="square" rtlCol="0">
+            <a:spAutoFit/>
+          </a:bodyPr>
+          <a:lstStyle/>
+          <a:p>
+            <a:r>
+              <a:rPr lang="en-US" sz="1200" b="1" dirty="0">
+                <a:solidFill>
+                  <a:schemeClr val="bg1"/>
+                </a:solidFill>
+                <a:latin typeface="Georgia" panose="02040502050405020303" pitchFamily="18" charset="0"/>
+              </a:rPr>
+              <a:t>Plot with some outliers removed</a:t>
+            </a:r>
+          </a:p>
+        </p:txBody>
+      </p:sp>
+      <p:sp>
+        <p:nvSpPr>
+          <p:cNvPr id="7" name="TextBox 6">
+            <a:extLst>
+              <a:ext uri="{FF2B5EF4-FFF2-40B4-BE49-F238E27FC236}">
+                <a16:creationId xmlns:a16="http://schemas.microsoft.com/office/drawing/2014/main" id="{1939C860-AEA9-4C09-BDAF-7516A19DE348}"/>
+              </a:ext>
+            </a:extLst>
+          </p:cNvPr>
+          <p:cNvSpPr txBox="1"/>
+          <p:nvPr/>
+        </p:nvSpPr>
+        <p:spPr>
+          <a:xfrm>
+            <a:off x="1217669" y="101090"/>
+            <a:ext cx="7258872" cy="707886"/>
+          </a:xfrm>
+          <a:prstGeom prst="rect">
+            <a:avLst/>
+          </a:prstGeom>
+          <a:noFill/>
+        </p:spPr>
+        <p:txBody>
+          <a:bodyPr wrap="square" rtlCol="0">
+            <a:spAutoFit/>
+          </a:bodyPr>
+          <a:lstStyle/>
+          <a:p>
+            <a:r>
+              <a:rPr lang="en-US" sz="2000" dirty="0">
+                <a:solidFill>
+                  <a:schemeClr val="bg1"/>
+                </a:solidFill>
+                <a:latin typeface="Georgia" panose="02040502050405020303" pitchFamily="18" charset="0"/>
+              </a:rPr>
+              <a:t>Outliers of total victim counts per hate crime are spread across Regions in the U.S.</a:t>
+            </a:r>
+          </a:p>
+        </p:txBody>
+      </p:sp>
     </p:spTree>
   </p:cSld>
   <p:clrMapOvr>
@@ -11056,11 +11247,11 @@
 </file>
 
 <file path=ppt/slides/slide14.xml><?xml version="1.0" encoding="utf-8"?>
-<p:sld xmlns:a="http://schemas.openxmlformats.org/drawingml/2006/main" xmlns:r="http://schemas.openxmlformats.org/officeDocument/2006/relationships" xmlns:mc="http://schemas.openxmlformats.org/markup-compatibility/2006" xmlns:mv="urn:schemas-microsoft-com:mac:vml" xmlns:p="http://schemas.openxmlformats.org/presentationml/2006/main" xmlns:c="http://schemas.openxmlformats.org/drawingml/2006/chart" xmlns:dgm="http://schemas.openxmlformats.org/drawingml/2006/diagram" xmlns:o="urn:schemas-microsoft-com:office:office" xmlns:v="urn:schemas-microsoft-com:vml" xmlns:pvml="urn:schemas-microsoft-com:office:powerpoint" xmlns:com="http://schemas.openxmlformats.org/drawingml/2006/compatibility" xmlns:p14="http://schemas.microsoft.com/office/powerpoint/2010/main" xmlns:p15="http://schemas.microsoft.com/office/powerpoint/2012/main" xmlns:ahyp="http://schemas.microsoft.com/office/drawing/2018/hyperlinkcolor">
+<p:sld xmlns:a="http://schemas.openxmlformats.org/drawingml/2006/main" xmlns:r="http://schemas.openxmlformats.org/officeDocument/2006/relationships" xmlns:p="http://schemas.openxmlformats.org/presentationml/2006/main">
   <p:cSld>
     <p:spTree>
       <p:nvGrpSpPr>
-        <p:cNvPr id="217" name="Shape 217"/>
+        <p:cNvPr id="1" name="Shape 217"/>
         <p:cNvGrpSpPr/>
         <p:nvPr/>
       </p:nvGrpSpPr>
@@ -11109,11 +11300,11 @@
 </file>
 
 <file path=ppt/slides/slide15.xml><?xml version="1.0" encoding="utf-8"?>
-<p:sld xmlns:a="http://schemas.openxmlformats.org/drawingml/2006/main" xmlns:r="http://schemas.openxmlformats.org/officeDocument/2006/relationships" xmlns:mc="http://schemas.openxmlformats.org/markup-compatibility/2006" xmlns:mv="urn:schemas-microsoft-com:mac:vml" xmlns:p="http://schemas.openxmlformats.org/presentationml/2006/main" xmlns:c="http://schemas.openxmlformats.org/drawingml/2006/chart" xmlns:dgm="http://schemas.openxmlformats.org/drawingml/2006/diagram" xmlns:o="urn:schemas-microsoft-com:office:office" xmlns:v="urn:schemas-microsoft-com:vml" xmlns:pvml="urn:schemas-microsoft-com:office:powerpoint" xmlns:com="http://schemas.openxmlformats.org/drawingml/2006/compatibility" xmlns:p14="http://schemas.microsoft.com/office/powerpoint/2010/main" xmlns:p15="http://schemas.microsoft.com/office/powerpoint/2012/main" xmlns:ahyp="http://schemas.microsoft.com/office/drawing/2018/hyperlinkcolor">
+<p:sld xmlns:a="http://schemas.openxmlformats.org/drawingml/2006/main" xmlns:r="http://schemas.openxmlformats.org/officeDocument/2006/relationships" xmlns:p="http://schemas.openxmlformats.org/presentationml/2006/main">
   <p:cSld>
     <p:spTree>
       <p:nvGrpSpPr>
-        <p:cNvPr id="222" name="Shape 222"/>
+        <p:cNvPr id="1" name="Shape 222"/>
         <p:cNvGrpSpPr/>
         <p:nvPr/>
       </p:nvGrpSpPr>
@@ -11128,7 +11319,9 @@
       <p:sp>
         <p:nvSpPr>
           <p:cNvPr id="223" name="Google Shape;223;p27"/>
-          <p:cNvSpPr txBox="1"/>
+          <p:cNvSpPr txBox="1">
+            <a:spLocks noGrp="1"/>
+          </p:cNvSpPr>
           <p:nvPr>
             <p:ph type="title"/>
           </p:nvPr>
@@ -11143,12 +11336,12 @@
           </a:prstGeom>
         </p:spPr>
         <p:txBody>
-          <a:bodyPr anchorCtr="0" anchor="t" bIns="91425" lIns="91425" spcFirstLastPara="1" rIns="91425" wrap="square" tIns="91425">
+          <a:bodyPr spcFirstLastPara="1" wrap="square" lIns="91425" tIns="91425" rIns="91425" bIns="91425" anchor="t" anchorCtr="0">
             <a:normAutofit fontScale="90000"/>
           </a:bodyPr>
           <a:lstStyle/>
           <a:p>
-            <a:pPr indent="0" lvl="0" marL="0" rtl="0" algn="l">
+            <a:pPr marL="0" lvl="0" indent="0" algn="l" rtl="0">
               <a:spcBef>
                 <a:spcPts val="0"/>
               </a:spcBef>
@@ -11159,28 +11352,12 @@
             </a:pPr>
             <a:r>
               <a:rPr lang="en"/>
-              <a:t>The dataset has many details that can be picked up for further </a:t>
-            </a:r>
-            <a:r>
-              <a:rPr lang="en"/>
-              <a:t>analysis</a:t>
-            </a:r>
-            <a:r>
-              <a:rPr lang="en"/>
-              <a:t> and to answer many other important questions. However,  more research is required to acquire data that help us </a:t>
-            </a:r>
-            <a:r>
-              <a:rPr lang="en"/>
-              <a:t>understand</a:t>
-            </a:r>
-            <a:r>
-              <a:rPr lang="en"/>
-              <a:t> any associations between variables.</a:t>
+              <a:t>The dataset has many details that can be picked up for further analysis and to answer many other important questions. However,  more research is required to acquire data that help us understand any associations between variables.</a:t>
             </a:r>
             <a:endParaRPr/>
           </a:p>
           <a:p>
-            <a:pPr indent="0" lvl="0" marL="0" rtl="0" algn="l">
+            <a:pPr marL="0" lvl="0" indent="0" algn="l" rtl="0">
               <a:spcBef>
                 <a:spcPts val="0"/>
               </a:spcBef>
@@ -11189,13 +11366,10 @@
               </a:spcAft>
               <a:buNone/>
             </a:pPr>
-            <a:r>
-              <a:t/>
-            </a:r>
             <a:endParaRPr/>
           </a:p>
           <a:p>
-            <a:pPr indent="0" lvl="0" marL="0" rtl="0" algn="l">
+            <a:pPr marL="0" lvl="0" indent="0" algn="l" rtl="0">
               <a:spcBef>
                 <a:spcPts val="0"/>
               </a:spcBef>
@@ -11204,13 +11378,10 @@
               </a:spcAft>
               <a:buNone/>
             </a:pPr>
-            <a:r>
-              <a:t/>
-            </a:r>
             <a:endParaRPr/>
           </a:p>
           <a:p>
-            <a:pPr indent="0" lvl="0" marL="0" rtl="0" algn="ctr">
+            <a:pPr marL="0" lvl="0" indent="0" algn="ctr" rtl="0">
               <a:spcBef>
                 <a:spcPts val="0"/>
               </a:spcBef>
@@ -11236,11 +11407,11 @@
 </file>
 
 <file path=ppt/slides/slide2.xml><?xml version="1.0" encoding="utf-8"?>
-<p:sld xmlns:a="http://schemas.openxmlformats.org/drawingml/2006/main" xmlns:r="http://schemas.openxmlformats.org/officeDocument/2006/relationships" xmlns:mc="http://schemas.openxmlformats.org/markup-compatibility/2006" xmlns:mv="urn:schemas-microsoft-com:mac:vml" xmlns:p="http://schemas.openxmlformats.org/presentationml/2006/main" xmlns:c="http://schemas.openxmlformats.org/drawingml/2006/chart" xmlns:dgm="http://schemas.openxmlformats.org/drawingml/2006/diagram" xmlns:o="urn:schemas-microsoft-com:office:office" xmlns:v="urn:schemas-microsoft-com:vml" xmlns:pvml="urn:schemas-microsoft-com:office:powerpoint" xmlns:com="http://schemas.openxmlformats.org/drawingml/2006/compatibility" xmlns:p14="http://schemas.microsoft.com/office/powerpoint/2010/main" xmlns:p15="http://schemas.microsoft.com/office/powerpoint/2012/main" xmlns:ahyp="http://schemas.microsoft.com/office/drawing/2018/hyperlinkcolor">
+<p:sld xmlns:a="http://schemas.openxmlformats.org/drawingml/2006/main" xmlns:r="http://schemas.openxmlformats.org/officeDocument/2006/relationships" xmlns:p="http://schemas.openxmlformats.org/presentationml/2006/main">
   <p:cSld>
     <p:spTree>
       <p:nvGrpSpPr>
-        <p:cNvPr id="139" name="Shape 139"/>
+        <p:cNvPr id="1" name="Shape 139"/>
         <p:cNvGrpSpPr/>
         <p:nvPr/>
       </p:nvGrpSpPr>
@@ -11255,7 +11426,9 @@
       <p:sp>
         <p:nvSpPr>
           <p:cNvPr id="140" name="Google Shape;140;p14"/>
-          <p:cNvSpPr txBox="1"/>
+          <p:cNvSpPr txBox="1">
+            <a:spLocks noGrp="1"/>
+          </p:cNvSpPr>
           <p:nvPr>
             <p:ph type="title"/>
           </p:nvPr>
@@ -11270,12 +11443,12 @@
           </a:prstGeom>
         </p:spPr>
         <p:txBody>
-          <a:bodyPr anchorCtr="0" anchor="t" bIns="91425" lIns="91425" spcFirstLastPara="1" rIns="91425" wrap="square" tIns="91425">
+          <a:bodyPr spcFirstLastPara="1" wrap="square" lIns="91425" tIns="91425" rIns="91425" bIns="91425" anchor="t" anchorCtr="0">
             <a:normAutofit/>
           </a:bodyPr>
           <a:lstStyle/>
           <a:p>
-            <a:pPr indent="0" lvl="0" marL="0" rtl="0" algn="l">
+            <a:pPr marL="0" lvl="0" indent="0" algn="l" rtl="0">
               <a:spcBef>
                 <a:spcPts val="0"/>
               </a:spcBef>
@@ -11305,9 +11478,11 @@
       <p:sp>
         <p:nvSpPr>
           <p:cNvPr id="141" name="Google Shape;141;p14"/>
-          <p:cNvSpPr txBox="1"/>
+          <p:cNvSpPr txBox="1">
+            <a:spLocks noGrp="1"/>
+          </p:cNvSpPr>
           <p:nvPr>
-            <p:ph idx="1" type="body"/>
+            <p:ph type="body" idx="1"/>
           </p:nvPr>
         </p:nvSpPr>
         <p:spPr>
@@ -11320,12 +11495,12 @@
           </a:prstGeom>
         </p:spPr>
         <p:txBody>
-          <a:bodyPr anchorCtr="0" anchor="t" bIns="91425" lIns="91425" spcFirstLastPara="1" rIns="91425" wrap="square" tIns="91425">
+          <a:bodyPr spcFirstLastPara="1" wrap="square" lIns="91425" tIns="91425" rIns="91425" bIns="91425" anchor="t" anchorCtr="0">
             <a:normAutofit/>
           </a:bodyPr>
           <a:lstStyle/>
           <a:p>
-            <a:pPr indent="-355600" lvl="0" marL="457200" rtl="0" algn="l">
+            <a:pPr marL="457200" lvl="0" indent="-355600" algn="l" rtl="0">
               <a:spcBef>
                 <a:spcPts val="0"/>
               </a:spcBef>
@@ -11343,16 +11518,7 @@
                 <a:cs typeface="Georgia"/>
                 <a:sym typeface="Georgia"/>
               </a:rPr>
-              <a:t>National hate crime d</a:t>
-            </a:r>
-            <a:r>
-              <a:rPr lang="en" sz="2000">
-                <a:latin typeface="Georgia"/>
-                <a:ea typeface="Georgia"/>
-                <a:cs typeface="Georgia"/>
-                <a:sym typeface="Georgia"/>
-              </a:rPr>
-              <a:t>ata were collected from the Federal Bureau of Investigation (FBI), Crime Data Explorer (CDE)</a:t>
+              <a:t>National hate crime data were collected from the Federal Bureau of Investigation (FBI), Crime Data Explorer (CDE)</a:t>
             </a:r>
             <a:endParaRPr sz="2000">
               <a:latin typeface="Georgia"/>
@@ -11362,7 +11528,7 @@
             </a:endParaRPr>
           </a:p>
           <a:p>
-            <a:pPr indent="-355600" lvl="0" marL="457200" rtl="0" algn="l">
+            <a:pPr marL="457200" lvl="0" indent="-355600" algn="l" rtl="0">
               <a:spcBef>
                 <a:spcPts val="0"/>
               </a:spcBef>
@@ -11390,7 +11556,7 @@
             </a:endParaRPr>
           </a:p>
           <a:p>
-            <a:pPr indent="-355600" lvl="0" marL="457200" rtl="0" algn="l">
+            <a:pPr marL="457200" lvl="0" indent="-355600" algn="l" rtl="0">
               <a:spcBef>
                 <a:spcPts val="0"/>
               </a:spcBef>
@@ -11456,11 +11622,11 @@
 </file>
 
 <file path=ppt/slides/slide3.xml><?xml version="1.0" encoding="utf-8"?>
-<p:sld xmlns:a="http://schemas.openxmlformats.org/drawingml/2006/main" xmlns:r="http://schemas.openxmlformats.org/officeDocument/2006/relationships" xmlns:mc="http://schemas.openxmlformats.org/markup-compatibility/2006" xmlns:mv="urn:schemas-microsoft-com:mac:vml" xmlns:p="http://schemas.openxmlformats.org/presentationml/2006/main" xmlns:c="http://schemas.openxmlformats.org/drawingml/2006/chart" xmlns:dgm="http://schemas.openxmlformats.org/drawingml/2006/diagram" xmlns:o="urn:schemas-microsoft-com:office:office" xmlns:v="urn:schemas-microsoft-com:vml" xmlns:pvml="urn:schemas-microsoft-com:office:powerpoint" xmlns:com="http://schemas.openxmlformats.org/drawingml/2006/compatibility" xmlns:p14="http://schemas.microsoft.com/office/powerpoint/2010/main" xmlns:p15="http://schemas.microsoft.com/office/powerpoint/2012/main" xmlns:ahyp="http://schemas.microsoft.com/office/drawing/2018/hyperlinkcolor">
+<p:sld xmlns:a="http://schemas.openxmlformats.org/drawingml/2006/main" xmlns:r="http://schemas.openxmlformats.org/officeDocument/2006/relationships" xmlns:p="http://schemas.openxmlformats.org/presentationml/2006/main">
   <p:cSld>
     <p:spTree>
       <p:nvGrpSpPr>
-        <p:cNvPr id="146" name="Shape 146"/>
+        <p:cNvPr id="1" name="Shape 146"/>
         <p:cNvGrpSpPr/>
         <p:nvPr/>
       </p:nvGrpSpPr>
@@ -11475,7 +11641,9 @@
       <p:sp>
         <p:nvSpPr>
           <p:cNvPr id="147" name="Google Shape;147;p15"/>
-          <p:cNvSpPr txBox="1"/>
+          <p:cNvSpPr txBox="1">
+            <a:spLocks noGrp="1"/>
+          </p:cNvSpPr>
           <p:nvPr>
             <p:ph type="title"/>
           </p:nvPr>
@@ -11490,12 +11658,12 @@
           </a:prstGeom>
         </p:spPr>
         <p:txBody>
-          <a:bodyPr anchorCtr="0" anchor="t" bIns="91425" lIns="91425" spcFirstLastPara="1" rIns="91425" wrap="square" tIns="91425">
+          <a:bodyPr spcFirstLastPara="1" wrap="square" lIns="91425" tIns="91425" rIns="91425" bIns="91425" anchor="t" anchorCtr="0">
             <a:normAutofit/>
           </a:bodyPr>
           <a:lstStyle/>
           <a:p>
-            <a:pPr indent="0" lvl="0" marL="0" rtl="0" algn="l">
+            <a:pPr marL="0" lvl="0" indent="0" algn="l" rtl="0">
               <a:spcBef>
                 <a:spcPts val="0"/>
               </a:spcBef>
@@ -11525,9 +11693,11 @@
       <p:sp>
         <p:nvSpPr>
           <p:cNvPr id="148" name="Google Shape;148;p15"/>
-          <p:cNvSpPr txBox="1"/>
+          <p:cNvSpPr txBox="1">
+            <a:spLocks noGrp="1"/>
+          </p:cNvSpPr>
           <p:nvPr>
-            <p:ph idx="1" type="body"/>
+            <p:ph type="body" idx="1"/>
           </p:nvPr>
         </p:nvSpPr>
         <p:spPr>
@@ -11540,12 +11710,12 @@
           </a:prstGeom>
         </p:spPr>
         <p:txBody>
-          <a:bodyPr anchorCtr="0" anchor="t" bIns="91425" lIns="91425" spcFirstLastPara="1" rIns="91425" wrap="square" tIns="91425">
+          <a:bodyPr spcFirstLastPara="1" wrap="square" lIns="91425" tIns="91425" rIns="91425" bIns="91425" anchor="t" anchorCtr="0">
             <a:normAutofit/>
           </a:bodyPr>
           <a:lstStyle/>
           <a:p>
-            <a:pPr indent="-355600" lvl="0" marL="457200" rtl="0" algn="l">
+            <a:pPr marL="457200" lvl="0" indent="-355600" algn="l" rtl="0">
               <a:spcBef>
                 <a:spcPts val="0"/>
               </a:spcBef>
@@ -11573,7 +11743,7 @@
             </a:endParaRPr>
           </a:p>
           <a:p>
-            <a:pPr indent="-355600" lvl="0" marL="457200" rtl="0" algn="l">
+            <a:pPr marL="457200" lvl="0" indent="-355600" algn="l" rtl="0">
               <a:spcBef>
                 <a:spcPts val="0"/>
               </a:spcBef>
@@ -11601,7 +11771,7 @@
             </a:endParaRPr>
           </a:p>
           <a:p>
-            <a:pPr indent="-355600" lvl="0" marL="457200" rtl="0" algn="l">
+            <a:pPr marL="457200" lvl="0" indent="-355600" algn="l" rtl="0">
               <a:spcBef>
                 <a:spcPts val="0"/>
               </a:spcBef>
@@ -11629,7 +11799,7 @@
             </a:endParaRPr>
           </a:p>
           <a:p>
-            <a:pPr indent="-355600" lvl="0" marL="457200" rtl="0" algn="l">
+            <a:pPr marL="457200" lvl="0" indent="-355600" algn="l" rtl="0">
               <a:spcBef>
                 <a:spcPts val="0"/>
               </a:spcBef>
@@ -11667,11 +11837,11 @@
 </file>
 
 <file path=ppt/slides/slide4.xml><?xml version="1.0" encoding="utf-8"?>
-<p:sld xmlns:a="http://schemas.openxmlformats.org/drawingml/2006/main" xmlns:r="http://schemas.openxmlformats.org/officeDocument/2006/relationships" xmlns:mc="http://schemas.openxmlformats.org/markup-compatibility/2006" xmlns:mv="urn:schemas-microsoft-com:mac:vml" xmlns:p="http://schemas.openxmlformats.org/presentationml/2006/main" xmlns:c="http://schemas.openxmlformats.org/drawingml/2006/chart" xmlns:dgm="http://schemas.openxmlformats.org/drawingml/2006/diagram" xmlns:o="urn:schemas-microsoft-com:office:office" xmlns:v="urn:schemas-microsoft-com:vml" xmlns:pvml="urn:schemas-microsoft-com:office:powerpoint" xmlns:com="http://schemas.openxmlformats.org/drawingml/2006/compatibility" xmlns:p14="http://schemas.microsoft.com/office/powerpoint/2010/main" xmlns:p15="http://schemas.microsoft.com/office/powerpoint/2012/main" xmlns:ahyp="http://schemas.microsoft.com/office/drawing/2018/hyperlinkcolor">
+<p:sld xmlns:a="http://schemas.openxmlformats.org/drawingml/2006/main" xmlns:r="http://schemas.openxmlformats.org/officeDocument/2006/relationships" xmlns:p="http://schemas.openxmlformats.org/presentationml/2006/main">
   <p:cSld>
     <p:spTree>
       <p:nvGrpSpPr>
-        <p:cNvPr id="152" name="Shape 152"/>
+        <p:cNvPr id="1" name="Shape 152"/>
         <p:cNvGrpSpPr/>
         <p:nvPr/>
       </p:nvGrpSpPr>
@@ -11686,7 +11856,9 @@
       <p:sp>
         <p:nvSpPr>
           <p:cNvPr id="153" name="Google Shape;153;p16"/>
-          <p:cNvSpPr txBox="1"/>
+          <p:cNvSpPr txBox="1">
+            <a:spLocks noGrp="1"/>
+          </p:cNvSpPr>
           <p:nvPr>
             <p:ph type="title"/>
           </p:nvPr>
@@ -11701,12 +11873,12 @@
           </a:prstGeom>
         </p:spPr>
         <p:txBody>
-          <a:bodyPr anchorCtr="0" anchor="t" bIns="91425" lIns="91425" spcFirstLastPara="1" rIns="91425" wrap="square" tIns="91425">
+          <a:bodyPr spcFirstLastPara="1" wrap="square" lIns="91425" tIns="91425" rIns="91425" bIns="91425" anchor="t" anchorCtr="0">
             <a:normAutofit fontScale="90000"/>
           </a:bodyPr>
           <a:lstStyle/>
           <a:p>
-            <a:pPr indent="0" lvl="0" marL="0" rtl="0" algn="ctr">
+            <a:pPr marL="0" lvl="0" indent="0" algn="ctr" rtl="0">
               <a:spcBef>
                 <a:spcPts val="0"/>
               </a:spcBef>
@@ -11770,11 +11942,11 @@
 </file>
 
 <file path=ppt/slides/slide5.xml><?xml version="1.0" encoding="utf-8"?>
-<p:sld xmlns:a="http://schemas.openxmlformats.org/drawingml/2006/main" xmlns:r="http://schemas.openxmlformats.org/officeDocument/2006/relationships" xmlns:mc="http://schemas.openxmlformats.org/markup-compatibility/2006" xmlns:mv="urn:schemas-microsoft-com:mac:vml" xmlns:p="http://schemas.openxmlformats.org/presentationml/2006/main" xmlns:c="http://schemas.openxmlformats.org/drawingml/2006/chart" xmlns:dgm="http://schemas.openxmlformats.org/drawingml/2006/diagram" xmlns:o="urn:schemas-microsoft-com:office:office" xmlns:v="urn:schemas-microsoft-com:vml" xmlns:pvml="urn:schemas-microsoft-com:office:powerpoint" xmlns:com="http://schemas.openxmlformats.org/drawingml/2006/compatibility" xmlns:p14="http://schemas.microsoft.com/office/powerpoint/2010/main" xmlns:p15="http://schemas.microsoft.com/office/powerpoint/2012/main" xmlns:ahyp="http://schemas.microsoft.com/office/drawing/2018/hyperlinkcolor">
+<p:sld xmlns:a="http://schemas.openxmlformats.org/drawingml/2006/main" xmlns:r="http://schemas.openxmlformats.org/officeDocument/2006/relationships" xmlns:p="http://schemas.openxmlformats.org/presentationml/2006/main">
   <p:cSld>
     <p:spTree>
       <p:nvGrpSpPr>
-        <p:cNvPr id="158" name="Shape 158"/>
+        <p:cNvPr id="1" name="Shape 158"/>
         <p:cNvGrpSpPr/>
         <p:nvPr/>
       </p:nvGrpSpPr>
@@ -11789,7 +11961,9 @@
       <p:sp>
         <p:nvSpPr>
           <p:cNvPr id="159" name="Google Shape;159;p17"/>
-          <p:cNvSpPr txBox="1"/>
+          <p:cNvSpPr txBox="1">
+            <a:spLocks noGrp="1"/>
+          </p:cNvSpPr>
           <p:nvPr>
             <p:ph type="title"/>
           </p:nvPr>
@@ -11804,12 +11978,12 @@
           </a:prstGeom>
         </p:spPr>
         <p:txBody>
-          <a:bodyPr anchorCtr="0" anchor="t" bIns="91425" lIns="91425" spcFirstLastPara="1" rIns="91425" wrap="square" tIns="91425">
+          <a:bodyPr spcFirstLastPara="1" wrap="square" lIns="91425" tIns="91425" rIns="91425" bIns="91425" anchor="t" anchorCtr="0">
             <a:normAutofit/>
           </a:bodyPr>
           <a:lstStyle/>
           <a:p>
-            <a:pPr indent="0" lvl="0" marL="0" rtl="0" algn="ctr">
+            <a:pPr marL="0" lvl="0" indent="0" algn="ctr" rtl="0">
               <a:spcBef>
                 <a:spcPts val="0"/>
               </a:spcBef>
@@ -11839,9 +12013,11 @@
       <p:sp>
         <p:nvSpPr>
           <p:cNvPr id="160" name="Google Shape;160;p17"/>
-          <p:cNvSpPr txBox="1"/>
+          <p:cNvSpPr txBox="1">
+            <a:spLocks noGrp="1"/>
+          </p:cNvSpPr>
           <p:nvPr>
-            <p:ph idx="1" type="body"/>
+            <p:ph type="body" idx="1"/>
           </p:nvPr>
         </p:nvSpPr>
         <p:spPr>
@@ -11854,12 +12030,12 @@
           </a:prstGeom>
         </p:spPr>
         <p:txBody>
-          <a:bodyPr anchorCtr="0" anchor="t" bIns="91425" lIns="91425" spcFirstLastPara="1" rIns="91425" wrap="square" tIns="91425">
+          <a:bodyPr spcFirstLastPara="1" wrap="square" lIns="91425" tIns="91425" rIns="91425" bIns="91425" anchor="t" anchorCtr="0">
             <a:normAutofit/>
           </a:bodyPr>
           <a:lstStyle/>
           <a:p>
-            <a:pPr indent="0" lvl="0" marL="0" rtl="0" algn="ctr">
+            <a:pPr marL="0" lvl="0" indent="0" algn="ctr" rtl="0">
               <a:spcBef>
                 <a:spcPts val="0"/>
               </a:spcBef>
@@ -11868,9 +12044,6 @@
               </a:spcAft>
               <a:buNone/>
             </a:pPr>
-            <a:r>
-              <a:t/>
-            </a:r>
             <a:endParaRPr sz="2000">
               <a:latin typeface="Georgia"/>
               <a:ea typeface="Georgia"/>
@@ -11879,7 +12052,7 @@
             </a:endParaRPr>
           </a:p>
           <a:p>
-            <a:pPr indent="0" lvl="0" marL="0" rtl="0" algn="ctr">
+            <a:pPr marL="0" lvl="0" indent="0" algn="ctr" rtl="0">
               <a:spcBef>
                 <a:spcPts val="1200"/>
               </a:spcBef>
@@ -11905,7 +12078,7 @@
             </a:endParaRPr>
           </a:p>
           <a:p>
-            <a:pPr indent="0" lvl="0" marL="0" rtl="0" algn="ctr">
+            <a:pPr marL="0" lvl="0" indent="0" algn="ctr" rtl="0">
               <a:spcBef>
                 <a:spcPts val="1200"/>
               </a:spcBef>
@@ -11914,9 +12087,6 @@
               </a:spcAft>
               <a:buNone/>
             </a:pPr>
-            <a:r>
-              <a:t/>
-            </a:r>
             <a:endParaRPr sz="2000">
               <a:latin typeface="Georgia"/>
               <a:ea typeface="Georgia"/>
@@ -11925,7 +12095,7 @@
             </a:endParaRPr>
           </a:p>
           <a:p>
-            <a:pPr indent="0" lvl="0" marL="0" rtl="0" algn="ctr">
+            <a:pPr marL="0" lvl="0" indent="0" algn="ctr" rtl="0">
               <a:spcBef>
                 <a:spcPts val="1200"/>
               </a:spcBef>
@@ -11934,9 +12104,6 @@
               </a:spcAft>
               <a:buNone/>
             </a:pPr>
-            <a:r>
-              <a:t/>
-            </a:r>
             <a:endParaRPr sz="2000">
               <a:latin typeface="Georgia"/>
               <a:ea typeface="Georgia"/>
@@ -11945,7 +12112,7 @@
             </a:endParaRPr>
           </a:p>
           <a:p>
-            <a:pPr indent="0" lvl="0" marL="0" rtl="0" algn="ctr">
+            <a:pPr marL="0" lvl="0" indent="0" algn="ctr" rtl="0">
               <a:spcBef>
                 <a:spcPts val="1200"/>
               </a:spcBef>
@@ -11954,9 +12121,6 @@
               </a:spcAft>
               <a:buNone/>
             </a:pPr>
-            <a:r>
-              <a:t/>
-            </a:r>
             <a:endParaRPr sz="2000">
               <a:latin typeface="Georgia"/>
               <a:ea typeface="Georgia"/>
@@ -11965,7 +12129,7 @@
             </a:endParaRPr>
           </a:p>
           <a:p>
-            <a:pPr indent="0" lvl="0" marL="0" rtl="0" algn="ctr">
+            <a:pPr marL="0" lvl="0" indent="0" algn="ctr" rtl="0">
               <a:spcBef>
                 <a:spcPts val="1200"/>
               </a:spcBef>
@@ -12015,14 +12179,14 @@
             <a:avLst/>
           </a:prstGeom>
           <a:noFill/>
-          <a:ln cap="flat" cmpd="sng" w="9525">
+          <a:ln w="9525" cap="flat" cmpd="sng">
             <a:solidFill>
               <a:srgbClr val="0000FF"/>
             </a:solidFill>
             <a:prstDash val="solid"/>
             <a:round/>
-            <a:headEnd len="sm" w="sm" type="none"/>
-            <a:tailEnd len="sm" w="sm" type="none"/>
+            <a:headEnd type="none" w="sm" len="sm"/>
+            <a:tailEnd type="none" w="sm" len="sm"/>
           </a:ln>
         </p:spPr>
       </p:pic>
@@ -12049,14 +12213,14 @@
             <a:avLst/>
           </a:prstGeom>
           <a:noFill/>
-          <a:ln cap="flat" cmpd="sng" w="9525">
+          <a:ln w="9525" cap="flat" cmpd="sng">
             <a:solidFill>
               <a:srgbClr val="4A86E8"/>
             </a:solidFill>
             <a:prstDash val="solid"/>
             <a:round/>
-            <a:headEnd len="sm" w="sm" type="none"/>
-            <a:tailEnd len="sm" w="sm" type="none"/>
+            <a:headEnd type="none" w="sm" len="sm"/>
+            <a:tailEnd type="none" w="sm" len="sm"/>
           </a:ln>
         </p:spPr>
       </p:pic>
@@ -12069,11 +12233,11 @@
 </file>
 
 <file path=ppt/slides/slide6.xml><?xml version="1.0" encoding="utf-8"?>
-<p:sld xmlns:a="http://schemas.openxmlformats.org/drawingml/2006/main" xmlns:r="http://schemas.openxmlformats.org/officeDocument/2006/relationships" xmlns:mc="http://schemas.openxmlformats.org/markup-compatibility/2006" xmlns:mv="urn:schemas-microsoft-com:mac:vml" xmlns:p="http://schemas.openxmlformats.org/presentationml/2006/main" xmlns:c="http://schemas.openxmlformats.org/drawingml/2006/chart" xmlns:dgm="http://schemas.openxmlformats.org/drawingml/2006/diagram" xmlns:o="urn:schemas-microsoft-com:office:office" xmlns:v="urn:schemas-microsoft-com:vml" xmlns:pvml="urn:schemas-microsoft-com:office:powerpoint" xmlns:com="http://schemas.openxmlformats.org/drawingml/2006/compatibility" xmlns:p14="http://schemas.microsoft.com/office/powerpoint/2010/main" xmlns:p15="http://schemas.microsoft.com/office/powerpoint/2012/main" xmlns:ahyp="http://schemas.microsoft.com/office/drawing/2018/hyperlinkcolor">
+<p:sld xmlns:a="http://schemas.openxmlformats.org/drawingml/2006/main" xmlns:r="http://schemas.openxmlformats.org/officeDocument/2006/relationships" xmlns:p="http://schemas.openxmlformats.org/presentationml/2006/main">
   <p:cSld>
     <p:spTree>
       <p:nvGrpSpPr>
-        <p:cNvPr id="166" name="Shape 166"/>
+        <p:cNvPr id="1" name="Shape 166"/>
         <p:cNvGrpSpPr/>
         <p:nvPr/>
       </p:nvGrpSpPr>
@@ -12088,7 +12252,9 @@
       <p:sp>
         <p:nvSpPr>
           <p:cNvPr id="167" name="Google Shape;167;p18"/>
-          <p:cNvSpPr txBox="1"/>
+          <p:cNvSpPr txBox="1">
+            <a:spLocks noGrp="1"/>
+          </p:cNvSpPr>
           <p:nvPr>
             <p:ph type="title"/>
           </p:nvPr>
@@ -12103,12 +12269,12 @@
           </a:prstGeom>
         </p:spPr>
         <p:txBody>
-          <a:bodyPr anchorCtr="0" anchor="t" bIns="91425" lIns="91425" spcFirstLastPara="1" rIns="91425" wrap="square" tIns="91425">
+          <a:bodyPr spcFirstLastPara="1" wrap="square" lIns="91425" tIns="91425" rIns="91425" bIns="91425" anchor="t" anchorCtr="0">
             <a:normAutofit/>
           </a:bodyPr>
           <a:lstStyle/>
           <a:p>
-            <a:pPr indent="0" lvl="0" marL="0" rtl="0" algn="ctr">
+            <a:pPr marL="0" lvl="0" indent="0" algn="ctr" rtl="0">
               <a:spcBef>
                 <a:spcPts val="0"/>
               </a:spcBef>
@@ -12139,9 +12305,11 @@
       <p:sp>
         <p:nvSpPr>
           <p:cNvPr id="168" name="Google Shape;168;p18"/>
-          <p:cNvSpPr txBox="1"/>
+          <p:cNvSpPr txBox="1">
+            <a:spLocks noGrp="1"/>
+          </p:cNvSpPr>
           <p:nvPr>
-            <p:ph idx="1" type="body"/>
+            <p:ph type="body" idx="1"/>
           </p:nvPr>
         </p:nvSpPr>
         <p:spPr>
@@ -12154,12 +12322,12 @@
           </a:prstGeom>
         </p:spPr>
         <p:txBody>
-          <a:bodyPr anchorCtr="0" anchor="t" bIns="91425" lIns="91425" spcFirstLastPara="1" rIns="91425" wrap="square" tIns="91425">
+          <a:bodyPr spcFirstLastPara="1" wrap="square" lIns="91425" tIns="91425" rIns="91425" bIns="91425" anchor="t" anchorCtr="0">
             <a:normAutofit/>
           </a:bodyPr>
           <a:lstStyle/>
           <a:p>
-            <a:pPr indent="0" lvl="0" marL="0" rtl="0" algn="l">
+            <a:pPr marL="0" lvl="0" indent="0" algn="l" rtl="0">
               <a:spcBef>
                 <a:spcPts val="0"/>
               </a:spcBef>
@@ -12223,11 +12391,11 @@
 </file>
 
 <file path=ppt/slides/slide7.xml><?xml version="1.0" encoding="utf-8"?>
-<p:sld xmlns:a="http://schemas.openxmlformats.org/drawingml/2006/main" xmlns:r="http://schemas.openxmlformats.org/officeDocument/2006/relationships" xmlns:mc="http://schemas.openxmlformats.org/markup-compatibility/2006" xmlns:mv="urn:schemas-microsoft-com:mac:vml" xmlns:p="http://schemas.openxmlformats.org/presentationml/2006/main" xmlns:c="http://schemas.openxmlformats.org/drawingml/2006/chart" xmlns:dgm="http://schemas.openxmlformats.org/drawingml/2006/diagram" xmlns:o="urn:schemas-microsoft-com:office:office" xmlns:v="urn:schemas-microsoft-com:vml" xmlns:pvml="urn:schemas-microsoft-com:office:powerpoint" xmlns:com="http://schemas.openxmlformats.org/drawingml/2006/compatibility" xmlns:p14="http://schemas.microsoft.com/office/powerpoint/2010/main" xmlns:p15="http://schemas.microsoft.com/office/powerpoint/2012/main" xmlns:ahyp="http://schemas.microsoft.com/office/drawing/2018/hyperlinkcolor">
+<p:sld xmlns:a="http://schemas.openxmlformats.org/drawingml/2006/main" xmlns:r="http://schemas.openxmlformats.org/officeDocument/2006/relationships" xmlns:p="http://schemas.openxmlformats.org/presentationml/2006/main">
   <p:cSld>
     <p:spTree>
       <p:nvGrpSpPr>
-        <p:cNvPr id="173" name="Shape 173"/>
+        <p:cNvPr id="1" name="Shape 173"/>
         <p:cNvGrpSpPr/>
         <p:nvPr/>
       </p:nvGrpSpPr>
@@ -12242,7 +12410,9 @@
       <p:sp>
         <p:nvSpPr>
           <p:cNvPr id="174" name="Google Shape;174;p19"/>
-          <p:cNvSpPr txBox="1"/>
+          <p:cNvSpPr txBox="1">
+            <a:spLocks noGrp="1"/>
+          </p:cNvSpPr>
           <p:nvPr>
             <p:ph type="title"/>
           </p:nvPr>
@@ -12257,12 +12427,12 @@
           </a:prstGeom>
         </p:spPr>
         <p:txBody>
-          <a:bodyPr anchorCtr="0" anchor="t" bIns="91425" lIns="91425" spcFirstLastPara="1" rIns="91425" wrap="square" tIns="91425">
+          <a:bodyPr spcFirstLastPara="1" wrap="square" lIns="91425" tIns="91425" rIns="91425" bIns="91425" anchor="t" anchorCtr="0">
             <a:normAutofit/>
           </a:bodyPr>
           <a:lstStyle/>
           <a:p>
-            <a:pPr indent="0" lvl="0" marL="0" rtl="0" algn="l">
+            <a:pPr marL="0" lvl="0" indent="0" algn="l" rtl="0">
               <a:spcBef>
                 <a:spcPts val="0"/>
               </a:spcBef>
@@ -12292,9 +12462,11 @@
       <p:sp>
         <p:nvSpPr>
           <p:cNvPr id="175" name="Google Shape;175;p19"/>
-          <p:cNvSpPr txBox="1"/>
+          <p:cNvSpPr txBox="1">
+            <a:spLocks noGrp="1"/>
+          </p:cNvSpPr>
           <p:nvPr>
-            <p:ph idx="1" type="body"/>
+            <p:ph type="body" idx="1"/>
           </p:nvPr>
         </p:nvSpPr>
         <p:spPr>
@@ -12307,12 +12479,12 @@
           </a:prstGeom>
         </p:spPr>
         <p:txBody>
-          <a:bodyPr anchorCtr="0" anchor="t" bIns="91425" lIns="91425" spcFirstLastPara="1" rIns="91425" wrap="square" tIns="91425">
+          <a:bodyPr spcFirstLastPara="1" wrap="square" lIns="91425" tIns="91425" rIns="91425" bIns="91425" anchor="t" anchorCtr="0">
             <a:normAutofit/>
           </a:bodyPr>
           <a:lstStyle/>
           <a:p>
-            <a:pPr indent="0" lvl="0" marL="0" rtl="0" algn="l">
+            <a:pPr marL="0" lvl="0" indent="0" algn="l" rtl="0">
               <a:spcBef>
                 <a:spcPts val="0"/>
               </a:spcBef>
@@ -12376,11 +12548,11 @@
 </file>
 
 <file path=ppt/slides/slide8.xml><?xml version="1.0" encoding="utf-8"?>
-<p:sld xmlns:a="http://schemas.openxmlformats.org/drawingml/2006/main" xmlns:r="http://schemas.openxmlformats.org/officeDocument/2006/relationships" xmlns:mc="http://schemas.openxmlformats.org/markup-compatibility/2006" xmlns:mv="urn:schemas-microsoft-com:mac:vml" xmlns:p="http://schemas.openxmlformats.org/presentationml/2006/main" xmlns:c="http://schemas.openxmlformats.org/drawingml/2006/chart" xmlns:dgm="http://schemas.openxmlformats.org/drawingml/2006/diagram" xmlns:o="urn:schemas-microsoft-com:office:office" xmlns:v="urn:schemas-microsoft-com:vml" xmlns:pvml="urn:schemas-microsoft-com:office:powerpoint" xmlns:com="http://schemas.openxmlformats.org/drawingml/2006/compatibility" xmlns:p14="http://schemas.microsoft.com/office/powerpoint/2010/main" xmlns:p15="http://schemas.microsoft.com/office/powerpoint/2012/main" xmlns:ahyp="http://schemas.microsoft.com/office/drawing/2018/hyperlinkcolor">
+<p:sld xmlns:a="http://schemas.openxmlformats.org/drawingml/2006/main" xmlns:r="http://schemas.openxmlformats.org/officeDocument/2006/relationships" xmlns:p="http://schemas.openxmlformats.org/presentationml/2006/main">
   <p:cSld>
     <p:spTree>
       <p:nvGrpSpPr>
-        <p:cNvPr id="180" name="Shape 180"/>
+        <p:cNvPr id="1" name="Shape 180"/>
         <p:cNvGrpSpPr/>
         <p:nvPr/>
       </p:nvGrpSpPr>
@@ -12395,7 +12567,9 @@
       <p:sp>
         <p:nvSpPr>
           <p:cNvPr id="181" name="Google Shape;181;p20"/>
-          <p:cNvSpPr txBox="1"/>
+          <p:cNvSpPr txBox="1">
+            <a:spLocks noGrp="1"/>
+          </p:cNvSpPr>
           <p:nvPr>
             <p:ph type="title"/>
           </p:nvPr>
@@ -12410,12 +12584,12 @@
           </a:prstGeom>
         </p:spPr>
         <p:txBody>
-          <a:bodyPr anchorCtr="0" anchor="t" bIns="91425" lIns="91425" spcFirstLastPara="1" rIns="91425" wrap="square" tIns="91425">
+          <a:bodyPr spcFirstLastPara="1" wrap="square" lIns="91425" tIns="91425" rIns="91425" bIns="91425" anchor="t" anchorCtr="0">
             <a:normAutofit fontScale="90000"/>
           </a:bodyPr>
           <a:lstStyle/>
           <a:p>
-            <a:pPr indent="0" lvl="0" marL="0" rtl="0" algn="l">
+            <a:pPr marL="0" lvl="0" indent="0" algn="l" rtl="0">
               <a:spcBef>
                 <a:spcPts val="0"/>
               </a:spcBef>
@@ -12445,9 +12619,11 @@
       <p:sp>
         <p:nvSpPr>
           <p:cNvPr id="182" name="Google Shape;182;p20"/>
-          <p:cNvSpPr txBox="1"/>
+          <p:cNvSpPr txBox="1">
+            <a:spLocks noGrp="1"/>
+          </p:cNvSpPr>
           <p:nvPr>
-            <p:ph idx="1" type="body"/>
+            <p:ph type="body" idx="1"/>
           </p:nvPr>
         </p:nvSpPr>
         <p:spPr>
@@ -12460,12 +12636,12 @@
           </a:prstGeom>
         </p:spPr>
         <p:txBody>
-          <a:bodyPr anchorCtr="0" anchor="t" bIns="91425" lIns="91425" spcFirstLastPara="1" rIns="91425" wrap="square" tIns="91425">
+          <a:bodyPr spcFirstLastPara="1" wrap="square" lIns="91425" tIns="91425" rIns="91425" bIns="91425" anchor="t" anchorCtr="0">
             <a:normAutofit/>
           </a:bodyPr>
           <a:lstStyle/>
           <a:p>
-            <a:pPr indent="0" lvl="0" marL="0" rtl="0" algn="l">
+            <a:pPr marL="0" lvl="0" indent="0" algn="l" rtl="0">
               <a:spcBef>
                 <a:spcPts val="0"/>
               </a:spcBef>
@@ -12519,11 +12695,11 @@
 </file>
 
 <file path=ppt/slides/slide9.xml><?xml version="1.0" encoding="utf-8"?>
-<p:sld xmlns:a="http://schemas.openxmlformats.org/drawingml/2006/main" xmlns:r="http://schemas.openxmlformats.org/officeDocument/2006/relationships" xmlns:mc="http://schemas.openxmlformats.org/markup-compatibility/2006" xmlns:mv="urn:schemas-microsoft-com:mac:vml" xmlns:p="http://schemas.openxmlformats.org/presentationml/2006/main" xmlns:c="http://schemas.openxmlformats.org/drawingml/2006/chart" xmlns:dgm="http://schemas.openxmlformats.org/drawingml/2006/diagram" xmlns:o="urn:schemas-microsoft-com:office:office" xmlns:v="urn:schemas-microsoft-com:vml" xmlns:pvml="urn:schemas-microsoft-com:office:powerpoint" xmlns:com="http://schemas.openxmlformats.org/drawingml/2006/compatibility" xmlns:p14="http://schemas.microsoft.com/office/powerpoint/2010/main" xmlns:p15="http://schemas.microsoft.com/office/powerpoint/2012/main" xmlns:ahyp="http://schemas.microsoft.com/office/drawing/2018/hyperlinkcolor">
+<p:sld xmlns:a="http://schemas.openxmlformats.org/drawingml/2006/main" xmlns:r="http://schemas.openxmlformats.org/officeDocument/2006/relationships" xmlns:p="http://schemas.openxmlformats.org/presentationml/2006/main">
   <p:cSld>
     <p:spTree>
       <p:nvGrpSpPr>
-        <p:cNvPr id="187" name="Shape 187"/>
+        <p:cNvPr id="1" name="Shape 187"/>
         <p:cNvGrpSpPr/>
         <p:nvPr/>
       </p:nvGrpSpPr>
@@ -12538,14 +12714,16 @@
       <p:sp>
         <p:nvSpPr>
           <p:cNvPr id="188" name="Google Shape;188;p21"/>
-          <p:cNvSpPr txBox="1"/>
+          <p:cNvSpPr txBox="1">
+            <a:spLocks noGrp="1"/>
+          </p:cNvSpPr>
           <p:nvPr>
             <p:ph type="title"/>
           </p:nvPr>
         </p:nvSpPr>
         <p:spPr>
           <a:xfrm>
-            <a:off x="1297500" y="393750"/>
+            <a:off x="1163686" y="148423"/>
             <a:ext cx="7038900" cy="914100"/>
           </a:xfrm>
           <a:prstGeom prst="rect">
@@ -12553,12 +12731,12 @@
           </a:prstGeom>
         </p:spPr>
         <p:txBody>
-          <a:bodyPr anchorCtr="0" anchor="t" bIns="91425" lIns="91425" spcFirstLastPara="1" rIns="91425" wrap="square" tIns="91425">
-            <a:normAutofit/>
+          <a:bodyPr spcFirstLastPara="1" wrap="square" lIns="91425" tIns="91425" rIns="91425" bIns="91425" anchor="t" anchorCtr="0">
+            <a:normAutofit fontScale="90000"/>
           </a:bodyPr>
           <a:lstStyle/>
           <a:p>
-            <a:pPr indent="0" lvl="0" marL="0" rtl="0" algn="ctr">
+            <a:pPr marL="0" lvl="0" indent="0" algn="ctr" rtl="0">
               <a:spcBef>
                 <a:spcPts val="0"/>
               </a:spcBef>
@@ -12568,15 +12746,59 @@
               <a:buNone/>
             </a:pPr>
             <a:r>
-              <a:rPr lang="en" sz="3000">
+              <a:rPr lang="en" sz="3000" dirty="0">
                 <a:latin typeface="Georgia"/>
                 <a:ea typeface="Georgia"/>
                 <a:cs typeface="Georgia"/>
                 <a:sym typeface="Georgia"/>
               </a:rPr>
-              <a:t>Offense vs. Bias</a:t>
+              <a:t>Offense </a:t>
             </a:r>
-            <a:endParaRPr sz="3000">
+            <a:r>
+              <a:rPr lang="en" sz="2700" dirty="0">
+                <a:latin typeface="Georgia"/>
+                <a:ea typeface="Georgia"/>
+                <a:cs typeface="Georgia"/>
+                <a:sym typeface="Georgia"/>
+              </a:rPr>
+              <a:t>(multiple/single) </a:t>
+            </a:r>
+            <a:r>
+              <a:rPr lang="en" sz="3000" dirty="0">
+                <a:latin typeface="Georgia"/>
+                <a:ea typeface="Georgia"/>
+                <a:cs typeface="Georgia"/>
+                <a:sym typeface="Georgia"/>
+              </a:rPr>
+              <a:t>vs. </a:t>
+            </a:r>
+            <a:br>
+              <a:rPr lang="en" sz="3000" dirty="0">
+                <a:latin typeface="Georgia"/>
+                <a:ea typeface="Georgia"/>
+                <a:cs typeface="Georgia"/>
+                <a:sym typeface="Georgia"/>
+              </a:rPr>
+            </a:br>
+            <a:r>
+              <a:rPr lang="en" sz="3000" dirty="0">
+                <a:latin typeface="Georgia"/>
+                <a:ea typeface="Georgia"/>
+                <a:cs typeface="Georgia"/>
+                <a:sym typeface="Georgia"/>
+              </a:rPr>
+              <a:t>Bias </a:t>
+            </a:r>
+            <a:r>
+              <a:rPr lang="en" sz="2700" dirty="0">
+                <a:latin typeface="Georgia"/>
+                <a:ea typeface="Georgia"/>
+                <a:cs typeface="Georgia"/>
+                <a:sym typeface="Georgia"/>
+              </a:rPr>
+              <a:t>(multiple/single)</a:t>
+            </a:r>
+            <a:endParaRPr sz="3000" dirty="0">
               <a:latin typeface="Georgia"/>
               <a:ea typeface="Georgia"/>
               <a:cs typeface="Georgia"/>
@@ -12622,7 +12844,7 @@
 </file>
 
 <file path=ppt/theme/theme1.xml><?xml version="1.0" encoding="utf-8"?>
-<a:theme xmlns:a="http://schemas.openxmlformats.org/drawingml/2006/main" xmlns:r="http://schemas.openxmlformats.org/officeDocument/2006/relationships" name="Focus">
+<a:theme xmlns:a="http://schemas.openxmlformats.org/drawingml/2006/main" name="Focus">
   <a:themeElements>
     <a:clrScheme name="Focus">
       <a:dk1>
@@ -12897,11 +13119,13 @@
       </a:bgFillStyleLst>
     </a:fmtScheme>
   </a:themeElements>
+  <a:objectDefaults/>
+  <a:extraClrSchemeLst/>
 </a:theme>
 </file>
 
 <file path=ppt/theme/theme2.xml><?xml version="1.0" encoding="utf-8"?>
-<a:theme xmlns:a="http://schemas.openxmlformats.org/drawingml/2006/main" xmlns:r="http://schemas.openxmlformats.org/officeDocument/2006/relationships">
+<a:theme xmlns:a="http://schemas.openxmlformats.org/drawingml/2006/main">
   <a:themeElements>
     <a:clrScheme name="Default">
       <a:dk1>
@@ -13176,5 +13400,7 @@
       </a:bgFillStyleLst>
     </a:fmtScheme>
   </a:themeElements>
+  <a:objectDefaults/>
+  <a:extraClrSchemeLst/>
 </a:theme>
 </file>